--- a/Tournaments/2023_03_FukuokaNode/PresentationSheet/PresentationSeet.pptx
+++ b/Tournaments/2023_03_FukuokaNode/PresentationSheet/PresentationSeet.pptx
@@ -197,7 +197,7 @@
           <a:p>
             <a:fld id="{112A8008-FDA3-410E-9738-B862D3BEBCE1}" type="datetimeFigureOut">
               <a:rPr kumimoji="1" lang="ja-JP" altLang="en-US" smtClean="0"/>
-              <a:t>2022/12/6</a:t>
+              <a:t>2022/12/9</a:t>
             </a:fld>
             <a:endParaRPr kumimoji="1" lang="ja-JP" altLang="en-US"/>
           </a:p>
@@ -716,7 +716,7 @@
           <a:p>
             <a:fld id="{7A01C935-5042-4AD5-A86E-5E275E957866}" type="datetimeFigureOut">
               <a:rPr kumimoji="1" lang="ja-JP" altLang="en-US" smtClean="0"/>
-              <a:t>2022/12/6</a:t>
+              <a:t>2022/12/9</a:t>
             </a:fld>
             <a:endParaRPr kumimoji="1" lang="ja-JP" altLang="en-US"/>
           </a:p>
@@ -918,7 +918,7 @@
           <a:p>
             <a:fld id="{7A01C935-5042-4AD5-A86E-5E275E957866}" type="datetimeFigureOut">
               <a:rPr kumimoji="1" lang="ja-JP" altLang="en-US" smtClean="0"/>
-              <a:t>2022/12/6</a:t>
+              <a:t>2022/12/9</a:t>
             </a:fld>
             <a:endParaRPr kumimoji="1" lang="ja-JP" altLang="en-US"/>
           </a:p>
@@ -1130,7 +1130,7 @@
           <a:p>
             <a:fld id="{7A01C935-5042-4AD5-A86E-5E275E957866}" type="datetimeFigureOut">
               <a:rPr kumimoji="1" lang="ja-JP" altLang="en-US" smtClean="0"/>
-              <a:t>2022/12/6</a:t>
+              <a:t>2022/12/9</a:t>
             </a:fld>
             <a:endParaRPr kumimoji="1" lang="ja-JP" altLang="en-US"/>
           </a:p>
@@ -1332,7 +1332,7 @@
           <a:p>
             <a:fld id="{7A01C935-5042-4AD5-A86E-5E275E957866}" type="datetimeFigureOut">
               <a:rPr kumimoji="1" lang="ja-JP" altLang="en-US" smtClean="0"/>
-              <a:t>2022/12/6</a:t>
+              <a:t>2022/12/9</a:t>
             </a:fld>
             <a:endParaRPr kumimoji="1" lang="ja-JP" altLang="en-US"/>
           </a:p>
@@ -1576,7 +1576,7 @@
           <a:p>
             <a:fld id="{7A01C935-5042-4AD5-A86E-5E275E957866}" type="datetimeFigureOut">
               <a:rPr kumimoji="1" lang="ja-JP" altLang="en-US" smtClean="0"/>
-              <a:t>2022/12/6</a:t>
+              <a:t>2022/12/9</a:t>
             </a:fld>
             <a:endParaRPr kumimoji="1" lang="ja-JP" altLang="en-US"/>
           </a:p>
@@ -1872,7 +1872,7 @@
           <a:p>
             <a:fld id="{7A01C935-5042-4AD5-A86E-5E275E957866}" type="datetimeFigureOut">
               <a:rPr kumimoji="1" lang="ja-JP" altLang="en-US" smtClean="0"/>
-              <a:t>2022/12/6</a:t>
+              <a:t>2022/12/9</a:t>
             </a:fld>
             <a:endParaRPr kumimoji="1" lang="ja-JP" altLang="en-US"/>
           </a:p>
@@ -2303,7 +2303,7 @@
           <a:p>
             <a:fld id="{7A01C935-5042-4AD5-A86E-5E275E957866}" type="datetimeFigureOut">
               <a:rPr kumimoji="1" lang="ja-JP" altLang="en-US" smtClean="0"/>
-              <a:t>2022/12/6</a:t>
+              <a:t>2022/12/9</a:t>
             </a:fld>
             <a:endParaRPr kumimoji="1" lang="ja-JP" altLang="en-US"/>
           </a:p>
@@ -2421,7 +2421,7 @@
           <a:p>
             <a:fld id="{7A01C935-5042-4AD5-A86E-5E275E957866}" type="datetimeFigureOut">
               <a:rPr kumimoji="1" lang="ja-JP" altLang="en-US" smtClean="0"/>
-              <a:t>2022/12/6</a:t>
+              <a:t>2022/12/9</a:t>
             </a:fld>
             <a:endParaRPr kumimoji="1" lang="ja-JP" altLang="en-US"/>
           </a:p>
@@ -2516,7 +2516,7 @@
           <a:p>
             <a:fld id="{7A01C935-5042-4AD5-A86E-5E275E957866}" type="datetimeFigureOut">
               <a:rPr kumimoji="1" lang="ja-JP" altLang="en-US" smtClean="0"/>
-              <a:t>2022/12/6</a:t>
+              <a:t>2022/12/9</a:t>
             </a:fld>
             <a:endParaRPr kumimoji="1" lang="ja-JP" altLang="en-US"/>
           </a:p>
@@ -2825,7 +2825,7 @@
           <a:p>
             <a:fld id="{7A01C935-5042-4AD5-A86E-5E275E957866}" type="datetimeFigureOut">
               <a:rPr kumimoji="1" lang="ja-JP" altLang="en-US" smtClean="0"/>
-              <a:t>2022/12/6</a:t>
+              <a:t>2022/12/9</a:t>
             </a:fld>
             <a:endParaRPr kumimoji="1" lang="ja-JP" altLang="en-US"/>
           </a:p>
@@ -3082,7 +3082,7 @@
           <a:p>
             <a:fld id="{7A01C935-5042-4AD5-A86E-5E275E957866}" type="datetimeFigureOut">
               <a:rPr kumimoji="1" lang="ja-JP" altLang="en-US" smtClean="0"/>
-              <a:t>2022/12/6</a:t>
+              <a:t>2022/12/9</a:t>
             </a:fld>
             <a:endParaRPr kumimoji="1" lang="ja-JP" altLang="en-US"/>
           </a:p>
@@ -3327,7 +3327,7 @@
           <a:p>
             <a:fld id="{7A01C935-5042-4AD5-A86E-5E275E957866}" type="datetimeFigureOut">
               <a:rPr kumimoji="1" lang="ja-JP" altLang="en-US" smtClean="0"/>
-              <a:t>2022/12/6</a:t>
+              <a:t>2022/12/9</a:t>
             </a:fld>
             <a:endParaRPr kumimoji="1" lang="ja-JP" altLang="en-US"/>
           </a:p>
@@ -3740,7 +3740,7 @@
         </p:nvSpPr>
         <p:spPr>
           <a:xfrm>
-            <a:off x="-1080698" y="3586661"/>
+            <a:off x="-1040986" y="3638080"/>
             <a:ext cx="17201322" cy="7835107"/>
           </a:xfrm>
           <a:prstGeom prst="roundRect">
@@ -4013,8 +4013,8 @@
         </p:nvSpPr>
         <p:spPr>
           <a:xfrm>
-            <a:off x="12404907" y="4222942"/>
-            <a:ext cx="2561784" cy="3101363"/>
+            <a:off x="12351360" y="4222942"/>
+            <a:ext cx="2615331" cy="3101363"/>
           </a:xfrm>
           <a:prstGeom prst="roundRect">
             <a:avLst>
@@ -4131,8 +4131,8 @@
         </p:nvSpPr>
         <p:spPr>
           <a:xfrm>
-            <a:off x="3405491" y="71538"/>
-            <a:ext cx="2053507" cy="307777"/>
+            <a:off x="3694686" y="57957"/>
+            <a:ext cx="2053507" cy="338554"/>
           </a:xfrm>
           <a:prstGeom prst="rect">
             <a:avLst/>
@@ -4146,7 +4146,7 @@
           <a:lstStyle/>
           <a:p>
             <a:r>
-              <a:rPr lang="ja-JP" altLang="en-US" sz="1400" dirty="0">
+              <a:rPr lang="ja-JP" altLang="en-US" sz="1600" dirty="0">
                 <a:solidFill>
                   <a:schemeClr val="bg1"/>
                 </a:solidFill>
@@ -4166,7 +4166,7 @@
         </p:nvSpPr>
         <p:spPr>
           <a:xfrm>
-            <a:off x="3650780" y="317593"/>
+            <a:off x="3778717" y="309962"/>
             <a:ext cx="4606955" cy="297902"/>
           </a:xfrm>
           <a:prstGeom prst="rect">
@@ -4395,7 +4395,7 @@
         <p:spPr>
           <a:xfrm>
             <a:off x="253502" y="835538"/>
-            <a:ext cx="1473556" cy="727004"/>
+            <a:ext cx="1281344" cy="727004"/>
           </a:xfrm>
           <a:prstGeom prst="roundRect">
             <a:avLst>
@@ -4480,7 +4480,7 @@
         </p:blipFill>
         <p:spPr>
           <a:xfrm>
-            <a:off x="475190" y="1164684"/>
+            <a:off x="389761" y="1170186"/>
             <a:ext cx="1007518" cy="359663"/>
           </a:xfrm>
           <a:prstGeom prst="rect">
@@ -4581,8 +4581,8 @@
         </p:nvSpPr>
         <p:spPr>
           <a:xfrm>
-            <a:off x="249670" y="1815974"/>
-            <a:ext cx="1299563" cy="869998"/>
+            <a:off x="249671" y="1815974"/>
+            <a:ext cx="1288734" cy="869998"/>
           </a:xfrm>
           <a:prstGeom prst="roundRect">
             <a:avLst>
@@ -4663,7 +4663,7 @@
         <p:spPr>
           <a:xfrm>
             <a:off x="205942" y="1779354"/>
-            <a:ext cx="1557174" cy="400110"/>
+            <a:ext cx="1557174" cy="415498"/>
           </a:xfrm>
           <a:prstGeom prst="rect">
             <a:avLst/>
@@ -4682,7 +4682,7 @@
                   <a:schemeClr val="bg1"/>
                 </a:solidFill>
                 <a:latin typeface="源ノ角ゴシック Code JP M" panose="020B0600000000000000" pitchFamily="34" charset="-128"/>
-                <a:ea typeface="源ノ角ゴシック Code JP M" panose="020B0600000000000000" pitchFamily="34" charset="-128"/>
+                <a:ea typeface="源ノ角ゴシック Code JP M" panose="020B0600000000000000"/>
               </a:rPr>
               <a:t>Power</a:t>
             </a:r>
@@ -4692,7 +4692,7 @@
                   <a:schemeClr val="bg1"/>
                 </a:solidFill>
                 <a:latin typeface="源ノ角ゴシック Code JP M" panose="020B0600000000000000" pitchFamily="34" charset="-128"/>
-                <a:ea typeface="源ノ角ゴシック Code JP M" panose="020B0600000000000000" pitchFamily="34" charset="-128"/>
+                <a:ea typeface="源ノ角ゴシック Code JP M" panose="020B0600000000000000"/>
               </a:rPr>
               <a:t> </a:t>
             </a:r>
@@ -4702,7 +4702,7 @@
                   <a:schemeClr val="bg1"/>
                 </a:solidFill>
                 <a:latin typeface="源ノ角ゴシック Code JP M" panose="020B0600000000000000" pitchFamily="34" charset="-128"/>
-                <a:ea typeface="源ノ角ゴシック Code JP M" panose="020B0600000000000000" pitchFamily="34" charset="-128"/>
+                <a:ea typeface="源ノ角ゴシック Code JP M" panose="020B0600000000000000"/>
               </a:rPr>
               <a:t>Supply Unit</a:t>
             </a:r>
@@ -4711,99 +4711,52 @@
                 <a:schemeClr val="bg1"/>
               </a:solidFill>
               <a:latin typeface="源ノ角ゴシック Code JP M" panose="020B0600000000000000" pitchFamily="34" charset="-128"/>
-              <a:ea typeface="源ノ角ゴシック Code JP M" panose="020B0600000000000000" pitchFamily="34" charset="-128"/>
-            </a:endParaRPr>
-          </a:p>
-          <a:p>
-            <a:r>
-              <a:rPr lang="en-US" altLang="ja-JP" sz="700" b="1" dirty="0">
+              <a:ea typeface="源ノ角ゴシック Code JP M" panose="020B0600000000000000"/>
+            </a:endParaRPr>
+          </a:p>
+          <a:p>
+            <a:r>
+              <a:rPr lang="en-US" altLang="ja-JP" sz="700" dirty="0">
+                <a:solidFill>
+                  <a:schemeClr val="bg1"/>
+                </a:solidFill>
+                <a:latin typeface="源ノ角ゴシック Code JP R" panose="020B0500000000000000" pitchFamily="34" charset="-128"/>
+                <a:ea typeface="源ノ角ゴシック Code JP M" panose="020B0600000000000000"/>
+              </a:rPr>
+              <a:t>   Fuse</a:t>
+            </a:r>
+            <a:r>
+              <a:rPr lang="ja-JP" altLang="en-US" sz="700" dirty="0">
+                <a:solidFill>
+                  <a:schemeClr val="bg1"/>
+                </a:solidFill>
+                <a:latin typeface="源ノ角ゴシック Code JP R" panose="020B0500000000000000" pitchFamily="34" charset="-128"/>
+                <a:ea typeface="源ノ角ゴシック Code JP M" panose="020B0600000000000000"/>
+              </a:rPr>
+              <a:t>     </a:t>
+            </a:r>
+            <a:r>
+              <a:rPr lang="en-US" altLang="ja-JP" sz="700" dirty="0">
+                <a:solidFill>
+                  <a:schemeClr val="bg1"/>
+                </a:solidFill>
+                <a:latin typeface="源ノ角ゴシック Code JP R" panose="020B0500000000000000" pitchFamily="34" charset="-128"/>
+                <a:ea typeface="源ノ角ゴシック Code JP M" panose="020B0600000000000000"/>
+              </a:rPr>
+              <a:t>: 20A</a:t>
+            </a:r>
+          </a:p>
+          <a:p>
+            <a:r>
+              <a:rPr lang="en-US" altLang="ja-JP" sz="700" dirty="0">
                 <a:solidFill>
                   <a:schemeClr val="bg1"/>
                 </a:solidFill>
                 <a:latin typeface="源ノ角ゴシック Code JP M" panose="020B0600000000000000" pitchFamily="34" charset="-128"/>
-                <a:ea typeface="源ノ角ゴシック Code JP M" panose="020B0600000000000000" pitchFamily="34" charset="-128"/>
-              </a:rPr>
-              <a:t> </a:t>
-            </a:r>
-            <a:r>
-              <a:rPr lang="en-US" altLang="ja-JP" sz="600" dirty="0" smtClean="0">
-                <a:solidFill>
-                  <a:schemeClr val="bg1"/>
-                </a:solidFill>
-                <a:latin typeface="源ノ角ゴシック Code JP R" panose="020B0500000000000000" pitchFamily="34" charset="-128"/>
-                <a:ea typeface="源ノ角ゴシック Code JP R" panose="020B0500000000000000" pitchFamily="34" charset="-128"/>
-              </a:rPr>
-              <a:t>Fuse</a:t>
-            </a:r>
-            <a:r>
-              <a:rPr lang="ja-JP" altLang="en-US" sz="600" dirty="0">
-                <a:solidFill>
-                  <a:schemeClr val="bg1"/>
-                </a:solidFill>
-                <a:latin typeface="源ノ角ゴシック Code JP R" panose="020B0500000000000000" pitchFamily="34" charset="-128"/>
-                <a:ea typeface="源ノ角ゴシック Code JP R" panose="020B0500000000000000" pitchFamily="34" charset="-128"/>
-              </a:rPr>
-              <a:t> </a:t>
-            </a:r>
-            <a:r>
-              <a:rPr lang="ja-JP" altLang="en-US" sz="600" dirty="0" smtClean="0">
-                <a:solidFill>
-                  <a:schemeClr val="bg1"/>
-                </a:solidFill>
-                <a:latin typeface="源ノ角ゴシック Code JP R" panose="020B0500000000000000" pitchFamily="34" charset="-128"/>
-                <a:ea typeface="源ノ角ゴシック Code JP R" panose="020B0500000000000000" pitchFamily="34" charset="-128"/>
-              </a:rPr>
-              <a:t>  </a:t>
-            </a:r>
-            <a:r>
-              <a:rPr lang="en-US" altLang="ja-JP" sz="600" dirty="0" smtClean="0">
-                <a:solidFill>
-                  <a:schemeClr val="bg1"/>
-                </a:solidFill>
-                <a:latin typeface="源ノ角ゴシック Code JP R" panose="020B0500000000000000" pitchFamily="34" charset="-128"/>
-                <a:ea typeface="源ノ角ゴシック Code JP R" panose="020B0500000000000000" pitchFamily="34" charset="-128"/>
-              </a:rPr>
-              <a:t>: 20A</a:t>
-            </a:r>
-          </a:p>
-          <a:p>
-            <a:r>
-              <a:rPr lang="en-US" altLang="ja-JP" sz="600" b="1" dirty="0" smtClean="0">
-                <a:solidFill>
-                  <a:schemeClr val="bg1"/>
-                </a:solidFill>
-                <a:latin typeface="源ノ角ゴシック Code JP M" panose="020B0600000000000000" pitchFamily="34" charset="-128"/>
-                <a:ea typeface="源ノ角ゴシック Code JP R" panose="020B0500000000000000" pitchFamily="34" charset="-128"/>
-              </a:rPr>
-              <a:t> </a:t>
-            </a:r>
-            <a:r>
-              <a:rPr lang="en-US" altLang="ja-JP" sz="500" dirty="0" smtClean="0">
-                <a:solidFill>
-                  <a:schemeClr val="bg1"/>
-                </a:solidFill>
-                <a:latin typeface="源ノ角ゴシック Code JP M" panose="020B0600000000000000" pitchFamily="34" charset="-128"/>
-                <a:ea typeface="源ノ角ゴシック Code JP R" panose="020B0500000000000000" pitchFamily="34" charset="-128"/>
-              </a:rPr>
-              <a:t>DC-DC:</a:t>
-            </a:r>
-            <a:r>
-              <a:rPr lang="ja-JP" altLang="en-US" sz="500" spc="-150" dirty="0">
-                <a:solidFill>
-                  <a:schemeClr val="bg1"/>
-                </a:solidFill>
-                <a:latin typeface="HGｺﾞｼｯｸM" panose="020B0609000000000000" pitchFamily="49" charset="-128"/>
-                <a:ea typeface="HGｺﾞｼｯｸM" panose="020B0609000000000000" pitchFamily="49" charset="-128"/>
-              </a:rPr>
-              <a:t>ＯＫＬ－Ｔ／３－Ｗ５Ｎ－Ｃ</a:t>
-            </a:r>
-            <a:endParaRPr lang="ja-JP" altLang="en-US" sz="500" spc="-150" dirty="0">
-              <a:solidFill>
-                <a:schemeClr val="bg1"/>
-              </a:solidFill>
-              <a:latin typeface="HGｺﾞｼｯｸM" panose="020B0609000000000000" pitchFamily="49" charset="-128"/>
-              <a:ea typeface="HGｺﾞｼｯｸM" panose="020B0609000000000000" pitchFamily="49" charset="-128"/>
-            </a:endParaRPr>
+                <a:ea typeface="源ノ角ゴシック Code JP M" panose="020B0600000000000000"/>
+              </a:rPr>
+              <a:t>  DC-DC:OKL-T/3W5NC</a:t>
+            </a:r>
           </a:p>
         </p:txBody>
       </p:sp>
@@ -4815,8 +4768,8 @@
         </p:nvSpPr>
         <p:spPr>
           <a:xfrm>
-            <a:off x="376938" y="2655361"/>
-            <a:ext cx="96307" cy="696667"/>
+            <a:off x="376938" y="2692430"/>
+            <a:ext cx="97536" cy="659598"/>
           </a:xfrm>
           <a:prstGeom prst="rect">
             <a:avLst/>
@@ -4906,8 +4859,8 @@
         </p:nvSpPr>
         <p:spPr>
           <a:xfrm rot="16200000">
-            <a:off x="100875" y="2900861"/>
-            <a:ext cx="639891" cy="195118"/>
+            <a:off x="93988" y="2921611"/>
+            <a:ext cx="653481" cy="195118"/>
           </a:xfrm>
           <a:prstGeom prst="rect">
             <a:avLst/>
@@ -5076,8 +5029,8 @@
         </p:nvSpPr>
         <p:spPr>
           <a:xfrm>
-            <a:off x="607259" y="2807329"/>
-            <a:ext cx="1113581" cy="229294"/>
+            <a:off x="600098" y="2767447"/>
+            <a:ext cx="1171182" cy="276999"/>
           </a:xfrm>
           <a:prstGeom prst="rect">
             <a:avLst/>
@@ -5091,7 +5044,7 @@
           <a:lstStyle/>
           <a:p>
             <a:r>
-              <a:rPr lang="en-US" altLang="ja-JP" sz="445" b="1" dirty="0">
+              <a:rPr lang="en-US" altLang="ja-JP" sz="600" b="1" dirty="0">
                 <a:solidFill>
                   <a:schemeClr val="bg1"/>
                 </a:solidFill>
@@ -5103,16 +5056,16 @@
           </a:p>
           <a:p>
             <a:r>
-              <a:rPr lang="en-US" altLang="ja-JP" sz="445" b="1" dirty="0">
+              <a:rPr lang="en-US" altLang="ja-JP" sz="600" b="1" dirty="0">
                 <a:solidFill>
                   <a:schemeClr val="bg1"/>
                 </a:solidFill>
                 <a:latin typeface="源ノ角ゴシック Code JP M" panose="020B0600000000000000" pitchFamily="34" charset="-128"/>
                 <a:ea typeface="源ノ角ゴシック Code JP M" panose="020B0600000000000000" pitchFamily="34" charset="-128"/>
               </a:rPr>
-              <a:t>      (DAISEN DSR-1202) </a:t>
-            </a:r>
-            <a:endParaRPr lang="ja-JP" altLang="en-US" sz="334" b="1" dirty="0">
+              <a:t>   (DAISEN DSR-1202) </a:t>
+            </a:r>
+            <a:endParaRPr lang="ja-JP" altLang="en-US" sz="600" b="1" dirty="0">
               <a:solidFill>
                 <a:schemeClr val="bg1"/>
               </a:solidFill>
@@ -5144,7 +5097,7 @@
         </p:blipFill>
         <p:spPr>
           <a:xfrm>
-            <a:off x="743541" y="2925649"/>
+            <a:off x="739823" y="2945604"/>
             <a:ext cx="839584" cy="839584"/>
           </a:xfrm>
           <a:prstGeom prst="rect">
@@ -5235,72 +5188,24 @@
       </p:sp>
       <p:sp>
         <p:nvSpPr>
-          <p:cNvPr id="147" name="テキスト ボックス 146"/>
-          <p:cNvSpPr txBox="1"/>
-          <p:nvPr/>
-        </p:nvSpPr>
-        <p:spPr>
-          <a:xfrm>
-            <a:off x="1798868" y="830864"/>
-            <a:ext cx="1557174" cy="229422"/>
+          <p:cNvPr id="148" name="正方形/長方形 147"/>
+          <p:cNvSpPr/>
+          <p:nvPr/>
+        </p:nvSpPr>
+        <p:spPr>
+          <a:xfrm rot="5400000">
+            <a:off x="1567060" y="2082605"/>
+            <a:ext cx="238655" cy="275272"/>
           </a:xfrm>
           <a:prstGeom prst="rect">
             <a:avLst/>
           </a:prstGeom>
-          <a:noFill/>
-        </p:spPr>
-        <p:txBody>
-          <a:bodyPr wrap="square" rtlCol="0">
-            <a:spAutoFit/>
-          </a:bodyPr>
-          <a:lstStyle/>
-          <a:p>
-            <a:r>
-              <a:rPr lang="en-US" altLang="ja-JP" sz="891" b="1" dirty="0">
-                <a:solidFill>
-                  <a:schemeClr val="bg1"/>
-                </a:solidFill>
-                <a:latin typeface="源ノ角ゴシック Code JP M" panose="020B0600000000000000" pitchFamily="34" charset="-128"/>
-                <a:ea typeface="源ノ角ゴシック Code JP M" panose="020B0600000000000000" pitchFamily="34" charset="-128"/>
-              </a:rPr>
-              <a:t>Main Board</a:t>
-            </a:r>
-            <a:endParaRPr lang="ja-JP" altLang="en-US" sz="780" b="1" dirty="0">
-              <a:solidFill>
-                <a:schemeClr val="bg1"/>
-              </a:solidFill>
-              <a:latin typeface="源ノ角ゴシック Code JP M" panose="020B0600000000000000" pitchFamily="34" charset="-128"/>
-              <a:ea typeface="源ノ角ゴシック Code JP M" panose="020B0600000000000000" pitchFamily="34" charset="-128"/>
-            </a:endParaRPr>
-          </a:p>
-        </p:txBody>
-      </p:sp>
-      <p:sp>
-        <p:nvSpPr>
-          <p:cNvPr id="151" name="角丸四角形 150"/>
-          <p:cNvSpPr/>
-          <p:nvPr/>
-        </p:nvSpPr>
-        <p:spPr>
-          <a:xfrm>
-            <a:off x="2007898" y="1052153"/>
-            <a:ext cx="1384142" cy="342595"/>
-          </a:xfrm>
-          <a:prstGeom prst="roundRect">
-            <a:avLst>
-              <a:gd name="adj" fmla="val 5861"/>
-            </a:avLst>
-          </a:prstGeom>
           <a:solidFill>
-            <a:schemeClr val="bg1">
-              <a:lumMod val="65000"/>
-            </a:schemeClr>
+            <a:srgbClr val="F06E6E"/>
           </a:solidFill>
           <a:ln>
             <a:solidFill>
-              <a:schemeClr val="bg1">
-                <a:lumMod val="65000"/>
-              </a:schemeClr>
+              <a:srgbClr val="F06E6E"/>
             </a:solidFill>
           </a:ln>
         </p:spPr>
@@ -5329,81 +5234,79 @@
           </a:bodyPr>
           <a:lstStyle/>
           <a:p>
-            <a:endParaRPr lang="en-US" altLang="ja-JP" sz="1225" dirty="0">
-              <a:solidFill>
-                <a:schemeClr val="tx1">
-                  <a:lumMod val="85000"/>
-                  <a:lumOff val="15000"/>
-                </a:schemeClr>
-              </a:solidFill>
-              <a:latin typeface="源ノ角ゴシック Light" panose="020B0300000000000000" pitchFamily="34" charset="-128"/>
-              <a:ea typeface="源ノ角ゴシック Light" panose="020B0300000000000000" pitchFamily="34" charset="-128"/>
-            </a:endParaRPr>
-          </a:p>
-          <a:p>
-            <a:endParaRPr lang="ja-JP" altLang="en-US" sz="1225" dirty="0">
-              <a:solidFill>
-                <a:schemeClr val="tx1">
-                  <a:lumMod val="85000"/>
-                  <a:lumOff val="15000"/>
-                </a:schemeClr>
-              </a:solidFill>
-              <a:latin typeface="源ノ角ゴシック Light" panose="020B0300000000000000" pitchFamily="34" charset="-128"/>
-              <a:ea typeface="源ノ角ゴシック Light" panose="020B0300000000000000" pitchFamily="34" charset="-128"/>
-            </a:endParaRPr>
-          </a:p>
-        </p:txBody>
-      </p:sp>
-      <p:pic>
-        <p:nvPicPr>
-          <p:cNvPr id="29" name="図 28"/>
-          <p:cNvPicPr>
-            <a:picLocks noChangeAspect="1"/>
-          </p:cNvPicPr>
-          <p:nvPr/>
-        </p:nvPicPr>
-        <p:blipFill>
-          <a:blip r:embed="rId5" cstate="print">
-            <a:extLst>
-              <a:ext uri="{28A0092B-C50C-407E-A947-70E740481C1C}">
-                <a14:useLocalDpi xmlns:a14="http://schemas.microsoft.com/office/drawing/2010/main" val="0"/>
-              </a:ext>
-            </a:extLst>
-          </a:blip>
-          <a:stretch>
-            <a:fillRect/>
-          </a:stretch>
-        </p:blipFill>
-        <p:spPr>
-          <a:xfrm>
-            <a:off x="2211745" y="1179180"/>
-            <a:ext cx="1030830" cy="193280"/>
+            <a:pPr algn="ctr"/>
+            <a:endParaRPr lang="ja-JP" altLang="en-US" sz="3086"/>
+          </a:p>
+        </p:txBody>
+      </p:sp>
+      <p:sp>
+        <p:nvSpPr>
+          <p:cNvPr id="147" name="テキスト ボックス 146"/>
+          <p:cNvSpPr txBox="1"/>
+          <p:nvPr/>
+        </p:nvSpPr>
+        <p:spPr>
+          <a:xfrm>
+            <a:off x="1798868" y="830864"/>
+            <a:ext cx="1557174" cy="229422"/>
           </a:xfrm>
           <a:prstGeom prst="rect">
             <a:avLst/>
           </a:prstGeom>
-        </p:spPr>
-      </p:pic>
-      <p:sp>
-        <p:nvSpPr>
-          <p:cNvPr id="148" name="正方形/長方形 147"/>
+          <a:noFill/>
+        </p:spPr>
+        <p:txBody>
+          <a:bodyPr wrap="square" rtlCol="0">
+            <a:spAutoFit/>
+          </a:bodyPr>
+          <a:lstStyle/>
+          <a:p>
+            <a:r>
+              <a:rPr lang="en-US" altLang="ja-JP" sz="891" b="1" dirty="0">
+                <a:solidFill>
+                  <a:schemeClr val="bg1"/>
+                </a:solidFill>
+                <a:latin typeface="源ノ角ゴシック Code JP M" panose="020B0600000000000000" pitchFamily="34" charset="-128"/>
+                <a:ea typeface="源ノ角ゴシック Code JP M" panose="020B0600000000000000" pitchFamily="34" charset="-128"/>
+              </a:rPr>
+              <a:t>Main Board</a:t>
+            </a:r>
+            <a:endParaRPr lang="ja-JP" altLang="en-US" sz="780" b="1" dirty="0">
+              <a:solidFill>
+                <a:schemeClr val="bg1"/>
+              </a:solidFill>
+              <a:latin typeface="源ノ角ゴシック Code JP M" panose="020B0600000000000000" pitchFamily="34" charset="-128"/>
+              <a:ea typeface="源ノ角ゴシック Code JP M" panose="020B0600000000000000" pitchFamily="34" charset="-128"/>
+            </a:endParaRPr>
+          </a:p>
+        </p:txBody>
+      </p:sp>
+      <p:sp>
+        <p:nvSpPr>
+          <p:cNvPr id="151" name="角丸四角形 150"/>
           <p:cNvSpPr/>
           <p:nvPr/>
         </p:nvSpPr>
         <p:spPr>
-          <a:xfrm rot="5400000">
-            <a:off x="1567462" y="2095560"/>
-            <a:ext cx="238655" cy="246659"/>
-          </a:xfrm>
-          <a:prstGeom prst="rect">
-            <a:avLst/>
+          <a:xfrm>
+            <a:off x="2007898" y="1052153"/>
+            <a:ext cx="1384142" cy="342595"/>
+          </a:xfrm>
+          <a:prstGeom prst="roundRect">
+            <a:avLst>
+              <a:gd name="adj" fmla="val 5861"/>
+            </a:avLst>
           </a:prstGeom>
           <a:solidFill>
-            <a:srgbClr val="F06E6E"/>
+            <a:schemeClr val="bg1">
+              <a:lumMod val="65000"/>
+            </a:schemeClr>
           </a:solidFill>
           <a:ln>
             <a:solidFill>
-              <a:srgbClr val="F06E6E"/>
+              <a:schemeClr val="bg1">
+                <a:lumMod val="65000"/>
+              </a:schemeClr>
             </a:solidFill>
           </a:ln>
         </p:spPr>
@@ -5432,11 +5335,61 @@
           </a:bodyPr>
           <a:lstStyle/>
           <a:p>
-            <a:pPr algn="ctr"/>
-            <a:endParaRPr lang="ja-JP" altLang="en-US" sz="3086"/>
-          </a:p>
-        </p:txBody>
-      </p:sp>
+            <a:endParaRPr lang="en-US" altLang="ja-JP" sz="1225" dirty="0">
+              <a:solidFill>
+                <a:schemeClr val="tx1">
+                  <a:lumMod val="85000"/>
+                  <a:lumOff val="15000"/>
+                </a:schemeClr>
+              </a:solidFill>
+              <a:latin typeface="源ノ角ゴシック Light" panose="020B0300000000000000" pitchFamily="34" charset="-128"/>
+              <a:ea typeface="源ノ角ゴシック Light" panose="020B0300000000000000" pitchFamily="34" charset="-128"/>
+            </a:endParaRPr>
+          </a:p>
+          <a:p>
+            <a:endParaRPr lang="ja-JP" altLang="en-US" sz="1225" dirty="0">
+              <a:solidFill>
+                <a:schemeClr val="tx1">
+                  <a:lumMod val="85000"/>
+                  <a:lumOff val="15000"/>
+                </a:schemeClr>
+              </a:solidFill>
+              <a:latin typeface="源ノ角ゴシック Light" panose="020B0300000000000000" pitchFamily="34" charset="-128"/>
+              <a:ea typeface="源ノ角ゴシック Light" panose="020B0300000000000000" pitchFamily="34" charset="-128"/>
+            </a:endParaRPr>
+          </a:p>
+        </p:txBody>
+      </p:sp>
+      <p:pic>
+        <p:nvPicPr>
+          <p:cNvPr id="29" name="図 28"/>
+          <p:cNvPicPr>
+            <a:picLocks noChangeAspect="1"/>
+          </p:cNvPicPr>
+          <p:nvPr/>
+        </p:nvPicPr>
+        <p:blipFill>
+          <a:blip r:embed="rId5" cstate="print">
+            <a:extLst>
+              <a:ext uri="{28A0092B-C50C-407E-A947-70E740481C1C}">
+                <a14:useLocalDpi xmlns:a14="http://schemas.microsoft.com/office/drawing/2010/main" val="0"/>
+              </a:ext>
+            </a:extLst>
+          </a:blip>
+          <a:stretch>
+            <a:fillRect/>
+          </a:stretch>
+        </p:blipFill>
+        <p:spPr>
+          <a:xfrm>
+            <a:off x="2211745" y="1179180"/>
+            <a:ext cx="1030830" cy="193280"/>
+          </a:xfrm>
+          <a:prstGeom prst="rect">
+            <a:avLst/>
+          </a:prstGeom>
+        </p:spPr>
+      </p:pic>
       <p:sp>
         <p:nvSpPr>
           <p:cNvPr id="149" name="テキスト ボックス 148"/>
@@ -5445,7 +5398,7 @@
         </p:nvSpPr>
         <p:spPr>
           <a:xfrm>
-            <a:off x="1478144" y="2060319"/>
+            <a:off x="1486844" y="2069098"/>
             <a:ext cx="429524" cy="297902"/>
           </a:xfrm>
           <a:prstGeom prst="rect">
@@ -5465,7 +5418,7 @@
                   <a:schemeClr val="bg1"/>
                 </a:solidFill>
               </a:rPr>
-              <a:t>Power(5.5V)</a:t>
+              <a:t>Power(5.0V)</a:t>
             </a:r>
             <a:endParaRPr lang="ja-JP" altLang="en-US" sz="668" dirty="0">
               <a:solidFill>
@@ -5663,8 +5616,8 @@
         </p:nvSpPr>
         <p:spPr>
           <a:xfrm>
-            <a:off x="2123686" y="1604162"/>
-            <a:ext cx="792052" cy="160813"/>
+            <a:off x="2095191" y="1600893"/>
+            <a:ext cx="792052" cy="176972"/>
           </a:xfrm>
           <a:prstGeom prst="rect">
             <a:avLst/>
@@ -5677,8 +5630,9 @@
           </a:bodyPr>
           <a:lstStyle/>
           <a:p>
-            <a:r>
-              <a:rPr lang="en-US" altLang="ja-JP" sz="445" b="1" dirty="0">
+            <a:pPr algn="ctr"/>
+            <a:r>
+              <a:rPr lang="en-US" altLang="ja-JP" sz="550" b="1" dirty="0">
                 <a:solidFill>
                   <a:schemeClr val="bg1"/>
                 </a:solidFill>
@@ -5687,7 +5641,7 @@
               </a:rPr>
               <a:t>Seeeduino Xiao</a:t>
             </a:r>
-            <a:endParaRPr lang="ja-JP" altLang="en-US" sz="445" b="1" dirty="0">
+            <a:endParaRPr lang="ja-JP" altLang="en-US" sz="550" b="1" dirty="0">
               <a:solidFill>
                 <a:schemeClr val="bg1"/>
               </a:solidFill>
@@ -5843,8 +5797,8 @@
         </p:nvSpPr>
         <p:spPr>
           <a:xfrm>
-            <a:off x="2185723" y="1979725"/>
-            <a:ext cx="630354" cy="160813"/>
+            <a:off x="2173785" y="1972136"/>
+            <a:ext cx="630354" cy="176972"/>
           </a:xfrm>
           <a:prstGeom prst="rect">
             <a:avLst/>
@@ -5857,8 +5811,9 @@
           </a:bodyPr>
           <a:lstStyle/>
           <a:p>
-            <a:r>
-              <a:rPr lang="en-US" altLang="ja-JP" sz="445" b="1" dirty="0">
+            <a:pPr algn="ctr"/>
+            <a:r>
+              <a:rPr lang="en-US" altLang="ja-JP" sz="550" b="1" dirty="0">
                 <a:solidFill>
                   <a:schemeClr val="bg1"/>
                 </a:solidFill>
@@ -5867,7 +5822,7 @@
               </a:rPr>
               <a:t>Gyro Sensor</a:t>
             </a:r>
-            <a:endParaRPr lang="ja-JP" altLang="en-US" sz="445" b="1" dirty="0">
+            <a:endParaRPr lang="ja-JP" altLang="en-US" sz="550" b="1" dirty="0">
               <a:solidFill>
                 <a:schemeClr val="bg1"/>
               </a:solidFill>
@@ -6021,8 +5976,8 @@
         </p:nvSpPr>
         <p:spPr>
           <a:xfrm>
-            <a:off x="2726617" y="1598647"/>
-            <a:ext cx="792052" cy="160813"/>
+            <a:off x="2701394" y="1598701"/>
+            <a:ext cx="792052" cy="176972"/>
           </a:xfrm>
           <a:prstGeom prst="rect">
             <a:avLst/>
@@ -6035,8 +5990,9 @@
           </a:bodyPr>
           <a:lstStyle/>
           <a:p>
-            <a:r>
-              <a:rPr lang="en-US" altLang="ja-JP" sz="445" b="1" dirty="0">
+            <a:pPr algn="ctr"/>
+            <a:r>
+              <a:rPr lang="en-US" altLang="ja-JP" sz="550" b="1" dirty="0">
                 <a:solidFill>
                   <a:schemeClr val="bg1"/>
                 </a:solidFill>
@@ -6045,7 +6001,7 @@
               </a:rPr>
               <a:t>Seeeduino Xiao</a:t>
             </a:r>
-            <a:endParaRPr lang="ja-JP" altLang="en-US" sz="445" b="1" dirty="0">
+            <a:endParaRPr lang="ja-JP" altLang="en-US" sz="550" b="1" dirty="0">
               <a:solidFill>
                 <a:schemeClr val="bg1"/>
               </a:solidFill>
@@ -6199,8 +6155,8 @@
         </p:nvSpPr>
         <p:spPr>
           <a:xfrm>
-            <a:off x="2746663" y="1948994"/>
-            <a:ext cx="786012" cy="229294"/>
+            <a:off x="2699067" y="1944944"/>
+            <a:ext cx="786012" cy="245452"/>
           </a:xfrm>
           <a:prstGeom prst="rect">
             <a:avLst/>
@@ -6213,8 +6169,9 @@
           </a:bodyPr>
           <a:lstStyle/>
           <a:p>
-            <a:r>
-              <a:rPr lang="en-US" altLang="ja-JP" sz="445" b="1" dirty="0">
+            <a:pPr algn="ctr"/>
+            <a:r>
+              <a:rPr lang="en-US" altLang="ja-JP" sz="550" b="1" dirty="0">
                 <a:solidFill>
                   <a:schemeClr val="bg1"/>
                 </a:solidFill>
@@ -6225,6 +6182,7 @@
             </a:r>
           </a:p>
           <a:p>
+            <a:pPr algn="ctr"/>
             <a:r>
               <a:rPr lang="en-US" altLang="ja-JP" sz="445" b="1" dirty="0">
                 <a:solidFill>
@@ -6236,7 +6194,7 @@
               <a:t>    </a:t>
             </a:r>
             <a:r>
-              <a:rPr lang="en-US" altLang="ja-JP" sz="334" b="1" dirty="0">
+              <a:rPr lang="en-US" altLang="ja-JP" sz="400" b="1" dirty="0">
                 <a:solidFill>
                   <a:schemeClr val="bg1"/>
                 </a:solidFill>
@@ -6245,7 +6203,7 @@
               </a:rPr>
               <a:t>TSSP58038 x 8</a:t>
             </a:r>
-            <a:endParaRPr lang="ja-JP" altLang="en-US" sz="334" b="1" dirty="0">
+            <a:endParaRPr lang="ja-JP" altLang="en-US" sz="400" b="1" dirty="0">
               <a:solidFill>
                 <a:schemeClr val="bg1"/>
               </a:solidFill>
@@ -6401,8 +6359,8 @@
         </p:nvSpPr>
         <p:spPr>
           <a:xfrm>
-            <a:off x="1971840" y="2204162"/>
-            <a:ext cx="862627" cy="153888"/>
+            <a:off x="1948771" y="2187723"/>
+            <a:ext cx="943103" cy="176972"/>
           </a:xfrm>
           <a:prstGeom prst="rect">
             <a:avLst/>
@@ -6416,7 +6374,7 @@
           <a:lstStyle/>
           <a:p>
             <a:r>
-              <a:rPr lang="en-US" altLang="ja-JP" sz="400" b="1" dirty="0">
+              <a:rPr lang="en-US" altLang="ja-JP" sz="550" b="1" dirty="0">
                 <a:solidFill>
                   <a:schemeClr val="bg1"/>
                 </a:solidFill>
@@ -6425,7 +6383,7 @@
               </a:rPr>
               <a:t>Type-C Covert Module</a:t>
             </a:r>
-            <a:endParaRPr lang="ja-JP" altLang="en-US" sz="400" b="1" dirty="0">
+            <a:endParaRPr lang="ja-JP" altLang="en-US" sz="550" b="1" dirty="0">
               <a:solidFill>
                 <a:schemeClr val="bg1"/>
               </a:solidFill>
@@ -6520,8 +6478,8 @@
         </p:nvSpPr>
         <p:spPr>
           <a:xfrm>
-            <a:off x="2027442" y="2365903"/>
-            <a:ext cx="832993" cy="153888"/>
+            <a:off x="1965799" y="2359573"/>
+            <a:ext cx="832993" cy="169277"/>
           </a:xfrm>
           <a:prstGeom prst="rect">
             <a:avLst/>
@@ -6534,20 +6492,15 @@
           </a:bodyPr>
           <a:lstStyle/>
           <a:p>
-            <a:r>
-              <a:rPr lang="en-US" altLang="ja-JP" sz="400" b="1" dirty="0">
-                <a:solidFill>
-                  <a:schemeClr val="tx1">
-                    <a:lumMod val="65000"/>
-                    <a:lumOff val="35000"/>
-                  </a:schemeClr>
-                </a:solidFill>
+            <a:pPr algn="ctr"/>
+            <a:r>
+              <a:rPr lang="en-US" altLang="ja-JP" sz="500" dirty="0">
                 <a:latin typeface="源ノ角ゴシック Code JP R" panose="020B0500000000000000" pitchFamily="34" charset="-128"/>
                 <a:ea typeface="源ノ角ゴシック Code JP R" panose="020B0500000000000000" pitchFamily="34" charset="-128"/>
               </a:rPr>
-              <a:t>Serial To Type-C</a:t>
-            </a:r>
-            <a:endParaRPr lang="ja-JP" altLang="en-US" sz="400" b="1" dirty="0">
+              <a:t>Type-C to Serial</a:t>
+            </a:r>
+            <a:endParaRPr lang="ja-JP" altLang="en-US" sz="500" dirty="0">
               <a:latin typeface="源ノ角ゴシック Code JP R" panose="020B0500000000000000" pitchFamily="34" charset="-128"/>
               <a:ea typeface="源ノ角ゴシック Code JP R" panose="020B0500000000000000" pitchFamily="34" charset="-128"/>
             </a:endParaRPr>
@@ -7368,7 +7321,7 @@
         </p:nvSpPr>
         <p:spPr>
           <a:xfrm>
-            <a:off x="3883669" y="1771439"/>
+            <a:off x="3868962" y="1740624"/>
             <a:ext cx="922515" cy="1061829"/>
           </a:xfrm>
           <a:prstGeom prst="rect">
@@ -7383,28 +7336,101 @@
           <a:lstStyle/>
           <a:p>
             <a:r>
-              <a:rPr lang="en-US" altLang="ja-JP" sz="700" b="1" dirty="0">
+              <a:rPr lang="en-US" altLang="ja-JP" sz="780" b="1" dirty="0">
                 <a:solidFill>
                   <a:schemeClr val="bg1"/>
                 </a:solidFill>
                 <a:latin typeface="源ノ角ゴシック Code JP M" panose="020B0600000000000000" pitchFamily="34" charset="-128"/>
                 <a:ea typeface="源ノ角ゴシック Code JP M" panose="020B0600000000000000" pitchFamily="34" charset="-128"/>
               </a:rPr>
-              <a:t>Line </a:t>
-            </a:r>
-            <a:r>
-              <a:rPr lang="en-US" altLang="ja-JP" sz="700" b="1" dirty="0" smtClean="0">
+              <a:t>Line ring</a:t>
+            </a:r>
+          </a:p>
+          <a:p>
+            <a:endParaRPr lang="en-US" altLang="ja-JP" sz="700" b="1" dirty="0">
+              <a:solidFill>
+                <a:schemeClr val="bg1"/>
+              </a:solidFill>
+              <a:latin typeface="源ノ角ゴシック Code JP M" panose="020B0600000000000000" pitchFamily="34" charset="-128"/>
+              <a:ea typeface="源ノ角ゴシック Code JP M" panose="020B0600000000000000" pitchFamily="34" charset="-128"/>
+            </a:endParaRPr>
+          </a:p>
+          <a:p>
+            <a:endParaRPr lang="en-US" altLang="ja-JP" sz="700" b="1" dirty="0">
+              <a:solidFill>
+                <a:schemeClr val="bg1"/>
+              </a:solidFill>
+              <a:latin typeface="源ノ角ゴシック Code JP M" panose="020B0600000000000000" pitchFamily="34" charset="-128"/>
+              <a:ea typeface="源ノ角ゴシック Code JP M" panose="020B0600000000000000" pitchFamily="34" charset="-128"/>
+            </a:endParaRPr>
+          </a:p>
+          <a:p>
+            <a:endParaRPr lang="en-US" altLang="ja-JP" sz="700" b="1" dirty="0">
+              <a:solidFill>
+                <a:schemeClr val="bg1"/>
+              </a:solidFill>
+              <a:latin typeface="源ノ角ゴシック Code JP M" panose="020B0600000000000000" pitchFamily="34" charset="-128"/>
+              <a:ea typeface="源ノ角ゴシック Code JP M" panose="020B0600000000000000" pitchFamily="34" charset="-128"/>
+            </a:endParaRPr>
+          </a:p>
+          <a:p>
+            <a:endParaRPr lang="en-US" altLang="ja-JP" sz="700" b="1" dirty="0">
+              <a:solidFill>
+                <a:schemeClr val="bg1"/>
+              </a:solidFill>
+              <a:latin typeface="源ノ角ゴシック Code JP M" panose="020B0600000000000000" pitchFamily="34" charset="-128"/>
+              <a:ea typeface="源ノ角ゴシック Code JP M" panose="020B0600000000000000" pitchFamily="34" charset="-128"/>
+            </a:endParaRPr>
+          </a:p>
+          <a:p>
+            <a:endParaRPr lang="en-US" altLang="ja-JP" sz="700" b="1" dirty="0">
+              <a:solidFill>
+                <a:schemeClr val="bg1"/>
+              </a:solidFill>
+              <a:latin typeface="源ノ角ゴシック Code JP M" panose="020B0600000000000000" pitchFamily="34" charset="-128"/>
+              <a:ea typeface="源ノ角ゴシック Code JP M" panose="020B0600000000000000" pitchFamily="34" charset="-128"/>
+            </a:endParaRPr>
+          </a:p>
+          <a:p>
+            <a:endParaRPr lang="en-US" altLang="ja-JP" sz="700" b="1" dirty="0">
+              <a:solidFill>
+                <a:schemeClr val="bg1"/>
+              </a:solidFill>
+              <a:latin typeface="源ノ角ゴシック Code JP M" panose="020B0600000000000000" pitchFamily="34" charset="-128"/>
+              <a:ea typeface="源ノ角ゴシック Code JP M" panose="020B0600000000000000" pitchFamily="34" charset="-128"/>
+            </a:endParaRPr>
+          </a:p>
+          <a:p>
+            <a:endParaRPr lang="en-US" altLang="ja-JP" sz="700" b="1" dirty="0">
+              <a:solidFill>
+                <a:schemeClr val="bg1"/>
+              </a:solidFill>
+              <a:latin typeface="源ノ角ゴシック Code JP M" panose="020B0600000000000000" pitchFamily="34" charset="-128"/>
+              <a:ea typeface="源ノ角ゴシック Code JP M" panose="020B0600000000000000" pitchFamily="34" charset="-128"/>
+            </a:endParaRPr>
+          </a:p>
+          <a:p>
+            <a:r>
+              <a:rPr lang="en-US" altLang="ja-JP" sz="600" b="1" dirty="0">
                 <a:solidFill>
                   <a:schemeClr val="bg1"/>
                 </a:solidFill>
                 <a:latin typeface="源ノ角ゴシック Code JP M" panose="020B0600000000000000" pitchFamily="34" charset="-128"/>
                 <a:ea typeface="源ノ角ゴシック Code JP M" panose="020B0600000000000000" pitchFamily="34" charset="-128"/>
               </a:rPr>
-              <a:t>ring</a:t>
-            </a:r>
-          </a:p>
-          <a:p>
-            <a:endParaRPr lang="en-US" altLang="ja-JP" sz="700" b="1" dirty="0">
+              <a:t>S4282-51</a:t>
+            </a:r>
+            <a:r>
+              <a:rPr lang="en-US" altLang="ja-JP" sz="600" b="1" dirty="0">
+                <a:solidFill>
+                  <a:schemeClr val="bg1"/>
+                </a:solidFill>
+                <a:latin typeface="源ノ角ゴシック Code JP R" panose="020B0500000000000000" pitchFamily="34" charset="-128"/>
+                <a:ea typeface="源ノ角ゴシック Code JP R" panose="020B0500000000000000" pitchFamily="34" charset="-128"/>
+              </a:rPr>
+              <a:t>  x 16</a:t>
+            </a:r>
+            <a:endParaRPr lang="ja-JP" altLang="en-US" sz="600" b="1" dirty="0">
               <a:solidFill>
                 <a:schemeClr val="bg1"/>
               </a:solidFill>
@@ -7412,109 +7438,6 @@
               <a:ea typeface="源ノ角ゴシック Code JP M" panose="020B0600000000000000" pitchFamily="34" charset="-128"/>
             </a:endParaRPr>
           </a:p>
-          <a:p>
-            <a:endParaRPr lang="en-US" altLang="ja-JP" sz="700" b="1" dirty="0" smtClean="0">
-              <a:solidFill>
-                <a:schemeClr val="bg1"/>
-              </a:solidFill>
-              <a:latin typeface="源ノ角ゴシック Code JP M" panose="020B0600000000000000" pitchFamily="34" charset="-128"/>
-              <a:ea typeface="源ノ角ゴシック Code JP M" panose="020B0600000000000000" pitchFamily="34" charset="-128"/>
-            </a:endParaRPr>
-          </a:p>
-          <a:p>
-            <a:endParaRPr lang="en-US" altLang="ja-JP" sz="700" b="1" dirty="0">
-              <a:solidFill>
-                <a:schemeClr val="bg1"/>
-              </a:solidFill>
-              <a:latin typeface="源ノ角ゴシック Code JP M" panose="020B0600000000000000" pitchFamily="34" charset="-128"/>
-              <a:ea typeface="源ノ角ゴシック Code JP M" panose="020B0600000000000000" pitchFamily="34" charset="-128"/>
-            </a:endParaRPr>
-          </a:p>
-          <a:p>
-            <a:endParaRPr lang="en-US" altLang="ja-JP" sz="700" b="1" dirty="0" smtClean="0">
-              <a:solidFill>
-                <a:schemeClr val="bg1"/>
-              </a:solidFill>
-              <a:latin typeface="源ノ角ゴシック Code JP M" panose="020B0600000000000000" pitchFamily="34" charset="-128"/>
-              <a:ea typeface="源ノ角ゴシック Code JP M" panose="020B0600000000000000" pitchFamily="34" charset="-128"/>
-            </a:endParaRPr>
-          </a:p>
-          <a:p>
-            <a:endParaRPr lang="en-US" altLang="ja-JP" sz="700" b="1" dirty="0">
-              <a:solidFill>
-                <a:schemeClr val="bg1"/>
-              </a:solidFill>
-              <a:latin typeface="源ノ角ゴシック Code JP M" panose="020B0600000000000000" pitchFamily="34" charset="-128"/>
-              <a:ea typeface="源ノ角ゴシック Code JP M" panose="020B0600000000000000" pitchFamily="34" charset="-128"/>
-            </a:endParaRPr>
-          </a:p>
-          <a:p>
-            <a:endParaRPr lang="en-US" altLang="ja-JP" sz="700" b="1" dirty="0" smtClean="0">
-              <a:solidFill>
-                <a:schemeClr val="bg1"/>
-              </a:solidFill>
-              <a:latin typeface="源ノ角ゴシック Code JP M" panose="020B0600000000000000" pitchFamily="34" charset="-128"/>
-              <a:ea typeface="源ノ角ゴシック Code JP M" panose="020B0600000000000000" pitchFamily="34" charset="-128"/>
-            </a:endParaRPr>
-          </a:p>
-          <a:p>
-            <a:endParaRPr lang="en-US" altLang="ja-JP" sz="700" b="1" dirty="0">
-              <a:solidFill>
-                <a:schemeClr val="bg1"/>
-              </a:solidFill>
-              <a:latin typeface="源ノ角ゴシック Code JP M" panose="020B0600000000000000" pitchFamily="34" charset="-128"/>
-              <a:ea typeface="源ノ角ゴシック Code JP M" panose="020B0600000000000000" pitchFamily="34" charset="-128"/>
-            </a:endParaRPr>
-          </a:p>
-          <a:p>
-            <a:r>
-              <a:rPr lang="en-US" altLang="ja-JP" sz="500" b="1" dirty="0" smtClean="0">
-                <a:solidFill>
-                  <a:schemeClr val="bg1"/>
-                </a:solidFill>
-                <a:latin typeface="源ノ角ゴシック Code JP M" panose="020B0600000000000000" pitchFamily="34" charset="-128"/>
-                <a:ea typeface="源ノ角ゴシック Code JP M" panose="020B0600000000000000" pitchFamily="34" charset="-128"/>
-              </a:rPr>
-              <a:t>S4282-51</a:t>
-            </a:r>
-            <a:r>
-              <a:rPr lang="en-US" altLang="ja-JP" sz="400" b="1" dirty="0">
-                <a:solidFill>
-                  <a:schemeClr val="bg1"/>
-                </a:solidFill>
-                <a:latin typeface="源ノ角ゴシック Code JP R" panose="020B0500000000000000" pitchFamily="34" charset="-128"/>
-                <a:ea typeface="源ノ角ゴシック Code JP R" panose="020B0500000000000000" pitchFamily="34" charset="-128"/>
-              </a:rPr>
-              <a:t> </a:t>
-            </a:r>
-            <a:r>
-              <a:rPr lang="en-US" altLang="ja-JP" sz="400" b="1" dirty="0" smtClean="0">
-                <a:solidFill>
-                  <a:schemeClr val="bg1"/>
-                </a:solidFill>
-                <a:latin typeface="源ノ角ゴシック Code JP R" panose="020B0500000000000000" pitchFamily="34" charset="-128"/>
-                <a:ea typeface="源ノ角ゴシック Code JP R" panose="020B0500000000000000" pitchFamily="34" charset="-128"/>
-              </a:rPr>
-              <a:t> </a:t>
-            </a:r>
-            <a:r>
-              <a:rPr lang="en-US" altLang="ja-JP" sz="500" b="1" dirty="0" smtClean="0">
-                <a:solidFill>
-                  <a:schemeClr val="bg1"/>
-                </a:solidFill>
-                <a:latin typeface="源ノ角ゴシック Code JP R" panose="020B0500000000000000" pitchFamily="34" charset="-128"/>
-                <a:ea typeface="源ノ角ゴシック Code JP R" panose="020B0500000000000000" pitchFamily="34" charset="-128"/>
-              </a:rPr>
-              <a:t>x 16</a:t>
-            </a:r>
-            <a:endParaRPr lang="ja-JP" altLang="en-US" sz="500" b="1" dirty="0">
-              <a:solidFill>
-                <a:schemeClr val="bg1"/>
-              </a:solidFill>
-              <a:latin typeface="源ノ角ゴシック Code JP M" panose="020B0600000000000000" pitchFamily="34" charset="-128"/>
-              <a:ea typeface="源ノ角ゴシック Code JP M" panose="020B0600000000000000" pitchFamily="34" charset="-128"/>
-            </a:endParaRPr>
-          </a:p>
         </p:txBody>
       </p:sp>
       <p:sp>
@@ -7525,7 +7448,7 @@
         </p:nvSpPr>
         <p:spPr>
           <a:xfrm>
-            <a:off x="2151842" y="2788525"/>
+            <a:off x="2230525" y="2797287"/>
             <a:ext cx="970407" cy="908012"/>
           </a:xfrm>
           <a:prstGeom prst="roundRect">
@@ -7604,8 +7527,8 @@
         </p:nvSpPr>
         <p:spPr>
           <a:xfrm>
-            <a:off x="2118508" y="2785479"/>
-            <a:ext cx="1113581" cy="307777"/>
+            <a:off x="2197191" y="2794241"/>
+            <a:ext cx="1113581" cy="320088"/>
           </a:xfrm>
           <a:prstGeom prst="rect">
             <a:avLst/>
@@ -7619,7 +7542,7 @@
           <a:lstStyle/>
           <a:p>
             <a:r>
-              <a:rPr lang="en-US" altLang="ja-JP" sz="700" b="1" dirty="0">
+              <a:rPr lang="en-US" altLang="ja-JP" sz="780" b="1" dirty="0">
                 <a:solidFill>
                   <a:schemeClr val="bg1"/>
                 </a:solidFill>
@@ -7638,19 +7561,9 @@
                 <a:latin typeface="源ノ角ゴシック Code JP M" panose="020B0600000000000000" pitchFamily="34" charset="-128"/>
                 <a:ea typeface="源ノ角ゴシック Code JP M" panose="020B0600000000000000" pitchFamily="34" charset="-128"/>
               </a:rPr>
-              <a:t>  </a:t>
-            </a:r>
-            <a:r>
-              <a:rPr lang="en-US" altLang="ja-JP" sz="500" b="1" dirty="0">
-                <a:solidFill>
-                  <a:schemeClr val="bg1"/>
-                </a:solidFill>
-                <a:latin typeface="源ノ角ゴシック Code JP M" panose="020B0600000000000000" pitchFamily="34" charset="-128"/>
-                <a:ea typeface="源ノ角ゴシック Code JP M" panose="020B0600000000000000" pitchFamily="34" charset="-128"/>
-              </a:rPr>
-              <a:t>JMP-BE-3561 x 4</a:t>
-            </a:r>
-            <a:endParaRPr lang="ja-JP" altLang="en-US" sz="600" b="1" dirty="0">
+              <a:t>  JMP-BE-3561 x 4</a:t>
+            </a:r>
+            <a:endParaRPr lang="ja-JP" altLang="en-US" sz="700" b="1" dirty="0">
               <a:solidFill>
                 <a:schemeClr val="bg1"/>
               </a:solidFill>
@@ -8018,9 +7931,9 @@
           <a:stretch/>
         </p:blipFill>
         <p:spPr>
-          <a:xfrm>
-            <a:off x="2265570" y="3105917"/>
-            <a:ext cx="742950" cy="434975"/>
+          <a:xfrm rot="18844015">
+            <a:off x="2167904" y="3201008"/>
+            <a:ext cx="687868" cy="402726"/>
           </a:xfrm>
           <a:prstGeom prst="rect">
             <a:avLst/>
@@ -8035,7 +7948,7 @@
           </p:cNvPicPr>
           <p:nvPr/>
         </p:nvPicPr>
-        <p:blipFill>
+        <p:blipFill rotWithShape="1">
           <a:blip r:embed="rId8" cstate="print">
             <a:extLst>
               <a:ext uri="{28A0092B-C50C-407E-A947-70E740481C1C}">
@@ -8043,14 +7956,13 @@
               </a:ext>
             </a:extLst>
           </a:blip>
-          <a:stretch>
-            <a:fillRect/>
-          </a:stretch>
+          <a:srcRect l="12661" t="-515" r="13098" b="515"/>
+          <a:stretch/>
         </p:blipFill>
         <p:spPr>
-          <a:xfrm>
-            <a:off x="3935084" y="1908612"/>
-            <a:ext cx="947432" cy="758964"/>
+          <a:xfrm rot="5400000">
+            <a:off x="4022872" y="1894797"/>
+            <a:ext cx="703382" cy="758964"/>
           </a:xfrm>
           <a:prstGeom prst="rect">
             <a:avLst/>
@@ -8079,8 +7991,8 @@
         </p:blipFill>
         <p:spPr>
           <a:xfrm>
-            <a:off x="758670" y="2054323"/>
-            <a:ext cx="848870" cy="682753"/>
+            <a:off x="479404" y="2083469"/>
+            <a:ext cx="800616" cy="643942"/>
           </a:xfrm>
           <a:prstGeom prst="rect">
             <a:avLst/>
@@ -8128,7 +8040,7 @@
         <p:spPr>
           <a:xfrm>
             <a:off x="4537602" y="1524234"/>
-            <a:ext cx="228004" cy="86481"/>
+            <a:ext cx="184279" cy="90328"/>
           </a:xfrm>
           <a:prstGeom prst="bentConnector3">
             <a:avLst>
@@ -8164,8 +8076,8 @@
         </p:nvSpPr>
         <p:spPr>
           <a:xfrm>
-            <a:off x="4765606" y="1526076"/>
-            <a:ext cx="768946" cy="169277"/>
+            <a:off x="4721881" y="1526076"/>
+            <a:ext cx="812671" cy="176972"/>
           </a:xfrm>
           <a:prstGeom prst="rect">
             <a:avLst/>
@@ -8179,26 +8091,16 @@
           <a:lstStyle/>
           <a:p>
             <a:r>
-              <a:rPr lang="en-US" altLang="ja-JP" sz="500" b="1" dirty="0" smtClean="0">
+              <a:rPr lang="en-US" altLang="ja-JP" sz="550" b="1" dirty="0">
                 <a:solidFill>
                   <a:schemeClr val="bg1"/>
                 </a:solidFill>
                 <a:latin typeface="源ノ角ゴシック Code JP M" panose="020B0600000000000000" pitchFamily="34" charset="-128"/>
                 <a:ea typeface="源ノ角ゴシック Code JP M" panose="020B0600000000000000" pitchFamily="34" charset="-128"/>
               </a:rPr>
-              <a:t>Open </a:t>
-            </a:r>
-            <a:r>
-              <a:rPr lang="en-US" altLang="ja-JP" sz="500" b="1" dirty="0">
-                <a:solidFill>
-                  <a:schemeClr val="bg1"/>
-                </a:solidFill>
-                <a:latin typeface="源ノ角ゴシック Code JP M" panose="020B0600000000000000" pitchFamily="34" charset="-128"/>
-                <a:ea typeface="源ノ角ゴシック Code JP M" panose="020B0600000000000000" pitchFamily="34" charset="-128"/>
-              </a:rPr>
-              <a:t>MV Cam H7</a:t>
-            </a:r>
-            <a:endParaRPr lang="ja-JP" altLang="en-US" sz="500" b="1" dirty="0">
+              <a:t>Open MV Cam H7</a:t>
+            </a:r>
+            <a:endParaRPr lang="ja-JP" altLang="en-US" sz="550" b="1" dirty="0">
               <a:solidFill>
                 <a:schemeClr val="bg1"/>
               </a:solidFill>
@@ -8216,8 +8118,8 @@
         </p:nvSpPr>
         <p:spPr>
           <a:xfrm>
-            <a:off x="332944" y="104798"/>
-            <a:ext cx="3294612" cy="523220"/>
+            <a:off x="1534846" y="144475"/>
+            <a:ext cx="2569164" cy="415498"/>
           </a:xfrm>
           <a:prstGeom prst="rect">
             <a:avLst/>
@@ -8231,12 +8133,12 @@
           <a:lstStyle/>
           <a:p>
             <a:r>
-              <a:rPr lang="ja-JP" altLang="en-US" sz="2800" dirty="0">
-                <a:solidFill>
-                  <a:schemeClr val="bg1"/>
-                </a:solidFill>
-                <a:latin typeface="源ノ角ゴシック Code JP R" panose="020B0500000000000000" pitchFamily="34" charset="-128"/>
-                <a:ea typeface="源ノ角ゴシック Code JP R" panose="020B0500000000000000" pitchFamily="34" charset="-128"/>
+              <a:rPr lang="ja-JP" altLang="en-US" sz="2100" dirty="0">
+                <a:solidFill>
+                  <a:schemeClr val="bg1"/>
+                </a:solidFill>
+                <a:latin typeface="ＭＳ ゴシック" panose="020B0609070205080204" pitchFamily="49" charset="-128"/>
+                <a:ea typeface="源ノ角ゴシック Code JP M" panose="020B0600000000000000"/>
               </a:rPr>
               <a:t>宗中アルテミス</a:t>
             </a:r>
@@ -8296,7 +8198,7 @@
         <p:spPr>
           <a:xfrm>
             <a:off x="246449" y="4346998"/>
-            <a:ext cx="3706029" cy="2923877"/>
+            <a:ext cx="3706029" cy="2739211"/>
           </a:xfrm>
           <a:prstGeom prst="rect">
             <a:avLst/>
@@ -8543,6 +8445,16 @@
               </a:rPr>
               <a:t>つの</a:t>
             </a:r>
+            <a:r>
+              <a:rPr lang="ja-JP" altLang="en-US" sz="1200" dirty="0">
+                <a:solidFill>
+                  <a:schemeClr val="bg1"/>
+                </a:solidFill>
+                <a:latin typeface="HGｺﾞｼｯｸM" panose="020B0609000000000000" pitchFamily="49" charset="-128"/>
+                <a:ea typeface="HGｺﾞｼｯｸM" panose="020B0609000000000000" pitchFamily="49" charset="-128"/>
+              </a:rPr>
+              <a:t>バッテリー</a:t>
+            </a:r>
             <a:endParaRPr lang="en-US" altLang="ja-JP" sz="1200" dirty="0">
               <a:solidFill>
                 <a:schemeClr val="bg1"/>
@@ -8560,7 +8472,7 @@
                 <a:latin typeface="HGｺﾞｼｯｸM" panose="020B0609000000000000" pitchFamily="49" charset="-128"/>
                 <a:ea typeface="HGｺﾞｼｯｸM" panose="020B0609000000000000" pitchFamily="49" charset="-128"/>
               </a:rPr>
-              <a:t>バッテリーから電源を取って</a:t>
+              <a:t>から電源を取ってもモータ</a:t>
             </a:r>
             <a:endParaRPr lang="en-US" altLang="ja-JP" sz="1200" dirty="0">
               <a:solidFill>
@@ -8579,7 +8491,7 @@
                 <a:latin typeface="HGｺﾞｼｯｸM" panose="020B0609000000000000" pitchFamily="49" charset="-128"/>
                 <a:ea typeface="HGｺﾞｼｯｸM" panose="020B0609000000000000" pitchFamily="49" charset="-128"/>
               </a:rPr>
-              <a:t>もモータの電圧降下による</a:t>
+              <a:t>の電圧降下による制御部分</a:t>
             </a:r>
             <a:endParaRPr lang="en-US" altLang="ja-JP" sz="1200" dirty="0">
               <a:solidFill>
@@ -8598,7 +8510,7 @@
                 <a:latin typeface="HGｺﾞｼｯｸM" panose="020B0609000000000000" pitchFamily="49" charset="-128"/>
                 <a:ea typeface="HGｺﾞｼｯｸM" panose="020B0609000000000000" pitchFamily="49" charset="-128"/>
               </a:rPr>
-              <a:t>制御部分のリセットに対応</a:t>
+              <a:t>のリセットに対応しました。</a:t>
             </a:r>
             <a:endParaRPr lang="en-US" altLang="ja-JP" sz="1200" dirty="0">
               <a:solidFill>
@@ -8617,7 +8529,7 @@
                 <a:latin typeface="HGｺﾞｼｯｸM" panose="020B0609000000000000" pitchFamily="49" charset="-128"/>
                 <a:ea typeface="HGｺﾞｼｯｸM" panose="020B0609000000000000" pitchFamily="49" charset="-128"/>
               </a:rPr>
-              <a:t>しました。これにより、</a:t>
+              <a:t>これにより、回路の簡易化、</a:t>
             </a:r>
             <a:endParaRPr lang="en-US" altLang="ja-JP" sz="1200" dirty="0">
               <a:solidFill>
@@ -8636,26 +8548,7 @@
                 <a:latin typeface="HGｺﾞｼｯｸM" panose="020B0609000000000000" pitchFamily="49" charset="-128"/>
                 <a:ea typeface="HGｺﾞｼｯｸM" panose="020B0609000000000000" pitchFamily="49" charset="-128"/>
               </a:rPr>
-              <a:t>回路の簡易化、基板の</a:t>
-            </a:r>
-            <a:endParaRPr lang="en-US" altLang="ja-JP" sz="1200" dirty="0">
-              <a:solidFill>
-                <a:schemeClr val="bg1"/>
-              </a:solidFill>
-              <a:latin typeface="HGｺﾞｼｯｸM" panose="020B0609000000000000" pitchFamily="49" charset="-128"/>
-              <a:ea typeface="HGｺﾞｼｯｸM" panose="020B0609000000000000" pitchFamily="49" charset="-128"/>
-            </a:endParaRPr>
-          </a:p>
-          <a:p>
-            <a:r>
-              <a:rPr lang="ja-JP" altLang="en-US" sz="1200" dirty="0">
-                <a:solidFill>
-                  <a:schemeClr val="bg1"/>
-                </a:solidFill>
-                <a:latin typeface="HGｺﾞｼｯｸM" panose="020B0609000000000000" pitchFamily="49" charset="-128"/>
-                <a:ea typeface="HGｺﾞｼｯｸM" panose="020B0609000000000000" pitchFamily="49" charset="-128"/>
-              </a:rPr>
-              <a:t>省スペース化を実現</a:t>
+              <a:t>基板の省スペース化を実現</a:t>
             </a:r>
             <a:endParaRPr lang="en-US" altLang="ja-JP" sz="1200" dirty="0">
               <a:solidFill>
@@ -8702,16 +8595,6 @@
           <a:lstStyle/>
           <a:p>
             <a:r>
-              <a:rPr lang="ja-JP" altLang="en-US" sz="2400" dirty="0" smtClean="0">
-                <a:solidFill>
-                  <a:schemeClr val="bg1"/>
-                </a:solidFill>
-                <a:latin typeface="HGｺﾞｼｯｸM" panose="020B0609000000000000" pitchFamily="49" charset="-128"/>
-                <a:ea typeface="HGｺﾞｼｯｸM" panose="020B0609000000000000" pitchFamily="49" charset="-128"/>
-              </a:rPr>
-              <a:t>カメラによるライン</a:t>
-            </a:r>
-            <a:r>
               <a:rPr lang="ja-JP" altLang="en-US" sz="2400" dirty="0">
                 <a:solidFill>
                   <a:schemeClr val="bg1"/>
@@ -8719,7 +8602,7 @@
                 <a:latin typeface="HGｺﾞｼｯｸM" panose="020B0609000000000000" pitchFamily="49" charset="-128"/>
                 <a:ea typeface="HGｺﾞｼｯｸM" panose="020B0609000000000000" pitchFamily="49" charset="-128"/>
               </a:rPr>
-              <a:t>制御</a:t>
+              <a:t>カメラによるライン制御</a:t>
             </a:r>
             <a:endParaRPr lang="en-US" altLang="ja-JP" sz="1200" dirty="0">
               <a:solidFill>
@@ -8757,19 +8640,9 @@
                 <a:latin typeface="HGｺﾞｼｯｸM" panose="020B0609000000000000" pitchFamily="49" charset="-128"/>
                 <a:ea typeface="HGｺﾞｼｯｸM" panose="020B0609000000000000" pitchFamily="49" charset="-128"/>
               </a:rPr>
-              <a:t>ライン制御をするという制御方法から</a:t>
-            </a:r>
-            <a:r>
-              <a:rPr lang="ja-JP" altLang="en-US" sz="1300" dirty="0" smtClean="0">
-                <a:solidFill>
-                  <a:schemeClr val="bg1"/>
-                </a:solidFill>
-                <a:latin typeface="HGｺﾞｼｯｸM" panose="020B0609000000000000" pitchFamily="49" charset="-128"/>
-                <a:ea typeface="HGｺﾞｼｯｸM" panose="020B0609000000000000" pitchFamily="49" charset="-128"/>
-              </a:rPr>
-              <a:t>、</a:t>
-            </a:r>
-            <a:endParaRPr lang="en-US" altLang="ja-JP" sz="1300" dirty="0" smtClean="0">
+              <a:t>ライン制御をするという制御方法から、</a:t>
+            </a:r>
+            <a:endParaRPr lang="en-US" altLang="ja-JP" sz="1300" dirty="0">
               <a:solidFill>
                 <a:schemeClr val="bg1"/>
               </a:solidFill>
@@ -8779,16 +8652,6 @@
           </a:p>
           <a:p>
             <a:r>
-              <a:rPr lang="ja-JP" altLang="en-US" sz="1300" dirty="0" smtClean="0">
-                <a:solidFill>
-                  <a:schemeClr val="bg1"/>
-                </a:solidFill>
-                <a:latin typeface="HGｺﾞｼｯｸM" panose="020B0609000000000000" pitchFamily="49" charset="-128"/>
-                <a:ea typeface="HGｺﾞｼｯｸM" panose="020B0609000000000000" pitchFamily="49" charset="-128"/>
-              </a:rPr>
-              <a:t>カメラ</a:t>
-            </a:r>
-            <a:r>
               <a:rPr lang="ja-JP" altLang="en-US" sz="1300" dirty="0">
                 <a:solidFill>
                   <a:schemeClr val="bg1"/>
@@ -8796,19 +8659,9 @@
                 <a:latin typeface="HGｺﾞｼｯｸM" panose="020B0609000000000000" pitchFamily="49" charset="-128"/>
                 <a:ea typeface="HGｺﾞｼｯｸM" panose="020B0609000000000000" pitchFamily="49" charset="-128"/>
               </a:rPr>
-              <a:t>を用いてライン制御をする</a:t>
-            </a:r>
-            <a:r>
-              <a:rPr lang="ja-JP" altLang="en-US" sz="1300" dirty="0" smtClean="0">
-                <a:solidFill>
-                  <a:schemeClr val="bg1"/>
-                </a:solidFill>
-                <a:latin typeface="HGｺﾞｼｯｸM" panose="020B0609000000000000" pitchFamily="49" charset="-128"/>
-                <a:ea typeface="HGｺﾞｼｯｸM" panose="020B0609000000000000" pitchFamily="49" charset="-128"/>
-              </a:rPr>
-              <a:t>方法</a:t>
-            </a:r>
-            <a:endParaRPr lang="en-US" altLang="ja-JP" sz="1300" dirty="0" smtClean="0">
+              <a:t>カメラを用いてライン制御をする方法</a:t>
+            </a:r>
+            <a:endParaRPr lang="en-US" altLang="ja-JP" sz="1300" dirty="0">
               <a:solidFill>
                 <a:schemeClr val="bg1"/>
               </a:solidFill>
@@ -8818,16 +8671,6 @@
           </a:p>
           <a:p>
             <a:r>
-              <a:rPr lang="ja-JP" altLang="en-US" sz="1300" dirty="0" smtClean="0">
-                <a:solidFill>
-                  <a:schemeClr val="bg1"/>
-                </a:solidFill>
-                <a:latin typeface="HGｺﾞｼｯｸM" panose="020B0609000000000000" pitchFamily="49" charset="-128"/>
-                <a:ea typeface="HGｺﾞｼｯｸM" panose="020B0609000000000000" pitchFamily="49" charset="-128"/>
-              </a:rPr>
-              <a:t>に変更</a:t>
-            </a:r>
-            <a:r>
               <a:rPr lang="ja-JP" altLang="en-US" sz="1300" dirty="0">
                 <a:solidFill>
                   <a:schemeClr val="bg1"/>
@@ -8835,19 +8678,9 @@
                 <a:latin typeface="HGｺﾞｼｯｸM" panose="020B0609000000000000" pitchFamily="49" charset="-128"/>
                 <a:ea typeface="HGｺﾞｼｯｸM" panose="020B0609000000000000" pitchFamily="49" charset="-128"/>
               </a:rPr>
-              <a:t>し、コートの中心方向に</a:t>
-            </a:r>
-            <a:r>
-              <a:rPr lang="ja-JP" altLang="en-US" sz="1300" dirty="0" smtClean="0">
-                <a:solidFill>
-                  <a:schemeClr val="bg1"/>
-                </a:solidFill>
-                <a:latin typeface="HGｺﾞｼｯｸM" panose="020B0609000000000000" pitchFamily="49" charset="-128"/>
-                <a:ea typeface="HGｺﾞｼｯｸM" panose="020B0609000000000000" pitchFamily="49" charset="-128"/>
-              </a:rPr>
-              <a:t>移動</a:t>
-            </a:r>
-            <a:endParaRPr lang="en-US" altLang="ja-JP" sz="1300" dirty="0" smtClean="0">
+              <a:t>に変更し、コートの中心方向に移動</a:t>
+            </a:r>
+            <a:endParaRPr lang="en-US" altLang="ja-JP" sz="1300" dirty="0">
               <a:solidFill>
                 <a:schemeClr val="bg1"/>
               </a:solidFill>
@@ -8857,16 +8690,6 @@
           </a:p>
           <a:p>
             <a:r>
-              <a:rPr lang="ja-JP" altLang="en-US" sz="1300" dirty="0" smtClean="0">
-                <a:solidFill>
-                  <a:schemeClr val="bg1"/>
-                </a:solidFill>
-                <a:latin typeface="HGｺﾞｼｯｸM" panose="020B0609000000000000" pitchFamily="49" charset="-128"/>
-                <a:ea typeface="HGｺﾞｼｯｸM" panose="020B0609000000000000" pitchFamily="49" charset="-128"/>
-              </a:rPr>
-              <a:t>するアルゴリズム</a:t>
-            </a:r>
-            <a:r>
               <a:rPr lang="ja-JP" altLang="en-US" sz="1300" dirty="0">
                 <a:solidFill>
                   <a:schemeClr val="bg1"/>
@@ -8874,19 +8697,9 @@
                 <a:latin typeface="HGｺﾞｼｯｸM" panose="020B0609000000000000" pitchFamily="49" charset="-128"/>
                 <a:ea typeface="HGｺﾞｼｯｸM" panose="020B0609000000000000" pitchFamily="49" charset="-128"/>
               </a:rPr>
-              <a:t>を実装しました</a:t>
-            </a:r>
-            <a:r>
-              <a:rPr lang="ja-JP" altLang="en-US" sz="1300" dirty="0" smtClean="0">
-                <a:solidFill>
-                  <a:schemeClr val="bg1"/>
-                </a:solidFill>
-                <a:latin typeface="HGｺﾞｼｯｸM" panose="020B0609000000000000" pitchFamily="49" charset="-128"/>
-                <a:ea typeface="HGｺﾞｼｯｸM" panose="020B0609000000000000" pitchFamily="49" charset="-128"/>
-              </a:rPr>
-              <a:t>。</a:t>
-            </a:r>
-            <a:endParaRPr lang="en-US" altLang="ja-JP" sz="1300" dirty="0" smtClean="0">
+              <a:t>するアルゴリズムを実装しました。</a:t>
+            </a:r>
+            <a:endParaRPr lang="en-US" altLang="ja-JP" sz="1300" dirty="0">
               <a:solidFill>
                 <a:schemeClr val="bg1"/>
               </a:solidFill>
@@ -8896,16 +8709,6 @@
           </a:p>
           <a:p>
             <a:r>
-              <a:rPr lang="ja-JP" altLang="en-US" sz="1300" dirty="0" smtClean="0">
-                <a:solidFill>
-                  <a:schemeClr val="bg1"/>
-                </a:solidFill>
-                <a:latin typeface="HGｺﾞｼｯｸM" panose="020B0609000000000000" pitchFamily="49" charset="-128"/>
-                <a:ea typeface="HGｺﾞｼｯｸM" panose="020B0609000000000000" pitchFamily="49" charset="-128"/>
-              </a:rPr>
-              <a:t>常にカメラ</a:t>
-            </a:r>
-            <a:r>
               <a:rPr lang="ja-JP" altLang="en-US" sz="1300" dirty="0">
                 <a:solidFill>
                   <a:schemeClr val="bg1"/>
@@ -8913,7 +8716,7 @@
                 <a:latin typeface="HGｺﾞｼｯｸM" panose="020B0609000000000000" pitchFamily="49" charset="-128"/>
                 <a:ea typeface="HGｺﾞｼｯｸM" panose="020B0609000000000000" pitchFamily="49" charset="-128"/>
               </a:rPr>
-              <a:t>でコートの中心を取り続け、</a:t>
+              <a:t>常にカメラでコートの中心を取り続け、</a:t>
             </a:r>
             <a:endParaRPr lang="en-US" altLang="ja-JP" sz="1300" dirty="0">
               <a:solidFill>
@@ -8951,19 +8754,9 @@
                 <a:latin typeface="HGｺﾞｼｯｸM" panose="020B0609000000000000" pitchFamily="49" charset="-128"/>
                 <a:ea typeface="HGｺﾞｼｯｸM" panose="020B0609000000000000" pitchFamily="49" charset="-128"/>
               </a:rPr>
-              <a:t>算出することによってラインが</a:t>
-            </a:r>
-            <a:r>
-              <a:rPr lang="ja-JP" altLang="en-US" sz="1300" dirty="0" smtClean="0">
-                <a:solidFill>
-                  <a:schemeClr val="bg1"/>
-                </a:solidFill>
-                <a:latin typeface="HGｺﾞｼｯｸM" panose="020B0609000000000000" pitchFamily="49" charset="-128"/>
-                <a:ea typeface="HGｺﾞｼｯｸM" panose="020B0609000000000000" pitchFamily="49" charset="-128"/>
-              </a:rPr>
-              <a:t>反応し</a:t>
-            </a:r>
-            <a:endParaRPr lang="en-US" altLang="ja-JP" sz="1300" dirty="0" smtClean="0">
+              <a:t>算出することによってラインが反応し</a:t>
+            </a:r>
+            <a:endParaRPr lang="en-US" altLang="ja-JP" sz="1300" dirty="0">
               <a:solidFill>
                 <a:schemeClr val="bg1"/>
               </a:solidFill>
@@ -8973,16 +8766,6 @@
           </a:p>
           <a:p>
             <a:r>
-              <a:rPr lang="ja-JP" altLang="en-US" sz="1300" dirty="0" smtClean="0">
-                <a:solidFill>
-                  <a:schemeClr val="bg1"/>
-                </a:solidFill>
-                <a:latin typeface="HGｺﾞｼｯｸM" panose="020B0609000000000000" pitchFamily="49" charset="-128"/>
-                <a:ea typeface="HGｺﾞｼｯｸM" panose="020B0609000000000000" pitchFamily="49" charset="-128"/>
-              </a:rPr>
-              <a:t>た</a:t>
-            </a:r>
-            <a:r>
               <a:rPr lang="ja-JP" altLang="en-US" sz="1300" dirty="0">
                 <a:solidFill>
                   <a:schemeClr val="bg1"/>
@@ -8990,7 +8773,7 @@
                 <a:latin typeface="HGｺﾞｼｯｸM" panose="020B0609000000000000" pitchFamily="49" charset="-128"/>
                 <a:ea typeface="HGｺﾞｼｯｸM" panose="020B0609000000000000" pitchFamily="49" charset="-128"/>
               </a:rPr>
-              <a:t>ときにコートの中心方向へ移動する</a:t>
+              <a:t>たときにコートの中心方向へ移動する</a:t>
             </a:r>
             <a:endParaRPr lang="en-US" altLang="ja-JP" sz="1300" dirty="0">
               <a:solidFill>
@@ -9009,19 +8792,9 @@
                 <a:latin typeface="HGｺﾞｼｯｸM" panose="020B0609000000000000" pitchFamily="49" charset="-128"/>
                 <a:ea typeface="HGｺﾞｼｯｸM" panose="020B0609000000000000" pitchFamily="49" charset="-128"/>
               </a:rPr>
-              <a:t>ことが可能になるだけでなく</a:t>
-            </a:r>
-            <a:r>
-              <a:rPr lang="ja-JP" altLang="en-US" sz="1300" dirty="0" smtClean="0">
-                <a:solidFill>
-                  <a:schemeClr val="bg1"/>
-                </a:solidFill>
-                <a:latin typeface="HGｺﾞｼｯｸM" panose="020B0609000000000000" pitchFamily="49" charset="-128"/>
-                <a:ea typeface="HGｺﾞｼｯｸM" panose="020B0609000000000000" pitchFamily="49" charset="-128"/>
-              </a:rPr>
-              <a:t>、ライン</a:t>
-            </a:r>
-            <a:endParaRPr lang="en-US" altLang="ja-JP" sz="1300" dirty="0" smtClean="0">
+              <a:t>ことが可能になるだけでなく、ライン</a:t>
+            </a:r>
+            <a:endParaRPr lang="en-US" altLang="ja-JP" sz="1300" dirty="0">
               <a:solidFill>
                 <a:schemeClr val="bg1"/>
               </a:solidFill>
@@ -9031,16 +8804,6 @@
           </a:p>
           <a:p>
             <a:r>
-              <a:rPr lang="ja-JP" altLang="en-US" sz="1300" dirty="0" smtClean="0">
-                <a:solidFill>
-                  <a:schemeClr val="bg1"/>
-                </a:solidFill>
-                <a:latin typeface="HGｺﾞｼｯｸM" panose="020B0609000000000000" pitchFamily="49" charset="-128"/>
-                <a:ea typeface="HGｺﾞｼｯｸM" panose="020B0609000000000000" pitchFamily="49" charset="-128"/>
-              </a:rPr>
-              <a:t>にどの</a:t>
-            </a:r>
-            <a:r>
               <a:rPr lang="ja-JP" altLang="en-US" sz="1300" dirty="0">
                 <a:solidFill>
                   <a:schemeClr val="bg1"/>
@@ -9048,39 +8811,9 @@
                 <a:latin typeface="HGｺﾞｼｯｸM" panose="020B0609000000000000" pitchFamily="49" charset="-128"/>
                 <a:ea typeface="HGｺﾞｼｯｸM" panose="020B0609000000000000" pitchFamily="49" charset="-128"/>
               </a:rPr>
-              <a:t>角度で乗って</a:t>
-            </a:r>
-            <a:r>
-              <a:rPr lang="ja-JP" altLang="en-US" sz="1300" dirty="0" smtClean="0">
-                <a:solidFill>
-                  <a:schemeClr val="bg1"/>
-                </a:solidFill>
-                <a:latin typeface="HGｺﾞｼｯｸM" panose="020B0609000000000000" pitchFamily="49" charset="-128"/>
-                <a:ea typeface="HGｺﾞｼｯｸM" panose="020B0609000000000000" pitchFamily="49" charset="-128"/>
-              </a:rPr>
-              <a:t>も正確</a:t>
-            </a:r>
-            <a:r>
-              <a:rPr lang="ja-JP" altLang="en-US" sz="1300" dirty="0">
-                <a:solidFill>
-                  <a:schemeClr val="bg1"/>
-                </a:solidFill>
-                <a:latin typeface="HGｺﾞｼｯｸM" panose="020B0609000000000000" pitchFamily="49" charset="-128"/>
-                <a:ea typeface="HGｺﾞｼｯｸM" panose="020B0609000000000000" pitchFamily="49" charset="-128"/>
-              </a:rPr>
-              <a:t>に</a:t>
-            </a:r>
-            <a:r>
-              <a:rPr lang="ja-JP" altLang="en-US" sz="1300" dirty="0" smtClean="0">
-                <a:solidFill>
-                  <a:schemeClr val="bg1"/>
-                </a:solidFill>
-                <a:latin typeface="HGｺﾞｼｯｸM" panose="020B0609000000000000" pitchFamily="49" charset="-128"/>
-                <a:ea typeface="HGｺﾞｼｯｸM" panose="020B0609000000000000" pitchFamily="49" charset="-128"/>
-              </a:rPr>
-              <a:t>コート内</a:t>
-            </a:r>
-            <a:endParaRPr lang="en-US" altLang="ja-JP" sz="1300" dirty="0" smtClean="0">
+              <a:t>にどの角度で乗っても正確にコート内</a:t>
+            </a:r>
+            <a:endParaRPr lang="en-US" altLang="ja-JP" sz="1300" dirty="0">
               <a:solidFill>
                 <a:schemeClr val="bg1"/>
               </a:solidFill>
@@ -9090,16 +8823,6 @@
           </a:p>
           <a:p>
             <a:r>
-              <a:rPr lang="ja-JP" altLang="en-US" sz="1300" dirty="0" smtClean="0">
-                <a:solidFill>
-                  <a:schemeClr val="bg1"/>
-                </a:solidFill>
-                <a:latin typeface="HGｺﾞｼｯｸM" panose="020B0609000000000000" pitchFamily="49" charset="-128"/>
-                <a:ea typeface="HGｺﾞｼｯｸM" panose="020B0609000000000000" pitchFamily="49" charset="-128"/>
-              </a:rPr>
-              <a:t>に移動</a:t>
-            </a:r>
-            <a:r>
               <a:rPr lang="ja-JP" altLang="en-US" sz="1300" dirty="0">
                 <a:solidFill>
                   <a:schemeClr val="bg1"/>
@@ -9107,7 +8830,7 @@
                 <a:latin typeface="HGｺﾞｼｯｸM" panose="020B0609000000000000" pitchFamily="49" charset="-128"/>
                 <a:ea typeface="HGｺﾞｼｯｸM" panose="020B0609000000000000" pitchFamily="49" charset="-128"/>
               </a:rPr>
-              <a:t>することが可能になりました。</a:t>
+              <a:t>に移動することが可能になりました。</a:t>
             </a:r>
           </a:p>
         </p:txBody>
@@ -9120,8 +8843,8 @@
         </p:nvSpPr>
         <p:spPr>
           <a:xfrm>
-            <a:off x="12452762" y="4333696"/>
-            <a:ext cx="2513930" cy="400110"/>
+            <a:off x="12393313" y="4342462"/>
+            <a:ext cx="2513930" cy="2862322"/>
           </a:xfrm>
           <a:prstGeom prst="rect">
             <a:avLst/>
@@ -9134,16 +8857,60 @@
           </a:bodyPr>
           <a:lstStyle/>
           <a:p>
-            <a:r>
-              <a:rPr lang="ja-JP" altLang="en-US" sz="2000" dirty="0">
-                <a:solidFill>
-                  <a:schemeClr val="bg1"/>
-                </a:solidFill>
-                <a:latin typeface="HGｺﾞｼｯｸM" panose="020B0609000000000000" pitchFamily="49" charset="-128"/>
-                <a:ea typeface="HGｺﾞｼｯｸM" panose="020B0609000000000000" pitchFamily="49" charset="-128"/>
-              </a:rPr>
-              <a:t>ボールセンサの制御  </a:t>
-            </a:r>
+            <a:pPr fontAlgn="base"/>
+            <a:r>
+              <a:rPr lang="ja-JP" altLang="en-US" sz="2400" dirty="0">
+                <a:solidFill>
+                  <a:schemeClr val="bg1"/>
+                </a:solidFill>
+                <a:latin typeface="HGｺﾞｼｯｸM" panose="020B0609000000000000" pitchFamily="49" charset="-128"/>
+                <a:ea typeface="HGｺﾞｼｯｸM" panose="020B0609000000000000" pitchFamily="49" charset="-128"/>
+              </a:rPr>
+              <a:t>正確性を求めて</a:t>
+            </a:r>
+            <a:endParaRPr lang="en-US" altLang="ja-JP" sz="2400" dirty="0">
+              <a:solidFill>
+                <a:schemeClr val="bg1"/>
+              </a:solidFill>
+              <a:latin typeface="HGｺﾞｼｯｸM" panose="020B0609000000000000" pitchFamily="49" charset="-128"/>
+              <a:ea typeface="HGｺﾞｼｯｸM" panose="020B0609000000000000" pitchFamily="49" charset="-128"/>
+            </a:endParaRPr>
+          </a:p>
+          <a:p>
+            <a:pPr fontAlgn="base"/>
+            <a:r>
+              <a:rPr lang="ja-JP" altLang="en-US" sz="1200" dirty="0">
+                <a:solidFill>
+                  <a:schemeClr val="bg1"/>
+                </a:solidFill>
+                <a:latin typeface="HGｺﾞｼｯｸM" panose="020B0609000000000000" pitchFamily="49" charset="-128"/>
+                <a:ea typeface="HGｺﾞｼｯｸM" panose="020B0609000000000000" pitchFamily="49" charset="-128"/>
+              </a:rPr>
+              <a:t>私たちはより正確な動きを実現するために、様々なことを行いました。 まず、ボールセンサを</a:t>
+            </a:r>
+            <a:r>
+              <a:rPr lang="en-US" altLang="ja-JP" sz="1200" dirty="0">
+                <a:solidFill>
+                  <a:schemeClr val="bg1"/>
+                </a:solidFill>
+                <a:latin typeface="HGｺﾞｼｯｸM" panose="020B0609000000000000" pitchFamily="49" charset="-128"/>
+                <a:ea typeface="HGｺﾞｼｯｸM" panose="020B0609000000000000" pitchFamily="49" charset="-128"/>
+              </a:rPr>
+              <a:t>8</a:t>
+            </a:r>
+            <a:r>
+              <a:rPr lang="ja-JP" altLang="en-US" sz="1200" dirty="0">
+                <a:solidFill>
+                  <a:schemeClr val="bg1"/>
+                </a:solidFill>
+                <a:latin typeface="HGｺﾞｼｯｸM" panose="020B0609000000000000" pitchFamily="49" charset="-128"/>
+                <a:ea typeface="HGｺﾞｼｯｸM" panose="020B0609000000000000" pitchFamily="49" charset="-128"/>
+              </a:rPr>
+              <a:t>つ円形に配置し、ベクトルの考え方を適用することで比較的少ないボールセンサで正確なボールの角度を出すことに成功しました。 また、その角度を三角関数を用いたモーター駆動関数に代入することで、カクカクせず滑らかに、そして最短距離でボールに到達することが可能となりました。</a:t>
+            </a:r>
+          </a:p>
+          <a:p>
+            <a:pPr fontAlgn="base"/>
             <a:r>
               <a:rPr lang="ja-JP" altLang="en-US" sz="1200" dirty="0">
                 <a:solidFill>
@@ -9223,19 +8990,9 @@
                 <a:latin typeface="HGｺﾞｼｯｸM" panose="020B0609000000000000" pitchFamily="49" charset="-128"/>
                 <a:ea typeface="HGｺﾞｼｯｸM" panose="020B0609000000000000" pitchFamily="49" charset="-128"/>
               </a:rPr>
-              <a:t>今年は、小サイズのラインセンサー数個</a:t>
-            </a:r>
-            <a:r>
-              <a:rPr lang="ja-JP" altLang="en-US" sz="1300" dirty="0" smtClean="0">
-                <a:solidFill>
-                  <a:schemeClr val="bg1"/>
-                </a:solidFill>
-                <a:latin typeface="HGｺﾞｼｯｸM" panose="020B0609000000000000" pitchFamily="49" charset="-128"/>
-                <a:ea typeface="HGｺﾞｼｯｸM" panose="020B0609000000000000" pitchFamily="49" charset="-128"/>
-              </a:rPr>
-              <a:t>から</a:t>
-            </a:r>
-            <a:endParaRPr lang="en-US" altLang="ja-JP" sz="1300" dirty="0" smtClean="0">
+              <a:t>今年は、小サイズのラインセンサー数個から</a:t>
+            </a:r>
+            <a:endParaRPr lang="en-US" altLang="ja-JP" sz="1300" dirty="0">
               <a:solidFill>
                 <a:schemeClr val="bg1"/>
               </a:solidFill>
@@ -9245,7 +9002,7 @@
           </a:p>
           <a:p>
             <a:r>
-              <a:rPr lang="ja-JP" altLang="en-US" sz="1300" dirty="0" smtClean="0">
+              <a:rPr lang="ja-JP" altLang="en-US" sz="1300" dirty="0">
                 <a:solidFill>
                   <a:schemeClr val="bg1"/>
                 </a:solidFill>
@@ -9272,19 +9029,9 @@
                 <a:latin typeface="HGｺﾞｼｯｸM" panose="020B0609000000000000" pitchFamily="49" charset="-128"/>
                 <a:ea typeface="HGｺﾞｼｯｸM" panose="020B0609000000000000" pitchFamily="49" charset="-128"/>
               </a:rPr>
-              <a:t>個を円形に配置したものに変更</a:t>
-            </a:r>
-            <a:r>
-              <a:rPr lang="ja-JP" altLang="en-US" sz="1300" dirty="0" smtClean="0">
-                <a:solidFill>
-                  <a:schemeClr val="bg1"/>
-                </a:solidFill>
-                <a:latin typeface="HGｺﾞｼｯｸM" panose="020B0609000000000000" pitchFamily="49" charset="-128"/>
-                <a:ea typeface="HGｺﾞｼｯｸM" panose="020B0609000000000000" pitchFamily="49" charset="-128"/>
-              </a:rPr>
-              <a:t>。</a:t>
-            </a:r>
-            <a:endParaRPr lang="en-US" altLang="ja-JP" sz="1300" dirty="0" smtClean="0">
+              <a:t>個を円形に配置したものに変更。</a:t>
+            </a:r>
+            <a:endParaRPr lang="en-US" altLang="ja-JP" sz="1300" dirty="0">
               <a:solidFill>
                 <a:schemeClr val="bg1"/>
               </a:solidFill>
@@ -9294,16 +9041,6 @@
           </a:p>
           <a:p>
             <a:r>
-              <a:rPr lang="ja-JP" altLang="en-US" sz="1300" dirty="0" smtClean="0">
-                <a:solidFill>
-                  <a:schemeClr val="bg1"/>
-                </a:solidFill>
-                <a:latin typeface="HGｺﾞｼｯｸM" panose="020B0609000000000000" pitchFamily="49" charset="-128"/>
-                <a:ea typeface="HGｺﾞｼｯｸM" panose="020B0609000000000000" pitchFamily="49" charset="-128"/>
-              </a:rPr>
-              <a:t>円形</a:t>
-            </a:r>
-            <a:r>
               <a:rPr lang="ja-JP" altLang="en-US" sz="1300" dirty="0">
                 <a:solidFill>
                   <a:schemeClr val="bg1"/>
@@ -9311,7 +9048,7 @@
                 <a:latin typeface="HGｺﾞｼｯｸM" panose="020B0609000000000000" pitchFamily="49" charset="-128"/>
                 <a:ea typeface="HGｺﾞｼｯｸM" panose="020B0609000000000000" pitchFamily="49" charset="-128"/>
               </a:rPr>
-              <a:t>することでどのような状態でもラインに</a:t>
+              <a:t>円形することでどのような状態でもラインに</a:t>
             </a:r>
             <a:endParaRPr lang="en-US" altLang="ja-JP" sz="1300" dirty="0">
               <a:solidFill>
@@ -9330,19 +9067,9 @@
                 <a:latin typeface="HGｺﾞｼｯｸM" panose="020B0609000000000000" pitchFamily="49" charset="-128"/>
                 <a:ea typeface="HGｺﾞｼｯｸM" panose="020B0609000000000000" pitchFamily="49" charset="-128"/>
               </a:rPr>
-              <a:t>反応するように</a:t>
-            </a:r>
-            <a:r>
-              <a:rPr lang="ja-JP" altLang="en-US" sz="1300" dirty="0" smtClean="0">
-                <a:solidFill>
-                  <a:schemeClr val="bg1"/>
-                </a:solidFill>
-                <a:latin typeface="HGｺﾞｼｯｸM" panose="020B0609000000000000" pitchFamily="49" charset="-128"/>
-                <a:ea typeface="HGｺﾞｼｯｸM" panose="020B0609000000000000" pitchFamily="49" charset="-128"/>
-              </a:rPr>
-              <a:t>なりました。</a:t>
-            </a:r>
-            <a:endParaRPr lang="en-US" altLang="ja-JP" sz="1300" dirty="0" smtClean="0">
+              <a:t>反応するようになりました。</a:t>
+            </a:r>
+            <a:endParaRPr lang="en-US" altLang="ja-JP" sz="1300" dirty="0">
               <a:solidFill>
                 <a:schemeClr val="bg1"/>
               </a:solidFill>
@@ -9352,16 +9079,6 @@
           </a:p>
           <a:p>
             <a:r>
-              <a:rPr lang="ja-JP" altLang="en-US" sz="1300" dirty="0" smtClean="0">
-                <a:solidFill>
-                  <a:schemeClr val="bg1"/>
-                </a:solidFill>
-                <a:latin typeface="HGｺﾞｼｯｸM" panose="020B0609000000000000" pitchFamily="49" charset="-128"/>
-                <a:ea typeface="HGｺﾞｼｯｸM" panose="020B0609000000000000" pitchFamily="49" charset="-128"/>
-              </a:rPr>
-              <a:t>前年</a:t>
-            </a:r>
-            <a:r>
               <a:rPr lang="ja-JP" altLang="en-US" sz="1300" dirty="0">
                 <a:solidFill>
                   <a:schemeClr val="bg1"/>
@@ -9369,29 +9086,9 @@
                 <a:latin typeface="HGｺﾞｼｯｸM" panose="020B0609000000000000" pitchFamily="49" charset="-128"/>
                 <a:ea typeface="HGｺﾞｼｯｸM" panose="020B0609000000000000" pitchFamily="49" charset="-128"/>
               </a:rPr>
-              <a:t>から</a:t>
-            </a:r>
-            <a:r>
-              <a:rPr lang="ja-JP" altLang="en-US" sz="1300" dirty="0" smtClean="0">
-                <a:solidFill>
-                  <a:schemeClr val="bg1"/>
-                </a:solidFill>
-                <a:latin typeface="HGｺﾞｼｯｸM" panose="020B0609000000000000" pitchFamily="49" charset="-128"/>
-                <a:ea typeface="HGｺﾞｼｯｸM" panose="020B0609000000000000" pitchFamily="49" charset="-128"/>
-              </a:rPr>
-              <a:t>の課題</a:t>
-            </a:r>
-            <a:r>
-              <a:rPr lang="ja-JP" altLang="en-US" sz="1300" dirty="0" smtClean="0">
-                <a:solidFill>
-                  <a:schemeClr val="bg1"/>
-                </a:solidFill>
-                <a:latin typeface="HGｺﾞｼｯｸM" panose="020B0609000000000000" pitchFamily="49" charset="-128"/>
-                <a:ea typeface="HGｺﾞｼｯｸM" panose="020B0609000000000000" pitchFamily="49" charset="-128"/>
-              </a:rPr>
-              <a:t>である</a:t>
-            </a:r>
-            <a:endParaRPr lang="en-US" altLang="ja-JP" sz="1300" dirty="0" smtClean="0">
+              <a:t>前年からの課題である</a:t>
+            </a:r>
+            <a:endParaRPr lang="en-US" altLang="ja-JP" sz="1300" dirty="0">
               <a:solidFill>
                 <a:schemeClr val="bg1"/>
               </a:solidFill>
@@ -9401,16 +9098,6 @@
           </a:p>
           <a:p>
             <a:r>
-              <a:rPr lang="ja-JP" altLang="en-US" sz="1300" dirty="0" smtClean="0">
-                <a:solidFill>
-                  <a:schemeClr val="bg1"/>
-                </a:solidFill>
-                <a:latin typeface="HGｺﾞｼｯｸM" panose="020B0609000000000000" pitchFamily="49" charset="-128"/>
-                <a:ea typeface="HGｺﾞｼｯｸM" panose="020B0609000000000000" pitchFamily="49" charset="-128"/>
-              </a:rPr>
-              <a:t>「</a:t>
-            </a:r>
-            <a:r>
               <a:rPr lang="ja-JP" altLang="en-US" sz="1300" dirty="0">
                 <a:solidFill>
                   <a:schemeClr val="bg1"/>
@@ -9418,19 +9105,9 @@
                 <a:latin typeface="HGｺﾞｼｯｸM" panose="020B0609000000000000" pitchFamily="49" charset="-128"/>
                 <a:ea typeface="HGｺﾞｼｯｸM" panose="020B0609000000000000" pitchFamily="49" charset="-128"/>
               </a:rPr>
-              <a:t>スピード</a:t>
-            </a:r>
-            <a:r>
-              <a:rPr lang="ja-JP" altLang="en-US" sz="1300" dirty="0" smtClean="0">
-                <a:solidFill>
-                  <a:schemeClr val="bg1"/>
-                </a:solidFill>
-                <a:latin typeface="HGｺﾞｼｯｸM" panose="020B0609000000000000" pitchFamily="49" charset="-128"/>
-                <a:ea typeface="HGｺﾞｼｯｸM" panose="020B0609000000000000" pitchFamily="49" charset="-128"/>
-              </a:rPr>
-              <a:t>が速すぎて</a:t>
-            </a:r>
-            <a:endParaRPr lang="en-US" altLang="ja-JP" sz="1300" dirty="0" smtClean="0">
+              <a:t>「スピードが速すぎて</a:t>
+            </a:r>
+            <a:endParaRPr lang="en-US" altLang="ja-JP" sz="1300" dirty="0">
               <a:solidFill>
                 <a:schemeClr val="bg1"/>
               </a:solidFill>
@@ -9440,7 +9117,7 @@
           </a:p>
           <a:p>
             <a:r>
-              <a:rPr lang="ja-JP" altLang="en-US" sz="1300" dirty="0" smtClean="0">
+              <a:rPr lang="ja-JP" altLang="en-US" sz="1300" dirty="0">
                 <a:solidFill>
                   <a:schemeClr val="bg1"/>
                 </a:solidFill>
@@ -9449,7 +9126,7 @@
               </a:rPr>
               <a:t>ラインから出る」</a:t>
             </a:r>
-            <a:endParaRPr lang="en-US" altLang="ja-JP" sz="1300" dirty="0" smtClean="0">
+            <a:endParaRPr lang="en-US" altLang="ja-JP" sz="1300" dirty="0">
               <a:solidFill>
                 <a:schemeClr val="bg1"/>
               </a:solidFill>
@@ -9459,16 +9136,6 @@
           </a:p>
           <a:p>
             <a:r>
-              <a:rPr lang="ja-JP" altLang="en-US" sz="1300" dirty="0" smtClean="0">
-                <a:solidFill>
-                  <a:schemeClr val="bg1"/>
-                </a:solidFill>
-                <a:latin typeface="HGｺﾞｼｯｸM" panose="020B0609000000000000" pitchFamily="49" charset="-128"/>
-                <a:ea typeface="HGｺﾞｼｯｸM" panose="020B0609000000000000" pitchFamily="49" charset="-128"/>
-              </a:rPr>
-              <a:t>と</a:t>
-            </a:r>
-            <a:r>
               <a:rPr lang="ja-JP" altLang="en-US" sz="1300" dirty="0">
                 <a:solidFill>
                   <a:schemeClr val="bg1"/>
@@ -9476,39 +9143,9 @@
                 <a:latin typeface="HGｺﾞｼｯｸM" panose="020B0609000000000000" pitchFamily="49" charset="-128"/>
                 <a:ea typeface="HGｺﾞｼｯｸM" panose="020B0609000000000000" pitchFamily="49" charset="-128"/>
               </a:rPr>
-              <a:t>いうの</a:t>
-            </a:r>
-            <a:r>
-              <a:rPr lang="ja-JP" altLang="en-US" sz="1300" dirty="0" smtClean="0">
-                <a:solidFill>
-                  <a:schemeClr val="bg1"/>
-                </a:solidFill>
-                <a:latin typeface="HGｺﾞｼｯｸM" panose="020B0609000000000000" pitchFamily="49" charset="-128"/>
-                <a:ea typeface="HGｺﾞｼｯｸM" panose="020B0609000000000000" pitchFamily="49" charset="-128"/>
-              </a:rPr>
-              <a:t>も解決</a:t>
-            </a:r>
-            <a:r>
-              <a:rPr lang="ja-JP" altLang="en-US" sz="1300" dirty="0">
-                <a:solidFill>
-                  <a:schemeClr val="bg1"/>
-                </a:solidFill>
-                <a:latin typeface="HGｺﾞｼｯｸM" panose="020B0609000000000000" pitchFamily="49" charset="-128"/>
-                <a:ea typeface="HGｺﾞｼｯｸM" panose="020B0609000000000000" pitchFamily="49" charset="-128"/>
-              </a:rPr>
-              <a:t>し</a:t>
-            </a:r>
-            <a:r>
-              <a:rPr lang="ja-JP" altLang="en-US" sz="1300" dirty="0" smtClean="0">
-                <a:solidFill>
-                  <a:schemeClr val="bg1"/>
-                </a:solidFill>
-                <a:latin typeface="HGｺﾞｼｯｸM" panose="020B0609000000000000" pitchFamily="49" charset="-128"/>
-                <a:ea typeface="HGｺﾞｼｯｸM" panose="020B0609000000000000" pitchFamily="49" charset="-128"/>
-              </a:rPr>
-              <a:t>、</a:t>
-            </a:r>
-            <a:endParaRPr lang="en-US" altLang="ja-JP" sz="1300" dirty="0" smtClean="0">
+              <a:t>というのも解決し、</a:t>
+            </a:r>
+            <a:endParaRPr lang="en-US" altLang="ja-JP" sz="1300" dirty="0">
               <a:solidFill>
                 <a:schemeClr val="bg1"/>
               </a:solidFill>
@@ -9518,16 +9155,6 @@
           </a:p>
           <a:p>
             <a:r>
-              <a:rPr lang="ja-JP" altLang="en-US" sz="1300" dirty="0" smtClean="0">
-                <a:solidFill>
-                  <a:schemeClr val="bg1"/>
-                </a:solidFill>
-                <a:latin typeface="HGｺﾞｼｯｸM" panose="020B0609000000000000" pitchFamily="49" charset="-128"/>
-                <a:ea typeface="HGｺﾞｼｯｸM" panose="020B0609000000000000" pitchFamily="49" charset="-128"/>
-              </a:rPr>
-              <a:t>スピードを気</a:t>
-            </a:r>
-            <a:r>
               <a:rPr lang="ja-JP" altLang="en-US" sz="1300" dirty="0">
                 <a:solidFill>
                   <a:schemeClr val="bg1"/>
@@ -9535,19 +9162,9 @@
                 <a:latin typeface="HGｺﾞｼｯｸM" panose="020B0609000000000000" pitchFamily="49" charset="-128"/>
                 <a:ea typeface="HGｺﾞｼｯｸM" panose="020B0609000000000000" pitchFamily="49" charset="-128"/>
               </a:rPr>
-              <a:t>にせず</a:t>
-            </a:r>
-            <a:r>
-              <a:rPr lang="ja-JP" altLang="en-US" sz="1300" dirty="0" smtClean="0">
-                <a:solidFill>
-                  <a:schemeClr val="bg1"/>
-                </a:solidFill>
-                <a:latin typeface="HGｺﾞｼｯｸM" panose="020B0609000000000000" pitchFamily="49" charset="-128"/>
-                <a:ea typeface="HGｺﾞｼｯｸM" panose="020B0609000000000000" pitchFamily="49" charset="-128"/>
-              </a:rPr>
-              <a:t>に</a:t>
-            </a:r>
-            <a:endParaRPr lang="en-US" altLang="ja-JP" sz="1300" dirty="0" smtClean="0">
+              <a:t>スピードを気にせずに</a:t>
+            </a:r>
+            <a:endParaRPr lang="en-US" altLang="ja-JP" sz="1300" dirty="0">
               <a:solidFill>
                 <a:schemeClr val="bg1"/>
               </a:solidFill>
@@ -9557,16 +9174,6 @@
           </a:p>
           <a:p>
             <a:r>
-              <a:rPr lang="ja-JP" altLang="en-US" sz="1300" dirty="0" smtClean="0">
-                <a:solidFill>
-                  <a:schemeClr val="bg1"/>
-                </a:solidFill>
-                <a:latin typeface="HGｺﾞｼｯｸM" panose="020B0609000000000000" pitchFamily="49" charset="-128"/>
-                <a:ea typeface="HGｺﾞｼｯｸM" panose="020B0609000000000000" pitchFamily="49" charset="-128"/>
-              </a:rPr>
-              <a:t>制御ができる</a:t>
-            </a:r>
-            <a:r>
               <a:rPr lang="ja-JP" altLang="en-US" sz="1300" dirty="0">
                 <a:solidFill>
                   <a:schemeClr val="bg1"/>
@@ -9574,7 +9181,7 @@
                 <a:latin typeface="HGｺﾞｼｯｸM" panose="020B0609000000000000" pitchFamily="49" charset="-128"/>
                 <a:ea typeface="HGｺﾞｼｯｸM" panose="020B0609000000000000" pitchFamily="49" charset="-128"/>
               </a:rPr>
-              <a:t>ように</a:t>
+              <a:t>制御ができるように</a:t>
             </a:r>
             <a:endParaRPr lang="en-US" altLang="ja-JP" sz="1300" dirty="0">
               <a:solidFill>
@@ -9607,7 +9214,7 @@
         <p:spPr>
           <a:xfrm>
             <a:off x="4230830" y="7549324"/>
-            <a:ext cx="7117816" cy="1723549"/>
+            <a:ext cx="7117816" cy="1523494"/>
           </a:xfrm>
           <a:prstGeom prst="rect">
             <a:avLst/>
@@ -9687,19 +9294,9 @@
                 <a:latin typeface="HGｺﾞｼｯｸM" panose="020B0609000000000000" pitchFamily="49" charset="-128"/>
                 <a:ea typeface="HGｺﾞｼｯｸM" panose="020B0609000000000000" pitchFamily="49" charset="-128"/>
               </a:rPr>
-              <a:t>を用いてほぼすべての部品</a:t>
-            </a:r>
-            <a:r>
-              <a:rPr lang="ja-JP" altLang="en-US" sz="1300" dirty="0" smtClean="0">
-                <a:solidFill>
-                  <a:schemeClr val="bg1"/>
-                </a:solidFill>
-                <a:latin typeface="HGｺﾞｼｯｸM" panose="020B0609000000000000" pitchFamily="49" charset="-128"/>
-                <a:ea typeface="HGｺﾞｼｯｸM" panose="020B0609000000000000" pitchFamily="49" charset="-128"/>
-              </a:rPr>
-              <a:t>を</a:t>
-            </a:r>
-            <a:endParaRPr lang="en-US" altLang="ja-JP" sz="1300" dirty="0" smtClean="0">
+              <a:t>を用いてほぼすべての部品を独自で設計</a:t>
+            </a:r>
+            <a:endParaRPr lang="en-US" altLang="ja-JP" sz="1300" dirty="0">
               <a:solidFill>
                 <a:schemeClr val="bg1"/>
               </a:solidFill>
@@ -9709,16 +9306,6 @@
           </a:p>
           <a:p>
             <a:r>
-              <a:rPr lang="ja-JP" altLang="en-US" sz="1300" dirty="0" smtClean="0">
-                <a:solidFill>
-                  <a:schemeClr val="bg1"/>
-                </a:solidFill>
-                <a:latin typeface="HGｺﾞｼｯｸM" panose="020B0609000000000000" pitchFamily="49" charset="-128"/>
-                <a:ea typeface="HGｺﾞｼｯｸM" panose="020B0609000000000000" pitchFamily="49" charset="-128"/>
-              </a:rPr>
-              <a:t>独自で設計</a:t>
-            </a:r>
-            <a:r>
               <a:rPr lang="ja-JP" altLang="en-US" sz="1300" dirty="0">
                 <a:solidFill>
                   <a:schemeClr val="bg1"/>
@@ -9726,20 +9313,10 @@
                 <a:latin typeface="HGｺﾞｼｯｸM" panose="020B0609000000000000" pitchFamily="49" charset="-128"/>
                 <a:ea typeface="HGｺﾞｼｯｸM" panose="020B0609000000000000" pitchFamily="49" charset="-128"/>
               </a:rPr>
-              <a:t>しています。</a:t>
-            </a:r>
-            <a:r>
-              <a:rPr lang="ja-JP" altLang="en-US" sz="1300" dirty="0" smtClean="0">
-                <a:solidFill>
-                  <a:schemeClr val="bg1"/>
-                </a:solidFill>
-                <a:latin typeface="HGｺﾞｼｯｸM" panose="020B0609000000000000" pitchFamily="49" charset="-128"/>
-                <a:ea typeface="HGｺﾞｼｯｸM" panose="020B0609000000000000" pitchFamily="49" charset="-128"/>
-              </a:rPr>
-              <a:t>また、</a:t>
-            </a:r>
-            <a:r>
-              <a:rPr lang="en-US" altLang="ja-JP" sz="1300" dirty="0" smtClean="0">
+              <a:t>しています。また、</a:t>
+            </a:r>
+            <a:r>
+              <a:rPr lang="en-US" altLang="ja-JP" sz="1300" dirty="0">
                 <a:solidFill>
                   <a:schemeClr val="bg1"/>
                 </a:solidFill>
@@ -9756,19 +9333,29 @@
                 <a:latin typeface="HGｺﾞｼｯｸM" panose="020B0609000000000000" pitchFamily="49" charset="-128"/>
                 <a:ea typeface="HGｺﾞｼｯｸM" panose="020B0609000000000000" pitchFamily="49" charset="-128"/>
               </a:rPr>
-              <a:t>プリンタ</a:t>
-            </a:r>
-            <a:r>
-              <a:rPr lang="ja-JP" altLang="en-US" sz="1300" dirty="0" smtClean="0">
-                <a:solidFill>
-                  <a:schemeClr val="bg1"/>
-                </a:solidFill>
-                <a:latin typeface="HGｺﾞｼｯｸM" panose="020B0609000000000000" pitchFamily="49" charset="-128"/>
-                <a:ea typeface="HGｺﾞｼｯｸM" panose="020B0609000000000000" pitchFamily="49" charset="-128"/>
-              </a:rPr>
-              <a:t>や</a:t>
-            </a:r>
-            <a:endParaRPr lang="en-US" altLang="ja-JP" sz="1300" dirty="0" smtClean="0">
+              <a:t>プリンタや</a:t>
+            </a:r>
+            <a:r>
+              <a:rPr lang="en-US" altLang="ja-JP" sz="1300" dirty="0">
+                <a:solidFill>
+                  <a:schemeClr val="bg1"/>
+                </a:solidFill>
+                <a:latin typeface="HGｺﾞｼｯｸM" panose="020B0609000000000000" pitchFamily="49" charset="-128"/>
+                <a:ea typeface="HGｺﾞｼｯｸM" panose="020B0609000000000000" pitchFamily="49" charset="-128"/>
+              </a:rPr>
+              <a:t>CNC</a:t>
+            </a:r>
+            <a:r>
+              <a:rPr lang="ja-JP" altLang="en-US" sz="1300" dirty="0">
+                <a:solidFill>
+                  <a:schemeClr val="bg1"/>
+                </a:solidFill>
+                <a:latin typeface="HGｺﾞｼｯｸM" panose="020B0609000000000000" pitchFamily="49" charset="-128"/>
+                <a:ea typeface="HGｺﾞｼｯｸM" panose="020B0609000000000000" pitchFamily="49" charset="-128"/>
+              </a:rPr>
+              <a:t>を使用することで、</a:t>
+            </a:r>
+            <a:endParaRPr lang="en-US" altLang="ja-JP" sz="1300" dirty="0">
               <a:solidFill>
                 <a:schemeClr val="bg1"/>
               </a:solidFill>
@@ -9778,16 +9365,6 @@
           </a:p>
           <a:p>
             <a:r>
-              <a:rPr lang="en-US" altLang="ja-JP" sz="1300" dirty="0" smtClean="0">
-                <a:solidFill>
-                  <a:schemeClr val="bg1"/>
-                </a:solidFill>
-                <a:latin typeface="HGｺﾞｼｯｸM" panose="020B0609000000000000" pitchFamily="49" charset="-128"/>
-                <a:ea typeface="HGｺﾞｼｯｸM" panose="020B0609000000000000" pitchFamily="49" charset="-128"/>
-              </a:rPr>
-              <a:t>CNC</a:t>
-            </a:r>
-            <a:r>
               <a:rPr lang="ja-JP" altLang="en-US" sz="1300" dirty="0">
                 <a:solidFill>
                   <a:schemeClr val="bg1"/>
@@ -9795,39 +9372,9 @@
                 <a:latin typeface="HGｺﾞｼｯｸM" panose="020B0609000000000000" pitchFamily="49" charset="-128"/>
                 <a:ea typeface="HGｺﾞｼｯｸM" panose="020B0609000000000000" pitchFamily="49" charset="-128"/>
               </a:rPr>
-              <a:t>を使用することで</a:t>
-            </a:r>
-            <a:r>
-              <a:rPr lang="ja-JP" altLang="en-US" sz="1300" dirty="0" smtClean="0">
-                <a:solidFill>
-                  <a:schemeClr val="bg1"/>
-                </a:solidFill>
-                <a:latin typeface="HGｺﾞｼｯｸM" panose="020B0609000000000000" pitchFamily="49" charset="-128"/>
-                <a:ea typeface="HGｺﾞｼｯｸM" panose="020B0609000000000000" pitchFamily="49" charset="-128"/>
-              </a:rPr>
-              <a:t>、さらに</a:t>
-            </a:r>
-            <a:r>
-              <a:rPr lang="ja-JP" altLang="en-US" sz="1300" dirty="0">
-                <a:solidFill>
-                  <a:schemeClr val="bg1"/>
-                </a:solidFill>
-                <a:latin typeface="HGｺﾞｼｯｸM" panose="020B0609000000000000" pitchFamily="49" charset="-128"/>
-                <a:ea typeface="HGｺﾞｼｯｸM" panose="020B0609000000000000" pitchFamily="49" charset="-128"/>
-              </a:rPr>
-              <a:t>正確に短時間で</a:t>
-            </a:r>
-            <a:r>
-              <a:rPr lang="ja-JP" altLang="en-US" sz="1300" dirty="0" smtClean="0">
-                <a:solidFill>
-                  <a:schemeClr val="bg1"/>
-                </a:solidFill>
-                <a:latin typeface="HGｺﾞｼｯｸM" panose="020B0609000000000000" pitchFamily="49" charset="-128"/>
-                <a:ea typeface="HGｺﾞｼｯｸM" panose="020B0609000000000000" pitchFamily="49" charset="-128"/>
-              </a:rPr>
-              <a:t>の</a:t>
-            </a:r>
-            <a:endParaRPr lang="en-US" altLang="ja-JP" sz="1300" dirty="0" smtClean="0">
+              <a:t>さらに正確に短時間での部品の製作、量産が可能になりました。</a:t>
+            </a:r>
+            <a:endParaRPr lang="en-US" altLang="ja-JP" sz="1300" dirty="0">
               <a:solidFill>
                 <a:schemeClr val="bg1"/>
               </a:solidFill>
@@ -9837,16 +9384,6 @@
           </a:p>
           <a:p>
             <a:r>
-              <a:rPr lang="ja-JP" altLang="en-US" sz="1300" dirty="0" smtClean="0">
-                <a:solidFill>
-                  <a:schemeClr val="bg1"/>
-                </a:solidFill>
-                <a:latin typeface="HGｺﾞｼｯｸM" panose="020B0609000000000000" pitchFamily="49" charset="-128"/>
-                <a:ea typeface="HGｺﾞｼｯｸM" panose="020B0609000000000000" pitchFamily="49" charset="-128"/>
-              </a:rPr>
-              <a:t>部品</a:t>
-            </a:r>
-            <a:r>
               <a:rPr lang="ja-JP" altLang="en-US" sz="1300" dirty="0">
                 <a:solidFill>
                   <a:schemeClr val="bg1"/>
@@ -9854,7 +9391,7 @@
                 <a:latin typeface="HGｺﾞｼｯｸM" panose="020B0609000000000000" pitchFamily="49" charset="-128"/>
                 <a:ea typeface="HGｺﾞｼｯｸM" panose="020B0609000000000000" pitchFamily="49" charset="-128"/>
               </a:rPr>
-              <a:t>の製作、量産が可能になりました。</a:t>
+              <a:t>基板も、発注基板によって自分たちのロボット</a:t>
             </a:r>
             <a:endParaRPr lang="en-US" altLang="ja-JP" sz="1300" dirty="0">
               <a:solidFill>
@@ -9866,16 +9403,6 @@
           </a:p>
           <a:p>
             <a:r>
-              <a:rPr lang="ja-JP" altLang="en-US" sz="1300" dirty="0" smtClean="0">
-                <a:solidFill>
-                  <a:schemeClr val="bg1"/>
-                </a:solidFill>
-                <a:latin typeface="HGｺﾞｼｯｸM" panose="020B0609000000000000" pitchFamily="49" charset="-128"/>
-                <a:ea typeface="HGｺﾞｼｯｸM" panose="020B0609000000000000" pitchFamily="49" charset="-128"/>
-              </a:rPr>
-              <a:t>基板も</a:t>
-            </a:r>
-            <a:r>
               <a:rPr lang="ja-JP" altLang="en-US" sz="1300" dirty="0">
                 <a:solidFill>
                   <a:schemeClr val="bg1"/>
@@ -9883,76 +9410,7 @@
                 <a:latin typeface="HGｺﾞｼｯｸM" panose="020B0609000000000000" pitchFamily="49" charset="-128"/>
                 <a:ea typeface="HGｺﾞｼｯｸM" panose="020B0609000000000000" pitchFamily="49" charset="-128"/>
               </a:rPr>
-              <a:t>、発注基板によって自分たちの</a:t>
-            </a:r>
-            <a:r>
-              <a:rPr lang="ja-JP" altLang="en-US" sz="1300" dirty="0" smtClean="0">
-                <a:solidFill>
-                  <a:schemeClr val="bg1"/>
-                </a:solidFill>
-                <a:latin typeface="HGｺﾞｼｯｸM" panose="020B0609000000000000" pitchFamily="49" charset="-128"/>
-                <a:ea typeface="HGｺﾞｼｯｸM" panose="020B0609000000000000" pitchFamily="49" charset="-128"/>
-              </a:rPr>
-              <a:t>ロボット</a:t>
-            </a:r>
-            <a:endParaRPr lang="en-US" altLang="ja-JP" sz="1300" dirty="0" smtClean="0">
-              <a:solidFill>
-                <a:schemeClr val="bg1"/>
-              </a:solidFill>
-              <a:latin typeface="HGｺﾞｼｯｸM" panose="020B0609000000000000" pitchFamily="49" charset="-128"/>
-              <a:ea typeface="HGｺﾞｼｯｸM" panose="020B0609000000000000" pitchFamily="49" charset="-128"/>
-            </a:endParaRPr>
-          </a:p>
-          <a:p>
-            <a:r>
-              <a:rPr lang="ja-JP" altLang="en-US" sz="1300" dirty="0" smtClean="0">
-                <a:solidFill>
-                  <a:schemeClr val="bg1"/>
-                </a:solidFill>
-                <a:latin typeface="HGｺﾞｼｯｸM" panose="020B0609000000000000" pitchFamily="49" charset="-128"/>
-                <a:ea typeface="HGｺﾞｼｯｸM" panose="020B0609000000000000" pitchFamily="49" charset="-128"/>
-              </a:rPr>
-              <a:t>に</a:t>
-            </a:r>
-            <a:r>
-              <a:rPr lang="ja-JP" altLang="en-US" sz="1300" dirty="0">
-                <a:solidFill>
-                  <a:schemeClr val="bg1"/>
-                </a:solidFill>
-                <a:latin typeface="HGｺﾞｼｯｸM" panose="020B0609000000000000" pitchFamily="49" charset="-128"/>
-                <a:ea typeface="HGｺﾞｼｯｸM" panose="020B0609000000000000" pitchFamily="49" charset="-128"/>
-              </a:rPr>
-              <a:t>特化</a:t>
-            </a:r>
-            <a:r>
-              <a:rPr lang="ja-JP" altLang="en-US" sz="1300" dirty="0" smtClean="0">
-                <a:solidFill>
-                  <a:schemeClr val="bg1"/>
-                </a:solidFill>
-                <a:latin typeface="HGｺﾞｼｯｸM" panose="020B0609000000000000" pitchFamily="49" charset="-128"/>
-                <a:ea typeface="HGｺﾞｼｯｸM" panose="020B0609000000000000" pitchFamily="49" charset="-128"/>
-              </a:rPr>
-              <a:t>した機能</a:t>
-            </a:r>
-            <a:r>
-              <a:rPr lang="ja-JP" altLang="en-US" sz="1300" dirty="0">
-                <a:solidFill>
-                  <a:schemeClr val="bg1"/>
-                </a:solidFill>
-                <a:latin typeface="HGｺﾞｼｯｸM" panose="020B0609000000000000" pitchFamily="49" charset="-128"/>
-                <a:ea typeface="HGｺﾞｼｯｸM" panose="020B0609000000000000" pitchFamily="49" charset="-128"/>
-              </a:rPr>
-              <a:t>、形のものを実現可能になりました</a:t>
-            </a:r>
-            <a:r>
-              <a:rPr lang="ja-JP" altLang="en-US" sz="1300" dirty="0" smtClean="0">
-                <a:solidFill>
-                  <a:schemeClr val="bg1"/>
-                </a:solidFill>
-                <a:latin typeface="HGｺﾞｼｯｸM" panose="020B0609000000000000" pitchFamily="49" charset="-128"/>
-                <a:ea typeface="HGｺﾞｼｯｸM" panose="020B0609000000000000" pitchFamily="49" charset="-128"/>
-              </a:rPr>
-              <a:t>。</a:t>
+              <a:t>に特化した機能、形のものを実現可能になりました。</a:t>
             </a:r>
             <a:endParaRPr lang="en-US" altLang="ja-JP" sz="1300" dirty="0">
               <a:solidFill>
@@ -10135,8 +9593,8 @@
         </p:nvSpPr>
         <p:spPr>
           <a:xfrm>
-            <a:off x="9188765" y="7488793"/>
-            <a:ext cx="3076511" cy="3101363"/>
+            <a:off x="9149244" y="7514800"/>
+            <a:ext cx="3044734" cy="3101363"/>
           </a:xfrm>
           <a:prstGeom prst="roundRect">
             <a:avLst>
@@ -10268,17 +9726,17 @@
                 <a:latin typeface="HGｺﾞｼｯｸM" panose="020B0609000000000000" pitchFamily="49" charset="-128"/>
                 <a:ea typeface="HGｺﾞｼｯｸM" panose="020B0609000000000000" pitchFamily="49" charset="-128"/>
               </a:rPr>
-              <a:t>する上で、技術の共有をすることは</a:t>
-            </a:r>
-            <a:r>
-              <a:rPr lang="ja-JP" altLang="en-US" sz="1300" dirty="0" smtClean="0">
-                <a:solidFill>
-                  <a:schemeClr val="bg1"/>
-                </a:solidFill>
-                <a:latin typeface="HGｺﾞｼｯｸM" panose="020B0609000000000000" pitchFamily="49" charset="-128"/>
-                <a:ea typeface="HGｺﾞｼｯｸM" panose="020B0609000000000000" pitchFamily="49" charset="-128"/>
-              </a:rPr>
-              <a:t>必要不可欠</a:t>
+              <a:t>する上で、技術の共有をすることは必要不可欠であると考え、</a:t>
+            </a:r>
+            <a:r>
+              <a:rPr lang="en-US" altLang="ja-JP" sz="1300" dirty="0">
+                <a:solidFill>
+                  <a:schemeClr val="bg1"/>
+                </a:solidFill>
+                <a:latin typeface="HGｺﾞｼｯｸM" panose="020B0609000000000000" pitchFamily="49" charset="-128"/>
+                <a:ea typeface="HGｺﾞｼｯｸM" panose="020B0609000000000000" pitchFamily="49" charset="-128"/>
+              </a:rPr>
+              <a:t>Twitter</a:t>
             </a:r>
             <a:r>
               <a:rPr lang="ja-JP" altLang="en-US" sz="1300" dirty="0">
@@ -10288,157 +9746,7 @@
                 <a:latin typeface="HGｺﾞｼｯｸM" panose="020B0609000000000000" pitchFamily="49" charset="-128"/>
                 <a:ea typeface="HGｺﾞｼｯｸM" panose="020B0609000000000000" pitchFamily="49" charset="-128"/>
               </a:rPr>
-              <a:t>であると</a:t>
-            </a:r>
-            <a:r>
-              <a:rPr lang="ja-JP" altLang="en-US" sz="1300" dirty="0" smtClean="0">
-                <a:solidFill>
-                  <a:schemeClr val="bg1"/>
-                </a:solidFill>
-                <a:latin typeface="HGｺﾞｼｯｸM" panose="020B0609000000000000" pitchFamily="49" charset="-128"/>
-                <a:ea typeface="HGｺﾞｼｯｸM" panose="020B0609000000000000" pitchFamily="49" charset="-128"/>
-              </a:rPr>
-              <a:t>考え、</a:t>
-            </a:r>
-            <a:r>
-              <a:rPr lang="en-US" altLang="ja-JP" sz="1300" dirty="0" smtClean="0">
-                <a:solidFill>
-                  <a:schemeClr val="bg1"/>
-                </a:solidFill>
-                <a:latin typeface="HGｺﾞｼｯｸM" panose="020B0609000000000000" pitchFamily="49" charset="-128"/>
-                <a:ea typeface="HGｺﾞｼｯｸM" panose="020B0609000000000000" pitchFamily="49" charset="-128"/>
-              </a:rPr>
-              <a:t>Twitter</a:t>
-            </a:r>
-            <a:r>
-              <a:rPr lang="ja-JP" altLang="en-US" sz="1300" dirty="0">
-                <a:solidFill>
-                  <a:schemeClr val="bg1"/>
-                </a:solidFill>
-                <a:latin typeface="HGｺﾞｼｯｸM" panose="020B0609000000000000" pitchFamily="49" charset="-128"/>
-                <a:ea typeface="HGｺﾞｼｯｸM" panose="020B0609000000000000" pitchFamily="49" charset="-128"/>
-              </a:rPr>
-              <a:t>のアカウント</a:t>
-            </a:r>
-            <a:r>
-              <a:rPr lang="ja-JP" altLang="en-US" sz="1300" dirty="0" smtClean="0">
-                <a:solidFill>
-                  <a:schemeClr val="bg1"/>
-                </a:solidFill>
-                <a:latin typeface="HGｺﾞｼｯｸM" panose="020B0609000000000000" pitchFamily="49" charset="-128"/>
-                <a:ea typeface="HGｺﾞｼｯｸM" panose="020B0609000000000000" pitchFamily="49" charset="-128"/>
-              </a:rPr>
-              <a:t>、ウェブブログ</a:t>
-            </a:r>
-            <a:r>
-              <a:rPr lang="ja-JP" altLang="en-US" sz="1300" dirty="0">
-                <a:solidFill>
-                  <a:schemeClr val="bg1"/>
-                </a:solidFill>
-                <a:latin typeface="HGｺﾞｼｯｸM" panose="020B0609000000000000" pitchFamily="49" charset="-128"/>
-                <a:ea typeface="HGｺﾞｼｯｸM" panose="020B0609000000000000" pitchFamily="49" charset="-128"/>
-              </a:rPr>
-              <a:t>を作成し、私たち</a:t>
-            </a:r>
-            <a:r>
-              <a:rPr lang="ja-JP" altLang="en-US" sz="1300" dirty="0" smtClean="0">
-                <a:solidFill>
-                  <a:schemeClr val="bg1"/>
-                </a:solidFill>
-                <a:latin typeface="HGｺﾞｼｯｸM" panose="020B0609000000000000" pitchFamily="49" charset="-128"/>
-                <a:ea typeface="HGｺﾞｼｯｸM" panose="020B0609000000000000" pitchFamily="49" charset="-128"/>
-              </a:rPr>
-              <a:t>が持って</a:t>
-            </a:r>
-            <a:r>
-              <a:rPr lang="ja-JP" altLang="en-US" sz="1300" dirty="0">
-                <a:solidFill>
-                  <a:schemeClr val="bg1"/>
-                </a:solidFill>
-                <a:latin typeface="HGｺﾞｼｯｸM" panose="020B0609000000000000" pitchFamily="49" charset="-128"/>
-                <a:ea typeface="HGｺﾞｼｯｸM" panose="020B0609000000000000" pitchFamily="49" charset="-128"/>
-              </a:rPr>
-              <a:t>いる技術を公開・共有する</a:t>
-            </a:r>
-            <a:r>
-              <a:rPr lang="ja-JP" altLang="en-US" sz="1300" dirty="0" smtClean="0">
-                <a:solidFill>
-                  <a:schemeClr val="bg1"/>
-                </a:solidFill>
-                <a:latin typeface="HGｺﾞｼｯｸM" panose="020B0609000000000000" pitchFamily="49" charset="-128"/>
-                <a:ea typeface="HGｺﾞｼｯｸM" panose="020B0609000000000000" pitchFamily="49" charset="-128"/>
-              </a:rPr>
-              <a:t>こと</a:t>
-            </a:r>
-            <a:r>
-              <a:rPr lang="ja-JP" altLang="en-US" sz="1300" dirty="0" smtClean="0">
-                <a:solidFill>
-                  <a:schemeClr val="bg1"/>
-                </a:solidFill>
-                <a:latin typeface="HGｺﾞｼｯｸM" panose="020B0609000000000000" pitchFamily="49" charset="-128"/>
-                <a:ea typeface="HGｺﾞｼｯｸM" panose="020B0609000000000000" pitchFamily="49" charset="-128"/>
-              </a:rPr>
-              <a:t>にしました。</a:t>
-            </a:r>
-            <a:r>
-              <a:rPr lang="ja-JP" altLang="en-US" sz="1300" dirty="0" smtClean="0">
-                <a:solidFill>
-                  <a:schemeClr val="bg1"/>
-                </a:solidFill>
-                <a:latin typeface="HGｺﾞｼｯｸM" panose="020B0609000000000000" pitchFamily="49" charset="-128"/>
-                <a:ea typeface="HGｺﾞｼｯｸM" panose="020B0609000000000000" pitchFamily="49" charset="-128"/>
-              </a:rPr>
-              <a:t>ハードウェア面</a:t>
-            </a:r>
-            <a:r>
-              <a:rPr lang="ja-JP" altLang="en-US" sz="1300" dirty="0">
-                <a:solidFill>
-                  <a:schemeClr val="bg1"/>
-                </a:solidFill>
-                <a:latin typeface="HGｺﾞｼｯｸM" panose="020B0609000000000000" pitchFamily="49" charset="-128"/>
-                <a:ea typeface="HGｺﾞｼｯｸM" panose="020B0609000000000000" pitchFamily="49" charset="-128"/>
-              </a:rPr>
-              <a:t>、</a:t>
-            </a:r>
-            <a:r>
-              <a:rPr lang="ja-JP" altLang="en-US" sz="1300" dirty="0" smtClean="0">
-                <a:solidFill>
-                  <a:schemeClr val="bg1"/>
-                </a:solidFill>
-                <a:latin typeface="HGｺﾞｼｯｸM" panose="020B0609000000000000" pitchFamily="49" charset="-128"/>
-                <a:ea typeface="HGｺﾞｼｯｸM" panose="020B0609000000000000" pitchFamily="49" charset="-128"/>
-              </a:rPr>
-              <a:t>ソフトウェア面</a:t>
-            </a:r>
-            <a:r>
-              <a:rPr lang="ja-JP" altLang="en-US" sz="1300" dirty="0">
-                <a:solidFill>
-                  <a:schemeClr val="bg1"/>
-                </a:solidFill>
-                <a:latin typeface="HGｺﾞｼｯｸM" panose="020B0609000000000000" pitchFamily="49" charset="-128"/>
-                <a:ea typeface="HGｺﾞｼｯｸM" panose="020B0609000000000000" pitchFamily="49" charset="-128"/>
-              </a:rPr>
-              <a:t>からの共有をすることも</a:t>
-            </a:r>
-            <a:r>
-              <a:rPr lang="ja-JP" altLang="en-US" sz="1300" dirty="0" smtClean="0">
-                <a:solidFill>
-                  <a:schemeClr val="bg1"/>
-                </a:solidFill>
-                <a:latin typeface="HGｺﾞｼｯｸM" panose="020B0609000000000000" pitchFamily="49" charset="-128"/>
-                <a:ea typeface="HGｺﾞｼｯｸM" panose="020B0609000000000000" pitchFamily="49" charset="-128"/>
-              </a:rPr>
-              <a:t>考えている</a:t>
-            </a:r>
-            <a:r>
-              <a:rPr lang="ja-JP" altLang="en-US" sz="1300" dirty="0">
-                <a:solidFill>
-                  <a:schemeClr val="bg1"/>
-                </a:solidFill>
-                <a:latin typeface="HGｺﾞｼｯｸM" panose="020B0609000000000000" pitchFamily="49" charset="-128"/>
-                <a:ea typeface="HGｺﾞｼｯｸM" panose="020B0609000000000000" pitchFamily="49" charset="-128"/>
-              </a:rPr>
-              <a:t>ため、ぜひ一度お越しください。</a:t>
+              <a:t>のアカウント、ウェブブログを作成し、私たちが持っている技術を公開・共有することにしました。ハードウェア面、ソフトウェア面からの共有をすることも考えているため、ぜひ一度お越しください。</a:t>
             </a:r>
           </a:p>
         </p:txBody>
@@ -10451,8 +9759,8 @@
         </p:nvSpPr>
         <p:spPr>
           <a:xfrm>
-            <a:off x="9190136" y="9924878"/>
-            <a:ext cx="3521271" cy="415498"/>
+            <a:off x="9324655" y="9855767"/>
+            <a:ext cx="3521271" cy="523220"/>
           </a:xfrm>
           <a:prstGeom prst="rect">
             <a:avLst/>
@@ -10466,7 +9774,7 @@
           <a:lstStyle/>
           <a:p>
             <a:r>
-              <a:rPr lang="en-US" altLang="ja-JP" sz="1050" b="1" dirty="0">
+              <a:rPr lang="en-US" altLang="ja-JP" sz="1400" b="1" dirty="0">
                 <a:solidFill>
                   <a:schemeClr val="bg1"/>
                 </a:solidFill>
@@ -10474,10 +9782,10 @@
                 <a:ea typeface="Nirmala UI" panose="020B0502040204020203" pitchFamily="34" charset="0"/>
                 <a:cs typeface="Nirmala UI" panose="020B0502040204020203" pitchFamily="34" charset="0"/>
               </a:rPr>
-              <a:t>Twitter:@</a:t>
-            </a:r>
-            <a:r>
-              <a:rPr lang="en-US" altLang="ja-JP" sz="1050" b="1" dirty="0" err="1">
+              <a:t>Twitter :</a:t>
+            </a:r>
+            <a:r>
+              <a:rPr lang="en-US" altLang="ja-JP" sz="1100" b="1" dirty="0">
                 <a:solidFill>
                   <a:schemeClr val="bg1"/>
                 </a:solidFill>
@@ -10485,20 +9793,12 @@
                 <a:ea typeface="Nirmala UI" panose="020B0502040204020203" pitchFamily="34" charset="0"/>
                 <a:cs typeface="Nirmala UI" panose="020B0502040204020203" pitchFamily="34" charset="0"/>
               </a:rPr>
-              <a:t>munachu_artemis</a:t>
-            </a:r>
-            <a:endParaRPr lang="en-US" altLang="ja-JP" sz="1050" b="1" dirty="0">
-              <a:solidFill>
-                <a:schemeClr val="bg1"/>
-              </a:solidFill>
-              <a:latin typeface="Nirmala UI" panose="020B0502040204020203" pitchFamily="34" charset="0"/>
-              <a:ea typeface="Nirmala UI" panose="020B0502040204020203" pitchFamily="34" charset="0"/>
-              <a:cs typeface="Nirmala UI" panose="020B0502040204020203" pitchFamily="34" charset="0"/>
-            </a:endParaRPr>
-          </a:p>
-          <a:p>
-            <a:r>
-              <a:rPr lang="en-US" altLang="ja-JP" sz="1050" b="1" dirty="0" err="1">
+              <a:t> @munachu_artemis</a:t>
+            </a:r>
+          </a:p>
+          <a:p>
+            <a:r>
+              <a:rPr lang="en-US" altLang="ja-JP" sz="1400" b="1" dirty="0">
                 <a:solidFill>
                   <a:schemeClr val="bg1"/>
                 </a:solidFill>
@@ -10506,10 +9806,10 @@
                 <a:ea typeface="Nirmala UI" panose="020B0502040204020203" pitchFamily="34" charset="0"/>
                 <a:cs typeface="Nirmala UI" panose="020B0502040204020203" pitchFamily="34" charset="0"/>
               </a:rPr>
-              <a:t>Blog:https</a:t>
-            </a:r>
-            <a:r>
-              <a:rPr lang="en-US" altLang="ja-JP" sz="1050" b="1" dirty="0">
+              <a:t>Blog : </a:t>
+            </a:r>
+            <a:r>
+              <a:rPr lang="en-US" altLang="ja-JP" sz="1100" b="1" dirty="0">
                 <a:solidFill>
                   <a:schemeClr val="bg1"/>
                 </a:solidFill>
@@ -10517,9 +9817,9 @@
                 <a:ea typeface="Nirmala UI" panose="020B0502040204020203" pitchFamily="34" charset="0"/>
                 <a:cs typeface="Nirmala UI" panose="020B0502040204020203" pitchFamily="34" charset="0"/>
               </a:rPr>
-              <a:t>://asahi-rcj.github.io</a:t>
-            </a:r>
-            <a:endParaRPr lang="ja-JP" altLang="en-US" sz="1050" b="1" dirty="0">
+              <a:t>https://asahi-rcj.github.io</a:t>
+            </a:r>
+            <a:endParaRPr lang="ja-JP" altLang="en-US" sz="1400" b="1" dirty="0">
               <a:solidFill>
                 <a:schemeClr val="bg1"/>
               </a:solidFill>
@@ -10551,7 +9851,7 @@
         </p:blipFill>
         <p:spPr>
           <a:xfrm>
-            <a:off x="7182962" y="9893303"/>
+            <a:off x="7611508" y="9882973"/>
             <a:ext cx="606776" cy="535110"/>
           </a:xfrm>
           <a:prstGeom prst="rect">
@@ -10581,7 +9881,7 @@
         </p:blipFill>
         <p:spPr>
           <a:xfrm>
-            <a:off x="6686206" y="9257031"/>
+            <a:off x="7058684" y="9257188"/>
             <a:ext cx="682999" cy="682999"/>
           </a:xfrm>
           <a:prstGeom prst="rect">
@@ -10611,7 +9911,7 @@
         </p:blipFill>
         <p:spPr>
           <a:xfrm>
-            <a:off x="7592869" y="9186521"/>
+            <a:off x="7899498" y="9058513"/>
             <a:ext cx="1003386" cy="885163"/>
           </a:xfrm>
           <a:prstGeom prst="rect">
@@ -10624,7 +9924,7 @@
           <p:cNvPr id="24" name="図 23">
             <a:extLst>
               <a:ext uri="{FF2B5EF4-FFF2-40B4-BE49-F238E27FC236}">
-                <a16:creationId xmlns:a16="http://schemas.microsoft.com/office/drawing/2014/main" xmlns="" id="{38164A6C-0691-9201-B00C-47BB12CE7D1E}"/>
+                <a16:creationId xmlns:a16="http://schemas.microsoft.com/office/drawing/2014/main" id="{38164A6C-0691-9201-B00C-47BB12CE7D1E}"/>
               </a:ext>
             </a:extLst>
           </p:cNvPr>
@@ -10640,12 +9940,23 @@
         </p:blipFill>
         <p:spPr>
           <a:xfrm>
-            <a:off x="5362237" y="9444448"/>
-            <a:ext cx="1244298" cy="1079645"/>
+            <a:off x="5506971" y="9306133"/>
+            <a:ext cx="1406855" cy="1220691"/>
           </a:xfrm>
           <a:prstGeom prst="rect">
             <a:avLst/>
           </a:prstGeom>
+          <a:ln>
+            <a:noFill/>
+          </a:ln>
+          <a:effectLst>
+            <a:outerShdw blurRad="292100" dist="139700" dir="2700000" algn="tl" rotWithShape="0">
+              <a:srgbClr val="333333">
+                <a:alpha val="65000"/>
+              </a:srgbClr>
+            </a:outerShdw>
+            <a:softEdge rad="31750"/>
+          </a:effectLst>
         </p:spPr>
       </p:pic>
       <p:pic>
@@ -10653,7 +9964,7 @@
           <p:cNvPr id="40" name="図 39">
             <a:extLst>
               <a:ext uri="{FF2B5EF4-FFF2-40B4-BE49-F238E27FC236}">
-                <a16:creationId xmlns:a16="http://schemas.microsoft.com/office/drawing/2014/main" xmlns="" id="{81467D52-0506-0C1C-0284-1E442AD8755D}"/>
+                <a16:creationId xmlns:a16="http://schemas.microsoft.com/office/drawing/2014/main" id="{81467D52-0506-0C1C-0284-1E442AD8755D}"/>
               </a:ext>
             </a:extLst>
           </p:cNvPr>
@@ -10688,7 +9999,7 @@
           <p:cNvPr id="45" name="図 44">
             <a:extLst>
               <a:ext uri="{FF2B5EF4-FFF2-40B4-BE49-F238E27FC236}">
-                <a16:creationId xmlns:a16="http://schemas.microsoft.com/office/drawing/2014/main" xmlns="" id="{82BBACEA-A094-E4E9-791B-DD1C311E9C41}"/>
+                <a16:creationId xmlns:a16="http://schemas.microsoft.com/office/drawing/2014/main" id="{82BBACEA-A094-E4E9-791B-DD1C311E9C41}"/>
               </a:ext>
             </a:extLst>
           </p:cNvPr>
@@ -10724,7 +10035,7 @@
           <p:cNvPr id="48" name="図 47">
             <a:extLst>
               <a:ext uri="{FF2B5EF4-FFF2-40B4-BE49-F238E27FC236}">
-                <a16:creationId xmlns:a16="http://schemas.microsoft.com/office/drawing/2014/main" xmlns="" id="{857B7C14-6842-D79E-276B-D2271C79BD4B}"/>
+                <a16:creationId xmlns:a16="http://schemas.microsoft.com/office/drawing/2014/main" id="{857B7C14-6842-D79E-276B-D2271C79BD4B}"/>
               </a:ext>
             </a:extLst>
           </p:cNvPr>
@@ -10814,50 +10125,6 @@
           </a:effectLst>
         </p:spPr>
       </p:pic>
-      <p:sp>
-        <p:nvSpPr>
-          <p:cNvPr id="217" name="テキスト ボックス 216"/>
-          <p:cNvSpPr txBox="1"/>
-          <p:nvPr/>
-        </p:nvSpPr>
-        <p:spPr>
-          <a:xfrm>
-            <a:off x="3563985" y="2631667"/>
-            <a:ext cx="429524" cy="195118"/>
-          </a:xfrm>
-          <a:prstGeom prst="rect">
-            <a:avLst/>
-          </a:prstGeom>
-          <a:noFill/>
-        </p:spPr>
-        <p:txBody>
-          <a:bodyPr wrap="square" rtlCol="0">
-            <a:spAutoFit/>
-          </a:bodyPr>
-          <a:lstStyle/>
-          <a:p>
-            <a:r>
-              <a:rPr lang="en-US" altLang="ja-JP" sz="668" dirty="0">
-                <a:solidFill>
-                  <a:schemeClr val="tx1">
-                    <a:lumMod val="65000"/>
-                    <a:lumOff val="35000"/>
-                  </a:schemeClr>
-                </a:solidFill>
-              </a:rPr>
-              <a:t>Analog</a:t>
-            </a:r>
-            <a:endParaRPr lang="ja-JP" altLang="en-US" sz="668" dirty="0">
-              <a:solidFill>
-                <a:schemeClr val="tx1">
-                  <a:lumMod val="65000"/>
-                  <a:lumOff val="35000"/>
-                </a:schemeClr>
-              </a:solidFill>
-            </a:endParaRPr>
-          </a:p>
-        </p:txBody>
-      </p:sp>
       <p:sp>
         <p:nvSpPr>
           <p:cNvPr id="218" name="正方形/長方形 217"/>
@@ -10985,7 +10252,7 @@
         <p:spPr>
           <a:xfrm>
             <a:off x="3925091" y="2868375"/>
-            <a:ext cx="920486" cy="769414"/>
+            <a:ext cx="920486" cy="824574"/>
           </a:xfrm>
           <a:prstGeom prst="roundRect">
             <a:avLst>
@@ -11063,8 +10330,8 @@
         </p:nvSpPr>
         <p:spPr>
           <a:xfrm>
-            <a:off x="3869070" y="2867653"/>
-            <a:ext cx="922515" cy="861774"/>
+            <a:off x="3853796" y="2832745"/>
+            <a:ext cx="922515" cy="1000274"/>
           </a:xfrm>
           <a:prstGeom prst="rect">
             <a:avLst/>
@@ -11078,7 +10345,7 @@
           <a:lstStyle/>
           <a:p>
             <a:r>
-              <a:rPr lang="en-US" altLang="ja-JP" sz="700" b="1" dirty="0" smtClean="0">
+              <a:rPr lang="en-US" altLang="ja-JP" sz="700" b="1" dirty="0">
                 <a:solidFill>
                   <a:schemeClr val="bg1"/>
                 </a:solidFill>
@@ -11087,7 +10354,9 @@
               </a:rPr>
               <a:t>Hold sensor</a:t>
             </a:r>
-            <a:endParaRPr lang="en-US" altLang="ja-JP" sz="700" b="1" dirty="0" smtClean="0">
+          </a:p>
+          <a:p>
+            <a:endParaRPr lang="en-US" altLang="ja-JP" sz="700" b="1" dirty="0">
               <a:solidFill>
                 <a:schemeClr val="bg1"/>
               </a:solidFill>
@@ -11105,7 +10374,7 @@
             </a:endParaRPr>
           </a:p>
           <a:p>
-            <a:endParaRPr lang="en-US" altLang="ja-JP" sz="700" b="1" dirty="0" smtClean="0">
+            <a:endParaRPr lang="en-US" altLang="ja-JP" sz="700" b="1" dirty="0">
               <a:solidFill>
                 <a:schemeClr val="bg1"/>
               </a:solidFill>
@@ -11133,7 +10402,7 @@
           </a:p>
           <a:p>
             <a:r>
-              <a:rPr lang="en-US" altLang="ja-JP" sz="500" b="1" dirty="0" smtClean="0">
+              <a:rPr lang="en-US" altLang="ja-JP" sz="600" b="1" dirty="0">
                 <a:solidFill>
                   <a:schemeClr val="bg1"/>
                 </a:solidFill>
@@ -11143,39 +10412,19 @@
               <a:t>S4282-51</a:t>
             </a:r>
             <a:r>
-              <a:rPr lang="en-US" altLang="ja-JP" sz="400" b="1" dirty="0">
+              <a:rPr lang="en-US" altLang="ja-JP" sz="600" b="1" dirty="0">
                 <a:solidFill>
                   <a:schemeClr val="bg1"/>
                 </a:solidFill>
                 <a:latin typeface="源ノ角ゴシック Code JP R" panose="020B0500000000000000" pitchFamily="34" charset="-128"/>
                 <a:ea typeface="源ノ角ゴシック Code JP R" panose="020B0500000000000000" pitchFamily="34" charset="-128"/>
               </a:rPr>
-              <a:t> </a:t>
-            </a:r>
-            <a:r>
-              <a:rPr lang="en-US" altLang="ja-JP" sz="400" b="1" dirty="0" smtClean="0">
-                <a:solidFill>
-                  <a:schemeClr val="bg1"/>
-                </a:solidFill>
-                <a:latin typeface="源ノ角ゴシック Code JP R" panose="020B0500000000000000" pitchFamily="34" charset="-128"/>
-                <a:ea typeface="源ノ角ゴシック Code JP R" panose="020B0500000000000000" pitchFamily="34" charset="-128"/>
-              </a:rPr>
-              <a:t> </a:t>
-            </a:r>
-            <a:r>
-              <a:rPr lang="en-US" altLang="ja-JP" sz="500" b="1" dirty="0" smtClean="0">
-                <a:solidFill>
-                  <a:schemeClr val="bg1"/>
-                </a:solidFill>
-                <a:latin typeface="源ノ角ゴシック Code JP R" panose="020B0500000000000000" pitchFamily="34" charset="-128"/>
-                <a:ea typeface="源ノ角ゴシック Code JP R" panose="020B0500000000000000" pitchFamily="34" charset="-128"/>
-              </a:rPr>
-              <a:t>x 1</a:t>
-            </a:r>
-          </a:p>
-          <a:p>
-            <a:r>
-              <a:rPr lang="en-US" altLang="ja-JP" sz="500" b="1" dirty="0" smtClean="0">
+              <a:t>  x 1</a:t>
+            </a:r>
+          </a:p>
+          <a:p>
+            <a:r>
+              <a:rPr lang="en-US" altLang="ja-JP" sz="600" b="1" dirty="0">
                 <a:solidFill>
                   <a:schemeClr val="bg1"/>
                 </a:solidFill>
@@ -11185,7 +10434,7 @@
               <a:t>White LED </a:t>
             </a:r>
             <a:r>
-              <a:rPr lang="en-US" altLang="ja-JP" sz="500" b="1" dirty="0">
+              <a:rPr lang="en-US" altLang="ja-JP" sz="600" b="1" dirty="0">
                 <a:solidFill>
                   <a:schemeClr val="bg1"/>
                 </a:solidFill>
@@ -11222,12 +10471,23 @@
         </p:blipFill>
         <p:spPr>
           <a:xfrm>
-            <a:off x="4218675" y="9263745"/>
-            <a:ext cx="1344577" cy="936521"/>
+            <a:off x="4226855" y="9084590"/>
+            <a:ext cx="1508062" cy="1050391"/>
           </a:xfrm>
           <a:prstGeom prst="rect">
             <a:avLst/>
           </a:prstGeom>
+          <a:ln>
+            <a:noFill/>
+          </a:ln>
+          <a:effectLst>
+            <a:outerShdw blurRad="292100" dist="139700" dir="2700000" algn="tl" rotWithShape="0">
+              <a:srgbClr val="333333">
+                <a:alpha val="65000"/>
+              </a:srgbClr>
+            </a:outerShdw>
+            <a:softEdge rad="63500"/>
+          </a:effectLst>
         </p:spPr>
       </p:pic>
       <p:sp>
@@ -11238,8 +10498,8 @@
         </p:nvSpPr>
         <p:spPr>
           <a:xfrm>
-            <a:off x="12393341" y="7481494"/>
-            <a:ext cx="2618429" cy="3101363"/>
+            <a:off x="12361567" y="7481494"/>
+            <a:ext cx="2650204" cy="3101363"/>
           </a:xfrm>
           <a:prstGeom prst="roundRect">
             <a:avLst>
@@ -11291,7 +10551,7 @@
         </p:nvSpPr>
         <p:spPr>
           <a:xfrm>
-            <a:off x="12448052" y="7499734"/>
+            <a:off x="12361566" y="7498988"/>
             <a:ext cx="3021800" cy="2015936"/>
           </a:xfrm>
           <a:prstGeom prst="rect">
@@ -11306,7 +10566,7 @@
           <a:lstStyle/>
           <a:p>
             <a:r>
-              <a:rPr lang="ja-JP" altLang="en-US" sz="2400" dirty="0" smtClean="0">
+              <a:rPr lang="ja-JP" altLang="en-US" sz="2400" dirty="0">
                 <a:solidFill>
                   <a:schemeClr val="bg1"/>
                 </a:solidFill>
@@ -11325,7 +10585,7 @@
           </a:p>
           <a:p>
             <a:r>
-              <a:rPr lang="ja-JP" altLang="en-US" sz="1100" dirty="0" smtClean="0">
+              <a:rPr lang="ja-JP" altLang="en-US" sz="1100" dirty="0">
                 <a:solidFill>
                   <a:schemeClr val="bg1"/>
                 </a:solidFill>
@@ -11335,7 +10595,7 @@
               <a:t>・</a:t>
             </a:r>
             <a:r>
-              <a:rPr lang="en-US" altLang="ja-JP" sz="1100" dirty="0" smtClean="0">
+              <a:rPr lang="en-US" altLang="ja-JP" sz="1100" dirty="0">
                 <a:solidFill>
                   <a:schemeClr val="bg1"/>
                 </a:solidFill>
@@ -11345,7 +10605,7 @@
               <a:t>JLCPCB</a:t>
             </a:r>
             <a:r>
-              <a:rPr lang="ja-JP" altLang="en-US" sz="1100" dirty="0" smtClean="0">
+              <a:rPr lang="ja-JP" altLang="en-US" sz="1100" dirty="0">
                 <a:solidFill>
                   <a:schemeClr val="bg1"/>
                 </a:solidFill>
@@ -11354,7 +10614,7 @@
               </a:rPr>
               <a:t>様</a:t>
             </a:r>
-            <a:endParaRPr lang="en-US" altLang="ja-JP" sz="1100" dirty="0" smtClean="0">
+            <a:endParaRPr lang="en-US" altLang="ja-JP" sz="1100" dirty="0">
               <a:solidFill>
                 <a:schemeClr val="bg1"/>
               </a:solidFill>
@@ -11364,7 +10624,7 @@
           </a:p>
           <a:p>
             <a:r>
-              <a:rPr lang="ja-JP" altLang="en-US" sz="1100" dirty="0" smtClean="0">
+              <a:rPr lang="ja-JP" altLang="en-US" sz="1100" dirty="0">
                 <a:solidFill>
                   <a:schemeClr val="bg1"/>
                 </a:solidFill>
@@ -11373,7 +10633,7 @@
               </a:rPr>
               <a:t>　発注基板の製作費や送料など、</a:t>
             </a:r>
-            <a:endParaRPr lang="en-US" altLang="ja-JP" sz="1100" dirty="0" smtClean="0">
+            <a:endParaRPr lang="en-US" altLang="ja-JP" sz="1100" dirty="0">
               <a:solidFill>
                 <a:schemeClr val="bg1"/>
               </a:solidFill>
@@ -11390,20 +10650,10 @@
                 <a:latin typeface="HGｺﾞｼｯｸM" panose="020B0609000000000000" pitchFamily="49" charset="-128"/>
                 <a:ea typeface="HGｺﾞｼｯｸM" panose="020B0609000000000000" pitchFamily="49" charset="-128"/>
               </a:rPr>
-              <a:t>　</a:t>
-            </a:r>
-            <a:r>
-              <a:rPr lang="ja-JP" altLang="en-US" sz="1100" dirty="0" smtClean="0">
-                <a:solidFill>
-                  <a:schemeClr val="bg1"/>
-                </a:solidFill>
-                <a:latin typeface="HGｺﾞｼｯｸM" panose="020B0609000000000000" pitchFamily="49" charset="-128"/>
-                <a:ea typeface="HGｺﾞｼｯｸM" panose="020B0609000000000000" pitchFamily="49" charset="-128"/>
-              </a:rPr>
-              <a:t>金銭面でのサポートをしていた</a:t>
-            </a:r>
-            <a:r>
-              <a:rPr lang="ja-JP" altLang="en-US" sz="1100" dirty="0" err="1" smtClean="0">
+              <a:t>　金銭面でのサポートをしていた</a:t>
+            </a:r>
+            <a:r>
+              <a:rPr lang="ja-JP" altLang="en-US" sz="1100" dirty="0" err="1">
                 <a:solidFill>
                   <a:schemeClr val="bg1"/>
                 </a:solidFill>
@@ -11412,7 +10662,7 @@
               </a:rPr>
               <a:t>だ</a:t>
             </a:r>
-            <a:endParaRPr lang="en-US" altLang="ja-JP" sz="1100" dirty="0" smtClean="0">
+            <a:endParaRPr lang="en-US" altLang="ja-JP" sz="1100" dirty="0">
               <a:solidFill>
                 <a:schemeClr val="bg1"/>
               </a:solidFill>
@@ -11429,19 +10679,9 @@
                 <a:latin typeface="HGｺﾞｼｯｸM" panose="020B0609000000000000" pitchFamily="49" charset="-128"/>
                 <a:ea typeface="HGｺﾞｼｯｸM" panose="020B0609000000000000" pitchFamily="49" charset="-128"/>
               </a:rPr>
-              <a:t>　</a:t>
-            </a:r>
-            <a:r>
-              <a:rPr lang="ja-JP" altLang="en-US" sz="1100" dirty="0" smtClean="0">
-                <a:solidFill>
-                  <a:schemeClr val="bg1"/>
-                </a:solidFill>
-                <a:latin typeface="HGｺﾞｼｯｸM" panose="020B0609000000000000" pitchFamily="49" charset="-128"/>
-                <a:ea typeface="HGｺﾞｼｯｸM" panose="020B0609000000000000" pitchFamily="49" charset="-128"/>
-              </a:rPr>
-              <a:t>ています。</a:t>
-            </a:r>
-            <a:endParaRPr lang="en-US" altLang="ja-JP" sz="1100" dirty="0" smtClean="0">
+              <a:t>　ています。</a:t>
+            </a:r>
+            <a:endParaRPr lang="en-US" altLang="ja-JP" sz="1100" dirty="0">
               <a:solidFill>
                 <a:schemeClr val="bg1"/>
               </a:solidFill>
@@ -11451,7 +10691,7 @@
           </a:p>
           <a:p>
             <a:r>
-              <a:rPr lang="ja-JP" altLang="en-US" sz="1100" dirty="0" smtClean="0">
+              <a:rPr lang="ja-JP" altLang="en-US" sz="1100" dirty="0">
                 <a:solidFill>
                   <a:schemeClr val="bg1"/>
                 </a:solidFill>
@@ -11461,7 +10701,7 @@
               <a:t>・佐賀大</a:t>
             </a:r>
             <a:r>
-              <a:rPr lang="en-US" altLang="ja-JP" sz="1100" dirty="0" smtClean="0">
+              <a:rPr lang="en-US" altLang="ja-JP" sz="1100" dirty="0">
                 <a:solidFill>
                   <a:schemeClr val="bg1"/>
                 </a:solidFill>
@@ -11471,7 +10711,7 @@
               <a:t>de</a:t>
             </a:r>
             <a:r>
-              <a:rPr lang="ja-JP" altLang="en-US" sz="1100" dirty="0" smtClean="0">
+              <a:rPr lang="ja-JP" altLang="en-US" sz="1100" dirty="0">
                 <a:solidFill>
                   <a:schemeClr val="bg1"/>
                 </a:solidFill>
@@ -11480,7 +10720,7 @@
               </a:rPr>
               <a:t>ラボ様</a:t>
             </a:r>
-            <a:endParaRPr lang="en-US" altLang="ja-JP" sz="1100" dirty="0" smtClean="0">
+            <a:endParaRPr lang="en-US" altLang="ja-JP" sz="1100" dirty="0">
               <a:solidFill>
                 <a:schemeClr val="bg1"/>
               </a:solidFill>
@@ -11490,7 +10730,7 @@
           </a:p>
           <a:p>
             <a:r>
-              <a:rPr lang="ja-JP" altLang="en-US" sz="1100" dirty="0" smtClean="0">
+              <a:rPr lang="ja-JP" altLang="en-US" sz="1100" dirty="0">
                 <a:solidFill>
                   <a:schemeClr val="bg1"/>
                 </a:solidFill>
@@ -11500,7 +10740,7 @@
               <a:t>　</a:t>
             </a:r>
             <a:r>
-              <a:rPr lang="en-US" altLang="ja-JP" sz="1100" dirty="0" smtClean="0">
+              <a:rPr lang="en-US" altLang="ja-JP" sz="1100" dirty="0">
                 <a:solidFill>
                   <a:schemeClr val="bg1"/>
                 </a:solidFill>
@@ -11510,7 +10750,7 @@
               <a:t>3D</a:t>
             </a:r>
             <a:r>
-              <a:rPr lang="ja-JP" altLang="en-US" sz="1100" dirty="0" smtClean="0">
+              <a:rPr lang="ja-JP" altLang="en-US" sz="1100" dirty="0">
                 <a:solidFill>
                   <a:schemeClr val="bg1"/>
                 </a:solidFill>
@@ -11519,7 +10759,7 @@
               </a:rPr>
               <a:t>プリンタ、レーザーカッター</a:t>
             </a:r>
-            <a:endParaRPr lang="en-US" altLang="ja-JP" sz="1100" dirty="0" smtClean="0">
+            <a:endParaRPr lang="en-US" altLang="ja-JP" sz="1100" dirty="0">
               <a:solidFill>
                 <a:schemeClr val="bg1"/>
               </a:solidFill>
@@ -11536,19 +10776,9 @@
                 <a:latin typeface="HGｺﾞｼｯｸM" panose="020B0609000000000000" pitchFamily="49" charset="-128"/>
                 <a:ea typeface="HGｺﾞｼｯｸM" panose="020B0609000000000000" pitchFamily="49" charset="-128"/>
               </a:rPr>
-              <a:t>　</a:t>
-            </a:r>
-            <a:r>
-              <a:rPr lang="ja-JP" altLang="en-US" sz="1100" dirty="0" smtClean="0">
-                <a:solidFill>
-                  <a:schemeClr val="bg1"/>
-                </a:solidFill>
-                <a:latin typeface="HGｺﾞｼｯｸM" panose="020B0609000000000000" pitchFamily="49" charset="-128"/>
-                <a:ea typeface="HGｺﾞｼｯｸM" panose="020B0609000000000000" pitchFamily="49" charset="-128"/>
-              </a:rPr>
-              <a:t>など　の機械を使用させていただく</a:t>
-            </a:r>
-            <a:endParaRPr lang="en-US" altLang="ja-JP" sz="1100" dirty="0" smtClean="0">
+              <a:t>　など　の機械を使用させていただく</a:t>
+            </a:r>
+            <a:endParaRPr lang="en-US" altLang="ja-JP" sz="1100" dirty="0">
               <a:solidFill>
                 <a:schemeClr val="bg1"/>
               </a:solidFill>
@@ -11565,19 +10795,9 @@
                 <a:latin typeface="HGｺﾞｼｯｸM" panose="020B0609000000000000" pitchFamily="49" charset="-128"/>
                 <a:ea typeface="HGｺﾞｼｯｸM" panose="020B0609000000000000" pitchFamily="49" charset="-128"/>
               </a:rPr>
-              <a:t>　</a:t>
-            </a:r>
-            <a:r>
-              <a:rPr lang="ja-JP" altLang="en-US" sz="1100" dirty="0" smtClean="0">
-                <a:solidFill>
-                  <a:schemeClr val="bg1"/>
-                </a:solidFill>
-                <a:latin typeface="HGｺﾞｼｯｸM" panose="020B0609000000000000" pitchFamily="49" charset="-128"/>
-                <a:ea typeface="HGｺﾞｼｯｸM" panose="020B0609000000000000" pitchFamily="49" charset="-128"/>
-              </a:rPr>
-              <a:t>だけでなく、技術交流の場としても</a:t>
-            </a:r>
-            <a:endParaRPr lang="en-US" altLang="ja-JP" sz="1100" dirty="0" smtClean="0">
+              <a:t>　だけでなく、技術交流の場としても</a:t>
+            </a:r>
+            <a:endParaRPr lang="en-US" altLang="ja-JP" sz="1100" dirty="0">
               <a:solidFill>
                 <a:schemeClr val="bg1"/>
               </a:solidFill>
@@ -11594,30 +10814,20 @@
                 <a:latin typeface="HGｺﾞｼｯｸM" panose="020B0609000000000000" pitchFamily="49" charset="-128"/>
                 <a:ea typeface="HGｺﾞｼｯｸM" panose="020B0609000000000000" pitchFamily="49" charset="-128"/>
               </a:rPr>
+              <a:t>　利用させていただいてます。</a:t>
+            </a:r>
+            <a:r>
+              <a:rPr lang="ja-JP" altLang="en-US" sz="1200" dirty="0">
+                <a:solidFill>
+                  <a:schemeClr val="bg1"/>
+                </a:solidFill>
+                <a:latin typeface="HGｺﾞｼｯｸM" panose="020B0609000000000000" pitchFamily="49" charset="-128"/>
+                <a:ea typeface="HGｺﾞｼｯｸM" panose="020B0609000000000000" pitchFamily="49" charset="-128"/>
+              </a:rPr>
               <a:t>　</a:t>
             </a:r>
             <a:r>
-              <a:rPr lang="ja-JP" altLang="en-US" sz="1100" dirty="0" smtClean="0">
-                <a:solidFill>
-                  <a:schemeClr val="bg1"/>
-                </a:solidFill>
-                <a:latin typeface="HGｺﾞｼｯｸM" panose="020B0609000000000000" pitchFamily="49" charset="-128"/>
-                <a:ea typeface="HGｺﾞｼｯｸM" panose="020B0609000000000000" pitchFamily="49" charset="-128"/>
-              </a:rPr>
-              <a:t>利用させていただいてます。</a:t>
-            </a:r>
-            <a:r>
-              <a:rPr lang="ja-JP" altLang="en-US" sz="1200" dirty="0" smtClean="0">
-                <a:solidFill>
-                  <a:schemeClr val="bg1"/>
-                </a:solidFill>
-                <a:latin typeface="HGｺﾞｼｯｸM" panose="020B0609000000000000" pitchFamily="49" charset="-128"/>
-                <a:ea typeface="HGｺﾞｼｯｸM" panose="020B0609000000000000" pitchFamily="49" charset="-128"/>
-              </a:rPr>
-              <a:t>　</a:t>
-            </a:r>
-            <a:r>
-              <a:rPr lang="ja-JP" altLang="en-US" sz="1300" dirty="0" smtClean="0">
+              <a:rPr lang="ja-JP" altLang="en-US" sz="1300" dirty="0">
                 <a:solidFill>
                   <a:schemeClr val="bg1"/>
                 </a:solidFill>
@@ -11809,7 +11019,7 @@
         <p:spPr>
           <a:xfrm>
             <a:off x="9601200" y="788260"/>
-            <a:ext cx="5365491" cy="3046988"/>
+            <a:ext cx="5365491" cy="3370153"/>
           </a:xfrm>
           <a:prstGeom prst="rect">
             <a:avLst/>
@@ -11823,93 +11033,1035 @@
           <a:lstStyle/>
           <a:p>
             <a:r>
-              <a:rPr kumimoji="1" lang="ja-JP" altLang="en-US" sz="2400" dirty="0" smtClean="0"/>
-              <a:t>使用している部品とその理由</a:t>
-            </a:r>
-            <a:endParaRPr kumimoji="1" lang="en-US" altLang="ja-JP" sz="2400" dirty="0" smtClean="0"/>
-          </a:p>
-          <a:p>
-            <a:r>
-              <a:rPr lang="ja-JP" altLang="en-US" sz="1400" dirty="0" smtClean="0"/>
-              <a:t>・</a:t>
-            </a:r>
-            <a:r>
-              <a:rPr lang="en-US" altLang="ja-JP" sz="1400" dirty="0" smtClean="0"/>
+              <a:rPr kumimoji="1" lang="ja-JP" altLang="en-US" sz="2400" dirty="0">
+                <a:latin typeface="HGｺﾞｼｯｸM" panose="020B0609000000000000" pitchFamily="49" charset="-128"/>
+                <a:ea typeface="HGｺﾞｼｯｸM" panose="020B0609000000000000" pitchFamily="49" charset="-128"/>
+              </a:rPr>
+              <a:t>使用している主要部品とその理由</a:t>
+            </a:r>
+            <a:endParaRPr kumimoji="1" lang="en-US" altLang="ja-JP" sz="2400" dirty="0">
+              <a:latin typeface="HGｺﾞｼｯｸM" panose="020B0609000000000000" pitchFamily="49" charset="-128"/>
+              <a:ea typeface="HGｺﾞｼｯｸM" panose="020B0609000000000000" pitchFamily="49" charset="-128"/>
+            </a:endParaRPr>
+          </a:p>
+          <a:p>
+            <a:endParaRPr lang="en-US" altLang="ja-JP" sz="500" dirty="0">
+              <a:latin typeface="HGｺﾞｼｯｸM" panose="020B0609000000000000" pitchFamily="49" charset="-128"/>
+              <a:ea typeface="HGｺﾞｼｯｸM" panose="020B0609000000000000" pitchFamily="49" charset="-128"/>
+            </a:endParaRPr>
+          </a:p>
+          <a:p>
+            <a:r>
+              <a:rPr lang="ja-JP" altLang="en-US" sz="1200" dirty="0">
+                <a:latin typeface="HGｺﾞｼｯｸM" panose="020B0609000000000000" pitchFamily="49" charset="-128"/>
+                <a:ea typeface="HGｺﾞｼｯｸM" panose="020B0609000000000000" pitchFamily="49" charset="-128"/>
+              </a:rPr>
+              <a:t>・メインマイコン：</a:t>
+            </a:r>
+            <a:r>
+              <a:rPr lang="en-US" altLang="ja-JP" sz="1200" dirty="0">
+                <a:latin typeface="HGｺﾞｼｯｸM" panose="020B0609000000000000" pitchFamily="49" charset="-128"/>
+                <a:ea typeface="HGｺﾞｼｯｸM" panose="020B0609000000000000" pitchFamily="49" charset="-128"/>
+              </a:rPr>
               <a:t>TJ3B</a:t>
             </a:r>
             <a:r>
-              <a:rPr lang="ja-JP" altLang="en-US" sz="1400" dirty="0" smtClean="0"/>
-              <a:t>コア</a:t>
-            </a:r>
-            <a:endParaRPr lang="en-US" altLang="ja-JP" sz="1400" dirty="0" smtClean="0"/>
-          </a:p>
-          <a:p>
-            <a:endParaRPr lang="en-US" altLang="ja-JP" sz="1400" dirty="0" smtClean="0"/>
-          </a:p>
-          <a:p>
-            <a:r>
-              <a:rPr lang="ja-JP" altLang="en-US" sz="1400" dirty="0" smtClean="0"/>
-              <a:t>・赤外線センサ</a:t>
-            </a:r>
-            <a:endParaRPr lang="en-US" altLang="ja-JP" sz="1400" dirty="0" smtClean="0"/>
-          </a:p>
-          <a:p>
-            <a:endParaRPr lang="en-US" altLang="ja-JP" sz="1400" dirty="0" smtClean="0"/>
-          </a:p>
-          <a:p>
-            <a:r>
-              <a:rPr kumimoji="1" lang="ja-JP" altLang="en-US" sz="1400" dirty="0" smtClean="0"/>
-              <a:t>・ラインセンサ</a:t>
-            </a:r>
-            <a:endParaRPr kumimoji="1" lang="en-US" altLang="ja-JP" sz="1400" dirty="0" smtClean="0"/>
-          </a:p>
-          <a:p>
-            <a:endParaRPr kumimoji="1" lang="en-US" altLang="ja-JP" sz="1400" dirty="0" smtClean="0"/>
-          </a:p>
-          <a:p>
-            <a:r>
-              <a:rPr lang="ja-JP" altLang="en-US" sz="1400" dirty="0" smtClean="0"/>
-              <a:t>・タッチセンサ</a:t>
-            </a:r>
-            <a:endParaRPr lang="en-US" altLang="ja-JP" sz="1400" dirty="0" smtClean="0"/>
-          </a:p>
-          <a:p>
-            <a:endParaRPr kumimoji="1" lang="en-US" altLang="ja-JP" sz="1400" dirty="0" smtClean="0"/>
-          </a:p>
-          <a:p>
-            <a:r>
-              <a:rPr lang="ja-JP" altLang="en-US" sz="1400" dirty="0" smtClean="0"/>
-              <a:t>・カメラ</a:t>
-            </a:r>
-            <a:endParaRPr lang="en-US" altLang="ja-JP" sz="1400" dirty="0" smtClean="0"/>
-          </a:p>
-          <a:p>
-            <a:endParaRPr lang="en-US" altLang="ja-JP" sz="1400" dirty="0" smtClean="0"/>
-          </a:p>
-          <a:p>
-            <a:r>
-              <a:rPr kumimoji="1" lang="ja-JP" altLang="en-US" sz="1400" dirty="0" smtClean="0"/>
-              <a:t>・</a:t>
-            </a:r>
-            <a:r>
-              <a:rPr kumimoji="1" lang="en-US" altLang="ja-JP" sz="1400" dirty="0" err="1" smtClean="0"/>
+              <a:rPr lang="ja-JP" altLang="en-US" sz="1200" dirty="0">
+                <a:latin typeface="HGｺﾞｼｯｸM" panose="020B0609000000000000" pitchFamily="49" charset="-128"/>
+                <a:ea typeface="HGｺﾞｼｯｸM" panose="020B0609000000000000" pitchFamily="49" charset="-128"/>
+              </a:rPr>
+              <a:t> </a:t>
+            </a:r>
+            <a:r>
+              <a:rPr lang="en-US" altLang="ja-JP" sz="1200" dirty="0">
+                <a:latin typeface="HGｺﾞｼｯｸM" panose="020B0609000000000000" pitchFamily="49" charset="-128"/>
+                <a:ea typeface="HGｺﾞｼｯｸM" panose="020B0609000000000000" pitchFamily="49" charset="-128"/>
+              </a:rPr>
+              <a:t>Core</a:t>
+            </a:r>
+          </a:p>
+          <a:p>
+            <a:r>
+              <a:rPr lang="ja-JP" altLang="en-US" sz="900" dirty="0">
+                <a:latin typeface="HGｺﾞｼｯｸM" panose="020B0609000000000000" pitchFamily="49" charset="-128"/>
+                <a:ea typeface="HGｺﾞｼｯｸM" panose="020B0609000000000000" pitchFamily="49" charset="-128"/>
+              </a:rPr>
+              <a:t>　→ブロック式でプログラムを簡単に書くことができるため。</a:t>
+            </a:r>
+            <a:endParaRPr lang="en-US" altLang="ja-JP" sz="900" dirty="0">
+              <a:latin typeface="HGｺﾞｼｯｸM" panose="020B0609000000000000" pitchFamily="49" charset="-128"/>
+              <a:ea typeface="HGｺﾞｼｯｸM" panose="020B0609000000000000" pitchFamily="49" charset="-128"/>
+            </a:endParaRPr>
+          </a:p>
+          <a:p>
+            <a:r>
+              <a:rPr lang="ja-JP" altLang="en-US" sz="1200" dirty="0">
+                <a:latin typeface="HGｺﾞｼｯｸM" panose="020B0609000000000000" pitchFamily="49" charset="-128"/>
+                <a:ea typeface="HGｺﾞｼｯｸM" panose="020B0609000000000000" pitchFamily="49" charset="-128"/>
+              </a:rPr>
+              <a:t>・サブマイコン：</a:t>
+            </a:r>
+            <a:r>
+              <a:rPr lang="en-US" altLang="ja-JP" sz="1200" dirty="0" err="1">
+                <a:latin typeface="HGｺﾞｼｯｸM" panose="020B0609000000000000" pitchFamily="49" charset="-128"/>
+                <a:ea typeface="HGｺﾞｼｯｸM" panose="020B0609000000000000" pitchFamily="49" charset="-128"/>
+              </a:rPr>
               <a:t>Seeduino</a:t>
             </a:r>
             <a:r>
-              <a:rPr kumimoji="1" lang="en-US" altLang="ja-JP" sz="1400" dirty="0" smtClean="0"/>
+              <a:rPr lang="ja-JP" altLang="en-US" sz="1200" dirty="0">
+                <a:latin typeface="HGｺﾞｼｯｸM" panose="020B0609000000000000" pitchFamily="49" charset="-128"/>
+                <a:ea typeface="HGｺﾞｼｯｸM" panose="020B0609000000000000" pitchFamily="49" charset="-128"/>
+              </a:rPr>
               <a:t> </a:t>
             </a:r>
             <a:r>
-              <a:rPr kumimoji="1" lang="en-US" altLang="ja-JP" sz="1400" dirty="0" err="1" smtClean="0"/>
-              <a:t>xiao</a:t>
-            </a:r>
-            <a:endParaRPr kumimoji="1" lang="en-US" altLang="ja-JP" sz="1400" dirty="0" smtClean="0"/>
-          </a:p>
-          <a:p>
-            <a:endParaRPr kumimoji="1" lang="en-US" altLang="ja-JP" sz="1400" dirty="0" smtClean="0"/>
-          </a:p>
-        </p:txBody>
-      </p:sp>
+              <a:rPr lang="en-US" altLang="ja-JP" sz="1200" dirty="0">
+                <a:latin typeface="HGｺﾞｼｯｸM" panose="020B0609000000000000" pitchFamily="49" charset="-128"/>
+                <a:ea typeface="HGｺﾞｼｯｸM" panose="020B0609000000000000" pitchFamily="49" charset="-128"/>
+              </a:rPr>
+              <a:t>Xiao×</a:t>
+            </a:r>
+            <a:r>
+              <a:rPr lang="ja-JP" altLang="en-US" sz="1200" dirty="0">
+                <a:latin typeface="HGｺﾞｼｯｸM" panose="020B0609000000000000" pitchFamily="49" charset="-128"/>
+                <a:ea typeface="HGｺﾞｼｯｸM" panose="020B0609000000000000" pitchFamily="49" charset="-128"/>
+              </a:rPr>
+              <a:t>２</a:t>
+            </a:r>
+            <a:endParaRPr lang="en-US" altLang="ja-JP" sz="1200" dirty="0">
+              <a:latin typeface="HGｺﾞｼｯｸM" panose="020B0609000000000000" pitchFamily="49" charset="-128"/>
+              <a:ea typeface="HGｺﾞｼｯｸM" panose="020B0609000000000000" pitchFamily="49" charset="-128"/>
+            </a:endParaRPr>
+          </a:p>
+          <a:p>
+            <a:r>
+              <a:rPr lang="ja-JP" altLang="en-US" sz="900" dirty="0">
+                <a:latin typeface="HGｺﾞｼｯｸM" panose="020B0609000000000000" pitchFamily="49" charset="-128"/>
+                <a:ea typeface="HGｺﾞｼｯｸM" panose="020B0609000000000000" pitchFamily="49" charset="-128"/>
+              </a:rPr>
+              <a:t>　→比較的小さなマイコンであり、省スペース化、軽量化に最適だった。</a:t>
+            </a:r>
+            <a:endParaRPr lang="en-US" altLang="ja-JP" sz="900" dirty="0">
+              <a:latin typeface="HGｺﾞｼｯｸM" panose="020B0609000000000000" pitchFamily="49" charset="-128"/>
+              <a:ea typeface="HGｺﾞｼｯｸM" panose="020B0609000000000000" pitchFamily="49" charset="-128"/>
+            </a:endParaRPr>
+          </a:p>
+          <a:p>
+            <a:r>
+              <a:rPr lang="ja-JP" altLang="en-US" sz="900" dirty="0">
+                <a:latin typeface="HGｺﾞｼｯｸM" panose="020B0609000000000000" pitchFamily="49" charset="-128"/>
+                <a:ea typeface="HGｺﾞｼｯｸM" panose="020B0609000000000000" pitchFamily="49" charset="-128"/>
+              </a:rPr>
+              <a:t>　　今大会のロボットにはボール制御・ジャイロ制御用として使用。</a:t>
+            </a:r>
+            <a:endParaRPr lang="en-US" altLang="ja-JP" sz="900" dirty="0">
+              <a:latin typeface="HGｺﾞｼｯｸM" panose="020B0609000000000000" pitchFamily="49" charset="-128"/>
+              <a:ea typeface="HGｺﾞｼｯｸM" panose="020B0609000000000000" pitchFamily="49" charset="-128"/>
+            </a:endParaRPr>
+          </a:p>
+          <a:p>
+            <a:r>
+              <a:rPr lang="ja-JP" altLang="en-US" sz="1200" dirty="0">
+                <a:latin typeface="HGｺﾞｼｯｸM" panose="020B0609000000000000" pitchFamily="49" charset="-128"/>
+                <a:ea typeface="HGｺﾞｼｯｸM" panose="020B0609000000000000" pitchFamily="49" charset="-128"/>
+              </a:rPr>
+              <a:t>・ボールセンサ：</a:t>
+            </a:r>
+            <a:r>
+              <a:rPr lang="en-US" altLang="ja-JP" sz="1200" b="1" dirty="0">
+                <a:solidFill>
+                  <a:schemeClr val="bg1"/>
+                </a:solidFill>
+                <a:latin typeface="HGｺﾞｼｯｸM" panose="020B0609000000000000" pitchFamily="49" charset="-128"/>
+                <a:ea typeface="HGｺﾞｼｯｸM" panose="020B0609000000000000" pitchFamily="49" charset="-128"/>
+              </a:rPr>
+              <a:t> </a:t>
+            </a:r>
+            <a:r>
+              <a:rPr lang="en-US" altLang="ja-JP" sz="1200" dirty="0">
+                <a:latin typeface="HGｺﾞｼｯｸM" panose="020B0609000000000000" pitchFamily="49" charset="-128"/>
+                <a:ea typeface="HGｺﾞｼｯｸM" panose="020B0609000000000000" pitchFamily="49" charset="-128"/>
+              </a:rPr>
+              <a:t>TSSP58038×</a:t>
+            </a:r>
+            <a:r>
+              <a:rPr lang="ja-JP" altLang="en-US" sz="1200" dirty="0">
+                <a:latin typeface="HGｺﾞｼｯｸM" panose="020B0609000000000000" pitchFamily="49" charset="-128"/>
+                <a:ea typeface="HGｺﾞｼｯｸM" panose="020B0609000000000000" pitchFamily="49" charset="-128"/>
+              </a:rPr>
+              <a:t>８</a:t>
+            </a:r>
+            <a:endParaRPr lang="en-US" altLang="ja-JP" sz="1200" dirty="0">
+              <a:latin typeface="HGｺﾞｼｯｸM" panose="020B0609000000000000" pitchFamily="49" charset="-128"/>
+              <a:ea typeface="HGｺﾞｼｯｸM" panose="020B0609000000000000" pitchFamily="49" charset="-128"/>
+            </a:endParaRPr>
+          </a:p>
+          <a:p>
+            <a:r>
+              <a:rPr lang="ja-JP" altLang="en-US" sz="900" dirty="0">
+                <a:latin typeface="HGｺﾞｼｯｸM" panose="020B0609000000000000" pitchFamily="49" charset="-128"/>
+                <a:ea typeface="HGｺﾞｼｯｸM" panose="020B0609000000000000" pitchFamily="49" charset="-128"/>
+              </a:rPr>
+              <a:t>　→近距離、遠距離ともに使え、試合中にボールが見えない状況が</a:t>
+            </a:r>
+            <a:endParaRPr lang="en-US" altLang="ja-JP" sz="900" dirty="0">
+              <a:latin typeface="HGｺﾞｼｯｸM" panose="020B0609000000000000" pitchFamily="49" charset="-128"/>
+              <a:ea typeface="HGｺﾞｼｯｸM" panose="020B0609000000000000" pitchFamily="49" charset="-128"/>
+            </a:endParaRPr>
+          </a:p>
+          <a:p>
+            <a:r>
+              <a:rPr lang="ja-JP" altLang="en-US" sz="900" dirty="0">
+                <a:latin typeface="HGｺﾞｼｯｸM" panose="020B0609000000000000" pitchFamily="49" charset="-128"/>
+                <a:ea typeface="HGｺﾞｼｯｸM" panose="020B0609000000000000" pitchFamily="49" charset="-128"/>
+              </a:rPr>
+              <a:t>　　無くなったため。</a:t>
+            </a:r>
+            <a:endParaRPr lang="en-US" altLang="ja-JP" sz="900" dirty="0">
+              <a:latin typeface="HGｺﾞｼｯｸM" panose="020B0609000000000000" pitchFamily="49" charset="-128"/>
+              <a:ea typeface="HGｺﾞｼｯｸM" panose="020B0609000000000000" pitchFamily="49" charset="-128"/>
+            </a:endParaRPr>
+          </a:p>
+          <a:p>
+            <a:r>
+              <a:rPr kumimoji="1" lang="ja-JP" altLang="en-US" sz="1200" dirty="0">
+                <a:latin typeface="HGｺﾞｼｯｸM" panose="020B0609000000000000" pitchFamily="49" charset="-128"/>
+                <a:ea typeface="HGｺﾞｼｯｸM" panose="020B0609000000000000" pitchFamily="49" charset="-128"/>
+              </a:rPr>
+              <a:t>・ラインセンサ：</a:t>
+            </a:r>
+            <a:r>
+              <a:rPr lang="en-US" altLang="ja-JP" sz="1200" b="1" dirty="0">
+                <a:solidFill>
+                  <a:schemeClr val="bg1"/>
+                </a:solidFill>
+                <a:latin typeface="HGｺﾞｼｯｸM" panose="020B0609000000000000" pitchFamily="49" charset="-128"/>
+                <a:ea typeface="HGｺﾞｼｯｸM" panose="020B0609000000000000" pitchFamily="49" charset="-128"/>
+              </a:rPr>
+              <a:t> </a:t>
+            </a:r>
+            <a:r>
+              <a:rPr lang="en-US" altLang="ja-JP" sz="1200" dirty="0">
+                <a:latin typeface="HGｺﾞｼｯｸM" panose="020B0609000000000000" pitchFamily="49" charset="-128"/>
+                <a:ea typeface="HGｺﾞｼｯｸM" panose="020B0609000000000000" pitchFamily="49" charset="-128"/>
+              </a:rPr>
+              <a:t>S4282-51×16</a:t>
+            </a:r>
+            <a:endParaRPr kumimoji="1" lang="en-US" altLang="ja-JP" sz="1200" dirty="0">
+              <a:latin typeface="HGｺﾞｼｯｸM" panose="020B0609000000000000" pitchFamily="49" charset="-128"/>
+              <a:ea typeface="HGｺﾞｼｯｸM" panose="020B0609000000000000" pitchFamily="49" charset="-128"/>
+            </a:endParaRPr>
+          </a:p>
+          <a:p>
+            <a:r>
+              <a:rPr kumimoji="1" lang="ja-JP" altLang="en-US" sz="900" dirty="0">
+                <a:latin typeface="HGｺﾞｼｯｸM" panose="020B0609000000000000" pitchFamily="49" charset="-128"/>
+                <a:ea typeface="HGｺﾞｼｯｸM" panose="020B0609000000000000" pitchFamily="49" charset="-128"/>
+              </a:rPr>
+              <a:t>　→</a:t>
+            </a:r>
+            <a:r>
+              <a:rPr lang="ja-JP" altLang="en-US" sz="900" dirty="0">
+                <a:latin typeface="HGｺﾞｼｯｸM" panose="020B0609000000000000" pitchFamily="49" charset="-128"/>
+                <a:ea typeface="HGｺﾞｼｯｸM" panose="020B0609000000000000" pitchFamily="49" charset="-128"/>
+              </a:rPr>
+              <a:t>周りの光に影響を受けずにラインを読み取ることができるため、</a:t>
+            </a:r>
+            <a:endParaRPr lang="en-US" altLang="ja-JP" sz="900" dirty="0">
+              <a:latin typeface="HGｺﾞｼｯｸM" panose="020B0609000000000000" pitchFamily="49" charset="-128"/>
+              <a:ea typeface="HGｺﾞｼｯｸM" panose="020B0609000000000000" pitchFamily="49" charset="-128"/>
+            </a:endParaRPr>
+          </a:p>
+          <a:p>
+            <a:r>
+              <a:rPr kumimoji="1" lang="ja-JP" altLang="en-US" sz="900" dirty="0">
+                <a:latin typeface="HGｺﾞｼｯｸM" panose="020B0609000000000000" pitchFamily="49" charset="-128"/>
+                <a:ea typeface="HGｺﾞｼｯｸM" panose="020B0609000000000000" pitchFamily="49" charset="-128"/>
+              </a:rPr>
+              <a:t>　　照明やロボットの影響による誤作動がないため。</a:t>
+            </a:r>
+            <a:endParaRPr kumimoji="1" lang="en-US" altLang="ja-JP" sz="900" dirty="0">
+              <a:latin typeface="HGｺﾞｼｯｸM" panose="020B0609000000000000" pitchFamily="49" charset="-128"/>
+              <a:ea typeface="HGｺﾞｼｯｸM" panose="020B0609000000000000" pitchFamily="49" charset="-128"/>
+            </a:endParaRPr>
+          </a:p>
+          <a:p>
+            <a:r>
+              <a:rPr lang="ja-JP" altLang="en-US" sz="1200" dirty="0">
+                <a:latin typeface="HGｺﾞｼｯｸM" panose="020B0609000000000000" pitchFamily="49" charset="-128"/>
+                <a:ea typeface="HGｺﾞｼｯｸM" panose="020B0609000000000000" pitchFamily="49" charset="-128"/>
+              </a:rPr>
+              <a:t>・タッチセンサ：</a:t>
+            </a:r>
+            <a:r>
+              <a:rPr lang="en-US" altLang="ja-JP" sz="1200" dirty="0">
+                <a:latin typeface="HGｺﾞｼｯｸM" panose="020B0609000000000000" pitchFamily="49" charset="-128"/>
+                <a:ea typeface="HGｺﾞｼｯｸM" panose="020B0609000000000000" pitchFamily="49" charset="-128"/>
+              </a:rPr>
+              <a:t>S4282-51×</a:t>
+            </a:r>
+            <a:r>
+              <a:rPr lang="ja-JP" altLang="en-US" sz="1200" dirty="0">
+                <a:latin typeface="HGｺﾞｼｯｸM" panose="020B0609000000000000" pitchFamily="49" charset="-128"/>
+                <a:ea typeface="HGｺﾞｼｯｸM" panose="020B0609000000000000" pitchFamily="49" charset="-128"/>
+              </a:rPr>
+              <a:t>１</a:t>
+            </a:r>
+            <a:endParaRPr lang="en-US" altLang="ja-JP" sz="1200" dirty="0">
+              <a:latin typeface="HGｺﾞｼｯｸM" panose="020B0609000000000000" pitchFamily="49" charset="-128"/>
+              <a:ea typeface="HGｺﾞｼｯｸM" panose="020B0609000000000000" pitchFamily="49" charset="-128"/>
+            </a:endParaRPr>
+          </a:p>
+          <a:p>
+            <a:r>
+              <a:rPr kumimoji="1" lang="ja-JP" altLang="en-US" sz="1200" dirty="0">
+                <a:latin typeface="HGｺﾞｼｯｸM" panose="020B0609000000000000" pitchFamily="49" charset="-128"/>
+                <a:ea typeface="HGｺﾞｼｯｸM" panose="020B0609000000000000" pitchFamily="49" charset="-128"/>
+              </a:rPr>
+              <a:t>　</a:t>
+            </a:r>
+            <a:r>
+              <a:rPr kumimoji="1" lang="ja-JP" altLang="en-US" sz="900" dirty="0">
+                <a:latin typeface="HGｺﾞｼｯｸM" panose="020B0609000000000000" pitchFamily="49" charset="-128"/>
+                <a:ea typeface="HGｺﾞｼｯｸM" panose="020B0609000000000000" pitchFamily="49" charset="-128"/>
+              </a:rPr>
+              <a:t>→比較的少ない</a:t>
+            </a:r>
+            <a:r>
+              <a:rPr kumimoji="1" lang="en-US" altLang="ja-JP" sz="900" dirty="0">
+                <a:latin typeface="HGｺﾞｼｯｸM" panose="020B0609000000000000" pitchFamily="49" charset="-128"/>
+                <a:ea typeface="HGｺﾞｼｯｸM" panose="020B0609000000000000" pitchFamily="49" charset="-128"/>
+              </a:rPr>
+              <a:t>LED</a:t>
+            </a:r>
+            <a:r>
+              <a:rPr kumimoji="1" lang="ja-JP" altLang="en-US" sz="900" dirty="0">
+                <a:latin typeface="HGｺﾞｼｯｸM" panose="020B0609000000000000" pitchFamily="49" charset="-128"/>
+                <a:ea typeface="HGｺﾞｼｯｸM" panose="020B0609000000000000" pitchFamily="49" charset="-128"/>
+              </a:rPr>
+              <a:t>の光量でボールの補足を検知できた</a:t>
+            </a:r>
+            <a:r>
+              <a:rPr lang="ja-JP" altLang="en-US" sz="900" dirty="0">
+                <a:latin typeface="HGｺﾞｼｯｸM" panose="020B0609000000000000" pitchFamily="49" charset="-128"/>
+                <a:ea typeface="HGｺﾞｼｯｸM" panose="020B0609000000000000" pitchFamily="49" charset="-128"/>
+              </a:rPr>
+              <a:t>ため</a:t>
+            </a:r>
+            <a:r>
+              <a:rPr kumimoji="1" lang="ja-JP" altLang="en-US" sz="900" dirty="0">
+                <a:latin typeface="HGｺﾞｼｯｸM" panose="020B0609000000000000" pitchFamily="49" charset="-128"/>
+                <a:ea typeface="HGｺﾞｼｯｸM" panose="020B0609000000000000" pitchFamily="49" charset="-128"/>
+              </a:rPr>
+              <a:t>。</a:t>
+            </a:r>
+            <a:endParaRPr kumimoji="1" lang="en-US" altLang="ja-JP" sz="900" dirty="0">
+              <a:latin typeface="HGｺﾞｼｯｸM" panose="020B0609000000000000" pitchFamily="49" charset="-128"/>
+              <a:ea typeface="HGｺﾞｼｯｸM" panose="020B0609000000000000" pitchFamily="49" charset="-128"/>
+            </a:endParaRPr>
+          </a:p>
+          <a:p>
+            <a:r>
+              <a:rPr lang="ja-JP" altLang="en-US" sz="1200" dirty="0">
+                <a:latin typeface="HGｺﾞｼｯｸM" panose="020B0609000000000000" pitchFamily="49" charset="-128"/>
+                <a:ea typeface="HGｺﾞｼｯｸM" panose="020B0609000000000000" pitchFamily="49" charset="-128"/>
+              </a:rPr>
+              <a:t>・カメラ：</a:t>
+            </a:r>
+            <a:r>
+              <a:rPr lang="en-US" altLang="ja-JP" sz="1200" dirty="0">
+                <a:latin typeface="HGｺﾞｼｯｸM" panose="020B0609000000000000" pitchFamily="49" charset="-128"/>
+                <a:ea typeface="HGｺﾞｼｯｸM" panose="020B0609000000000000" pitchFamily="49" charset="-128"/>
+              </a:rPr>
+              <a:t>Open MV Cam H7×</a:t>
+            </a:r>
+            <a:r>
+              <a:rPr lang="ja-JP" altLang="en-US" sz="1200" dirty="0">
+                <a:latin typeface="HGｺﾞｼｯｸM" panose="020B0609000000000000" pitchFamily="49" charset="-128"/>
+                <a:ea typeface="HGｺﾞｼｯｸM" panose="020B0609000000000000" pitchFamily="49" charset="-128"/>
+              </a:rPr>
+              <a:t>１</a:t>
+            </a:r>
+            <a:endParaRPr lang="en-US" altLang="ja-JP" sz="1200" dirty="0">
+              <a:latin typeface="HGｺﾞｼｯｸM" panose="020B0609000000000000" pitchFamily="49" charset="-128"/>
+              <a:ea typeface="HGｺﾞｼｯｸM" panose="020B0609000000000000" pitchFamily="49" charset="-128"/>
+            </a:endParaRPr>
+          </a:p>
+          <a:p>
+            <a:r>
+              <a:rPr lang="ja-JP" altLang="en-US" sz="900" dirty="0">
+                <a:latin typeface="HGｺﾞｼｯｸM" panose="020B0609000000000000" pitchFamily="49" charset="-128"/>
+                <a:ea typeface="HGｺﾞｼｯｸM" panose="020B0609000000000000" pitchFamily="49" charset="-128"/>
+              </a:rPr>
+              <a:t>　→</a:t>
+            </a:r>
+            <a:r>
+              <a:rPr lang="en-US" altLang="ja-JP" sz="900" dirty="0">
+                <a:latin typeface="HGｺﾞｼｯｸM" panose="020B0609000000000000" pitchFamily="49" charset="-128"/>
+                <a:ea typeface="HGｺﾞｼｯｸM" panose="020B0609000000000000" pitchFamily="49" charset="-128"/>
+              </a:rPr>
+              <a:t>TJ3B Core</a:t>
+            </a:r>
+            <a:r>
+              <a:rPr lang="ja-JP" altLang="en-US" sz="900" dirty="0">
+                <a:latin typeface="HGｺﾞｼｯｸM" panose="020B0609000000000000" pitchFamily="49" charset="-128"/>
+                <a:ea typeface="HGｺﾞｼｯｸM" panose="020B0609000000000000" pitchFamily="49" charset="-128"/>
+              </a:rPr>
+              <a:t>と組み合わせて使用するのに適していたため。</a:t>
+            </a:r>
+          </a:p>
+          <a:p>
+            <a:endParaRPr lang="en-US" altLang="ja-JP" sz="1400" dirty="0"/>
+          </a:p>
+          <a:p>
+            <a:endParaRPr lang="en-US" altLang="ja-JP" sz="1400" dirty="0"/>
+          </a:p>
+        </p:txBody>
+      </p:sp>
+      <p:pic>
+        <p:nvPicPr>
+          <p:cNvPr id="116" name="図 115"/>
+          <p:cNvPicPr>
+            <a:picLocks noChangeAspect="1"/>
+          </p:cNvPicPr>
+          <p:nvPr/>
+        </p:nvPicPr>
+        <p:blipFill rotWithShape="1">
+          <a:blip r:embed="rId7" cstate="print">
+            <a:extLst>
+              <a:ext uri="{28A0092B-C50C-407E-A947-70E740481C1C}">
+                <a14:useLocalDpi xmlns:a14="http://schemas.microsoft.com/office/drawing/2010/main" val="0"/>
+              </a:ext>
+            </a:extLst>
+          </a:blip>
+          <a:srcRect l="19183" t="20521" r="7594" b="20150"/>
+          <a:stretch/>
+        </p:blipFill>
+        <p:spPr>
+          <a:xfrm rot="18844015">
+            <a:off x="2328933" y="3224692"/>
+            <a:ext cx="687868" cy="402726"/>
+          </a:xfrm>
+          <a:prstGeom prst="rect">
+            <a:avLst/>
+          </a:prstGeom>
+        </p:spPr>
+      </p:pic>
+      <p:pic>
+        <p:nvPicPr>
+          <p:cNvPr id="117" name="図 116"/>
+          <p:cNvPicPr>
+            <a:picLocks noChangeAspect="1"/>
+          </p:cNvPicPr>
+          <p:nvPr/>
+        </p:nvPicPr>
+        <p:blipFill rotWithShape="1">
+          <a:blip r:embed="rId7" cstate="print">
+            <a:extLst>
+              <a:ext uri="{28A0092B-C50C-407E-A947-70E740481C1C}">
+                <a14:useLocalDpi xmlns:a14="http://schemas.microsoft.com/office/drawing/2010/main" val="0"/>
+              </a:ext>
+            </a:extLst>
+          </a:blip>
+          <a:srcRect l="19183" t="20521" r="7594" b="20150"/>
+          <a:stretch/>
+        </p:blipFill>
+        <p:spPr>
+          <a:xfrm rot="18844015">
+            <a:off x="2488032" y="3224692"/>
+            <a:ext cx="687868" cy="402726"/>
+          </a:xfrm>
+          <a:prstGeom prst="rect">
+            <a:avLst/>
+          </a:prstGeom>
+        </p:spPr>
+      </p:pic>
+      <p:pic>
+        <p:nvPicPr>
+          <p:cNvPr id="118" name="図 117"/>
+          <p:cNvPicPr>
+            <a:picLocks noChangeAspect="1"/>
+          </p:cNvPicPr>
+          <p:nvPr/>
+        </p:nvPicPr>
+        <p:blipFill rotWithShape="1">
+          <a:blip r:embed="rId7" cstate="print">
+            <a:extLst>
+              <a:ext uri="{28A0092B-C50C-407E-A947-70E740481C1C}">
+                <a14:useLocalDpi xmlns:a14="http://schemas.microsoft.com/office/drawing/2010/main" val="0"/>
+              </a:ext>
+            </a:extLst>
+          </a:blip>
+          <a:srcRect l="19183" t="20521" r="7594" b="20150"/>
+          <a:stretch/>
+        </p:blipFill>
+        <p:spPr>
+          <a:xfrm rot="18844015">
+            <a:off x="2632785" y="3226729"/>
+            <a:ext cx="687868" cy="402726"/>
+          </a:xfrm>
+          <a:prstGeom prst="rect">
+            <a:avLst/>
+          </a:prstGeom>
+        </p:spPr>
+      </p:pic>
+      <p:sp>
+        <p:nvSpPr>
+          <p:cNvPr id="217" name="テキスト ボックス 216"/>
+          <p:cNvSpPr txBox="1"/>
+          <p:nvPr/>
+        </p:nvSpPr>
+        <p:spPr>
+          <a:xfrm>
+            <a:off x="3438436" y="3015197"/>
+            <a:ext cx="429524" cy="195118"/>
+          </a:xfrm>
+          <a:prstGeom prst="rect">
+            <a:avLst/>
+          </a:prstGeom>
+          <a:noFill/>
+        </p:spPr>
+        <p:txBody>
+          <a:bodyPr wrap="square" rtlCol="0">
+            <a:spAutoFit/>
+          </a:bodyPr>
+          <a:lstStyle/>
+          <a:p>
+            <a:r>
+              <a:rPr lang="en-US" altLang="ja-JP" sz="668" dirty="0">
+                <a:solidFill>
+                  <a:schemeClr val="tx1">
+                    <a:lumMod val="65000"/>
+                    <a:lumOff val="35000"/>
+                  </a:schemeClr>
+                </a:solidFill>
+              </a:rPr>
+              <a:t>Analog</a:t>
+            </a:r>
+            <a:endParaRPr lang="ja-JP" altLang="en-US" sz="668" dirty="0">
+              <a:solidFill>
+                <a:schemeClr val="tx1">
+                  <a:lumMod val="65000"/>
+                  <a:lumOff val="35000"/>
+                </a:schemeClr>
+              </a:solidFill>
+            </a:endParaRPr>
+          </a:p>
+        </p:txBody>
+      </p:sp>
+      <p:pic>
+        <p:nvPicPr>
+          <p:cNvPr id="1026" name="Picture 2">
+            <a:extLst>
+              <a:ext uri="{FF2B5EF4-FFF2-40B4-BE49-F238E27FC236}">
+                <a16:creationId xmlns:a16="http://schemas.microsoft.com/office/drawing/2014/main" id="{BD8B739C-2AFA-2A14-69E8-3D6FDD064B16}"/>
+              </a:ext>
+            </a:extLst>
+          </p:cNvPr>
+          <p:cNvPicPr>
+            <a:picLocks noChangeAspect="1" noChangeArrowheads="1"/>
+          </p:cNvPicPr>
+          <p:nvPr/>
+        </p:nvPicPr>
+        <p:blipFill>
+          <a:blip r:embed="rId25" cstate="print">
+            <a:extLst>
+              <a:ext uri="{28A0092B-C50C-407E-A947-70E740481C1C}">
+                <a14:useLocalDpi xmlns:a14="http://schemas.microsoft.com/office/drawing/2010/main" val="0"/>
+              </a:ext>
+            </a:extLst>
+          </a:blip>
+          <a:srcRect/>
+          <a:stretch>
+            <a:fillRect/>
+          </a:stretch>
+        </p:blipFill>
+        <p:spPr bwMode="auto">
+          <a:xfrm>
+            <a:off x="10168548" y="66857"/>
+            <a:ext cx="569720" cy="569720"/>
+          </a:xfrm>
+          <a:prstGeom prst="rect">
+            <a:avLst/>
+          </a:prstGeom>
+          <a:noFill/>
+          <a:extLst>
+            <a:ext uri="{909E8E84-426E-40DD-AFC4-6F175D3DCCD1}">
+              <a14:hiddenFill xmlns:a14="http://schemas.microsoft.com/office/drawing/2010/main">
+                <a:solidFill>
+                  <a:srgbClr val="FFFFFF"/>
+                </a:solidFill>
+              </a14:hiddenFill>
+            </a:ext>
+          </a:extLst>
+        </p:spPr>
+      </p:pic>
+      <p:sp>
+        <p:nvSpPr>
+          <p:cNvPr id="2" name="テキスト ボックス 1">
+            <a:extLst>
+              <a:ext uri="{FF2B5EF4-FFF2-40B4-BE49-F238E27FC236}">
+                <a16:creationId xmlns:a16="http://schemas.microsoft.com/office/drawing/2014/main" id="{56E00F35-4903-1D06-8877-44B221B41EC0}"/>
+              </a:ext>
+            </a:extLst>
+          </p:cNvPr>
+          <p:cNvSpPr txBox="1"/>
+          <p:nvPr/>
+        </p:nvSpPr>
+        <p:spPr>
+          <a:xfrm>
+            <a:off x="10788847" y="109286"/>
+            <a:ext cx="1465466" cy="518732"/>
+          </a:xfrm>
+          <a:prstGeom prst="rect">
+            <a:avLst/>
+          </a:prstGeom>
+          <a:noFill/>
+        </p:spPr>
+        <p:txBody>
+          <a:bodyPr wrap="none" rtlCol="0">
+            <a:spAutoFit/>
+          </a:bodyPr>
+          <a:lstStyle/>
+          <a:p>
+            <a:r>
+              <a:rPr kumimoji="1" lang="en-US" altLang="ja-JP" b="1" dirty="0">
+                <a:solidFill>
+                  <a:schemeClr val="bg1"/>
+                </a:solidFill>
+                <a:latin typeface="Ink Free" panose="03080402000500000000" pitchFamily="66" charset="0"/>
+              </a:rPr>
+              <a:t>Our blog</a:t>
+            </a:r>
+            <a:endParaRPr kumimoji="1" lang="ja-JP" altLang="en-US" b="1" dirty="0">
+              <a:solidFill>
+                <a:schemeClr val="bg1"/>
+              </a:solidFill>
+              <a:latin typeface="Ink Free" panose="03080402000500000000" pitchFamily="66" charset="0"/>
+            </a:endParaRPr>
+          </a:p>
+        </p:txBody>
+      </p:sp>
+      <p:pic>
+        <p:nvPicPr>
+          <p:cNvPr id="17" name="図 16">
+            <a:extLst>
+              <a:ext uri="{FF2B5EF4-FFF2-40B4-BE49-F238E27FC236}">
+                <a16:creationId xmlns:a16="http://schemas.microsoft.com/office/drawing/2014/main" id="{5971CCE9-FBE7-C404-2E76-F9D4E3C848E4}"/>
+              </a:ext>
+            </a:extLst>
+          </p:cNvPr>
+          <p:cNvPicPr>
+            <a:picLocks noChangeAspect="1"/>
+          </p:cNvPicPr>
+          <p:nvPr/>
+        </p:nvPicPr>
+        <p:blipFill>
+          <a:blip r:embed="rId26"/>
+          <a:stretch>
+            <a:fillRect/>
+          </a:stretch>
+        </p:blipFill>
+        <p:spPr>
+          <a:xfrm>
+            <a:off x="4027459" y="2981944"/>
+            <a:ext cx="693981" cy="538242"/>
+          </a:xfrm>
+          <a:prstGeom prst="rect">
+            <a:avLst/>
+          </a:prstGeom>
+        </p:spPr>
+      </p:pic>
+      <p:pic>
+        <p:nvPicPr>
+          <p:cNvPr id="1040" name="Picture 16" descr="TJ3BLoader付 PICマイコン | ロボット,その他 | 株式会社ダイセン電子工業">
+            <a:extLst>
+              <a:ext uri="{FF2B5EF4-FFF2-40B4-BE49-F238E27FC236}">
+                <a16:creationId xmlns:a16="http://schemas.microsoft.com/office/drawing/2014/main" id="{E2F21258-6AD5-24B6-5B4A-5200BB4AE244}"/>
+              </a:ext>
+            </a:extLst>
+          </p:cNvPr>
+          <p:cNvPicPr>
+            <a:picLocks noChangeAspect="1" noChangeArrowheads="1"/>
+          </p:cNvPicPr>
+          <p:nvPr/>
+        </p:nvPicPr>
+        <p:blipFill rotWithShape="1">
+          <a:blip r:embed="rId27" cstate="print">
+            <a:extLst>
+              <a:ext uri="{28A0092B-C50C-407E-A947-70E740481C1C}">
+                <a14:useLocalDpi xmlns:a14="http://schemas.microsoft.com/office/drawing/2010/main" val="0"/>
+              </a:ext>
+            </a:extLst>
+          </a:blip>
+          <a:srcRect l="21517" t="24440" r="20689" b="23905"/>
+          <a:stretch/>
+        </p:blipFill>
+        <p:spPr bwMode="auto">
+          <a:xfrm>
+            <a:off x="14034226" y="1213707"/>
+            <a:ext cx="791329" cy="530451"/>
+          </a:xfrm>
+          <a:prstGeom prst="rect">
+            <a:avLst/>
+          </a:prstGeom>
+          <a:noFill/>
+          <a:extLst>
+            <a:ext uri="{909E8E84-426E-40DD-AFC4-6F175D3DCCD1}">
+              <a14:hiddenFill xmlns:a14="http://schemas.microsoft.com/office/drawing/2010/main">
+                <a:solidFill>
+                  <a:srgbClr val="FFFFFF"/>
+                </a:solidFill>
+              </a14:hiddenFill>
+            </a:ext>
+          </a:extLst>
+        </p:spPr>
+      </p:pic>
+      <p:pic>
+        <p:nvPicPr>
+          <p:cNvPr id="1042" name="Picture 18" descr="Seeeduino Xiaoをはじめよう - Seeedウィキ（日本語版）">
+            <a:extLst>
+              <a:ext uri="{FF2B5EF4-FFF2-40B4-BE49-F238E27FC236}">
+                <a16:creationId xmlns:a16="http://schemas.microsoft.com/office/drawing/2014/main" id="{946C01D8-7D2B-670E-0144-4989DD2701D1}"/>
+              </a:ext>
+            </a:extLst>
+          </p:cNvPr>
+          <p:cNvPicPr>
+            <a:picLocks noChangeAspect="1" noChangeArrowheads="1"/>
+          </p:cNvPicPr>
+          <p:nvPr/>
+        </p:nvPicPr>
+        <p:blipFill>
+          <a:blip r:embed="rId28" cstate="print">
+            <a:extLst>
+              <a:ext uri="{28A0092B-C50C-407E-A947-70E740481C1C}">
+                <a14:useLocalDpi xmlns:a14="http://schemas.microsoft.com/office/drawing/2010/main" val="0"/>
+              </a:ext>
+            </a:extLst>
+          </a:blip>
+          <a:srcRect/>
+          <a:stretch>
+            <a:fillRect/>
+          </a:stretch>
+        </p:blipFill>
+        <p:spPr bwMode="auto">
+          <a:xfrm>
+            <a:off x="14031954" y="1806456"/>
+            <a:ext cx="793601" cy="596335"/>
+          </a:xfrm>
+          <a:prstGeom prst="rect">
+            <a:avLst/>
+          </a:prstGeom>
+          <a:noFill/>
+          <a:extLst>
+            <a:ext uri="{909E8E84-426E-40DD-AFC4-6F175D3DCCD1}">
+              <a14:hiddenFill xmlns:a14="http://schemas.microsoft.com/office/drawing/2010/main">
+                <a:solidFill>
+                  <a:srgbClr val="FFFFFF"/>
+                </a:solidFill>
+              </a14:hiddenFill>
+            </a:ext>
+          </a:extLst>
+        </p:spPr>
+      </p:pic>
+      <p:pic>
+        <p:nvPicPr>
+          <p:cNvPr id="23" name="図 22">
+            <a:extLst>
+              <a:ext uri="{FF2B5EF4-FFF2-40B4-BE49-F238E27FC236}">
+                <a16:creationId xmlns:a16="http://schemas.microsoft.com/office/drawing/2014/main" id="{1E015B7F-09D6-D291-2F17-0AB91A1AD2E3}"/>
+              </a:ext>
+            </a:extLst>
+          </p:cNvPr>
+          <p:cNvPicPr>
+            <a:picLocks noChangeAspect="1"/>
+          </p:cNvPicPr>
+          <p:nvPr/>
+        </p:nvPicPr>
+        <p:blipFill>
+          <a:blip r:embed="rId29" cstate="print">
+            <a:extLst>
+              <a:ext uri="{28A0092B-C50C-407E-A947-70E740481C1C}">
+                <a14:useLocalDpi xmlns:a14="http://schemas.microsoft.com/office/drawing/2010/main" val="0"/>
+              </a:ext>
+            </a:extLst>
+          </a:blip>
+          <a:stretch>
+            <a:fillRect/>
+          </a:stretch>
+        </p:blipFill>
+        <p:spPr>
+          <a:xfrm>
+            <a:off x="127839" y="-151148"/>
+            <a:ext cx="1389782" cy="982737"/>
+          </a:xfrm>
+          <a:prstGeom prst="rect">
+            <a:avLst/>
+          </a:prstGeom>
+        </p:spPr>
+      </p:pic>
+      <p:pic>
+        <p:nvPicPr>
+          <p:cNvPr id="1046" name="Picture 22" descr="ソース画像を表示">
+            <a:extLst>
+              <a:ext uri="{FF2B5EF4-FFF2-40B4-BE49-F238E27FC236}">
+                <a16:creationId xmlns:a16="http://schemas.microsoft.com/office/drawing/2014/main" id="{DBDD4DE5-B06C-03E2-8BAE-15FCB213AF83}"/>
+              </a:ext>
+            </a:extLst>
+          </p:cNvPr>
+          <p:cNvPicPr>
+            <a:picLocks noChangeAspect="1" noChangeArrowheads="1"/>
+          </p:cNvPicPr>
+          <p:nvPr/>
+        </p:nvPicPr>
+        <p:blipFill>
+          <a:blip r:embed="rId30" cstate="print">
+            <a:extLst>
+              <a:ext uri="{28A0092B-C50C-407E-A947-70E740481C1C}">
+                <a14:useLocalDpi xmlns:a14="http://schemas.microsoft.com/office/drawing/2010/main" val="0"/>
+              </a:ext>
+            </a:extLst>
+          </a:blip>
+          <a:srcRect/>
+          <a:stretch>
+            <a:fillRect/>
+          </a:stretch>
+        </p:blipFill>
+        <p:spPr bwMode="auto">
+          <a:xfrm>
+            <a:off x="14027944" y="2465089"/>
+            <a:ext cx="791328" cy="625497"/>
+          </a:xfrm>
+          <a:prstGeom prst="rect">
+            <a:avLst/>
+          </a:prstGeom>
+          <a:noFill/>
+          <a:extLst>
+            <a:ext uri="{909E8E84-426E-40DD-AFC4-6F175D3DCCD1}">
+              <a14:hiddenFill xmlns:a14="http://schemas.microsoft.com/office/drawing/2010/main">
+                <a:solidFill>
+                  <a:srgbClr val="FFFFFF"/>
+                </a:solidFill>
+              </a14:hiddenFill>
+            </a:ext>
+          </a:extLst>
+        </p:spPr>
+      </p:pic>
+      <p:pic>
+        <p:nvPicPr>
+          <p:cNvPr id="1048" name="Picture 24" descr="ソース画像を表示">
+            <a:extLst>
+              <a:ext uri="{FF2B5EF4-FFF2-40B4-BE49-F238E27FC236}">
+                <a16:creationId xmlns:a16="http://schemas.microsoft.com/office/drawing/2014/main" id="{D397F6E8-C311-F062-C82E-1F071FC6972D}"/>
+              </a:ext>
+            </a:extLst>
+          </p:cNvPr>
+          <p:cNvPicPr>
+            <a:picLocks noChangeAspect="1" noChangeArrowheads="1"/>
+          </p:cNvPicPr>
+          <p:nvPr/>
+        </p:nvPicPr>
+        <p:blipFill>
+          <a:blip r:embed="rId31" cstate="print">
+            <a:extLst>
+              <a:ext uri="{28A0092B-C50C-407E-A947-70E740481C1C}">
+                <a14:useLocalDpi xmlns:a14="http://schemas.microsoft.com/office/drawing/2010/main" val="0"/>
+              </a:ext>
+            </a:extLst>
+          </a:blip>
+          <a:srcRect/>
+          <a:stretch>
+            <a:fillRect/>
+          </a:stretch>
+        </p:blipFill>
+        <p:spPr bwMode="auto">
+          <a:xfrm>
+            <a:off x="14038370" y="3176808"/>
+            <a:ext cx="788554" cy="591416"/>
+          </a:xfrm>
+          <a:prstGeom prst="rect">
+            <a:avLst/>
+          </a:prstGeom>
+          <a:noFill/>
+          <a:extLst>
+            <a:ext uri="{909E8E84-426E-40DD-AFC4-6F175D3DCCD1}">
+              <a14:hiddenFill xmlns:a14="http://schemas.microsoft.com/office/drawing/2010/main">
+                <a:solidFill>
+                  <a:srgbClr val="FFFFFF"/>
+                </a:solidFill>
+              </a14:hiddenFill>
+            </a:ext>
+          </a:extLst>
+        </p:spPr>
+      </p:pic>
+      <p:cxnSp>
+        <p:nvCxnSpPr>
+          <p:cNvPr id="31" name="コネクタ: カギ線 30">
+            <a:extLst>
+              <a:ext uri="{FF2B5EF4-FFF2-40B4-BE49-F238E27FC236}">
+                <a16:creationId xmlns:a16="http://schemas.microsoft.com/office/drawing/2014/main" id="{EF98590F-4572-A603-3081-F636D10A7F20}"/>
+              </a:ext>
+            </a:extLst>
+          </p:cNvPr>
+          <p:cNvCxnSpPr>
+            <a:cxnSpLocks/>
+            <a:endCxn id="1048" idx="1"/>
+          </p:cNvCxnSpPr>
+          <p:nvPr/>
+        </p:nvCxnSpPr>
+        <p:spPr>
+          <a:xfrm>
+            <a:off x="9810750" y="3345911"/>
+            <a:ext cx="4227620" cy="126605"/>
+          </a:xfrm>
+          <a:prstGeom prst="bentConnector3">
+            <a:avLst>
+              <a:gd name="adj1" fmla="val 83908"/>
+            </a:avLst>
+          </a:prstGeom>
+          <a:ln w="6350"/>
+        </p:spPr>
+        <p:style>
+          <a:lnRef idx="1">
+            <a:schemeClr val="accent3"/>
+          </a:lnRef>
+          <a:fillRef idx="0">
+            <a:schemeClr val="accent3"/>
+          </a:fillRef>
+          <a:effectRef idx="0">
+            <a:schemeClr val="accent3"/>
+          </a:effectRef>
+          <a:fontRef idx="minor">
+            <a:schemeClr val="tx1"/>
+          </a:fontRef>
+        </p:style>
+      </p:cxnSp>
+      <p:cxnSp>
+        <p:nvCxnSpPr>
+          <p:cNvPr id="35" name="コネクタ: カギ線 34">
+            <a:extLst>
+              <a:ext uri="{FF2B5EF4-FFF2-40B4-BE49-F238E27FC236}">
+                <a16:creationId xmlns:a16="http://schemas.microsoft.com/office/drawing/2014/main" id="{0D4A8CD5-638C-1889-3136-A8286BEDF4BA}"/>
+              </a:ext>
+            </a:extLst>
+          </p:cNvPr>
+          <p:cNvCxnSpPr>
+            <a:cxnSpLocks/>
+            <a:endCxn id="1046" idx="1"/>
+          </p:cNvCxnSpPr>
+          <p:nvPr/>
+        </p:nvCxnSpPr>
+        <p:spPr>
+          <a:xfrm>
+            <a:off x="9810750" y="2528167"/>
+            <a:ext cx="4217194" cy="249671"/>
+          </a:xfrm>
+          <a:prstGeom prst="bentConnector3">
+            <a:avLst>
+              <a:gd name="adj1" fmla="val 84331"/>
+            </a:avLst>
+          </a:prstGeom>
+          <a:ln w="6350"/>
+        </p:spPr>
+        <p:style>
+          <a:lnRef idx="1">
+            <a:schemeClr val="accent3"/>
+          </a:lnRef>
+          <a:fillRef idx="0">
+            <a:schemeClr val="accent3"/>
+          </a:fillRef>
+          <a:effectRef idx="0">
+            <a:schemeClr val="accent3"/>
+          </a:effectRef>
+          <a:fontRef idx="minor">
+            <a:schemeClr val="tx1"/>
+          </a:fontRef>
+        </p:style>
+      </p:cxnSp>
+      <p:cxnSp>
+        <p:nvCxnSpPr>
+          <p:cNvPr id="54" name="コネクタ: カギ線 53">
+            <a:extLst>
+              <a:ext uri="{FF2B5EF4-FFF2-40B4-BE49-F238E27FC236}">
+                <a16:creationId xmlns:a16="http://schemas.microsoft.com/office/drawing/2014/main" id="{80F301E5-7546-1108-8172-F6FD1DC41AD0}"/>
+              </a:ext>
+            </a:extLst>
+          </p:cNvPr>
+          <p:cNvCxnSpPr>
+            <a:cxnSpLocks/>
+          </p:cNvCxnSpPr>
+          <p:nvPr/>
+        </p:nvCxnSpPr>
+        <p:spPr>
+          <a:xfrm>
+            <a:off x="9773258" y="2064650"/>
+            <a:ext cx="4265369" cy="26860"/>
+          </a:xfrm>
+          <a:prstGeom prst="bentConnector3">
+            <a:avLst>
+              <a:gd name="adj1" fmla="val 84390"/>
+            </a:avLst>
+          </a:prstGeom>
+          <a:ln/>
+        </p:spPr>
+        <p:style>
+          <a:lnRef idx="1">
+            <a:schemeClr val="accent3"/>
+          </a:lnRef>
+          <a:fillRef idx="0">
+            <a:schemeClr val="accent3"/>
+          </a:fillRef>
+          <a:effectRef idx="0">
+            <a:schemeClr val="accent3"/>
+          </a:effectRef>
+          <a:fontRef idx="minor">
+            <a:schemeClr val="tx1"/>
+          </a:fontRef>
+        </p:style>
+      </p:cxnSp>
+      <p:cxnSp>
+        <p:nvCxnSpPr>
+          <p:cNvPr id="104" name="コネクタ: カギ線 103">
+            <a:extLst>
+              <a:ext uri="{FF2B5EF4-FFF2-40B4-BE49-F238E27FC236}">
+                <a16:creationId xmlns:a16="http://schemas.microsoft.com/office/drawing/2014/main" id="{6F753177-20C3-ECC9-6AAA-00B95B9E9959}"/>
+              </a:ext>
+            </a:extLst>
+          </p:cNvPr>
+          <p:cNvCxnSpPr>
+            <a:cxnSpLocks/>
+            <a:endCxn id="1040" idx="1"/>
+          </p:cNvCxnSpPr>
+          <p:nvPr/>
+        </p:nvCxnSpPr>
+        <p:spPr>
+          <a:xfrm flipV="1">
+            <a:off x="9773258" y="1478933"/>
+            <a:ext cx="4260968" cy="129132"/>
+          </a:xfrm>
+          <a:prstGeom prst="bentConnector3">
+            <a:avLst>
+              <a:gd name="adj1" fmla="val 83643"/>
+            </a:avLst>
+          </a:prstGeom>
+          <a:ln/>
+        </p:spPr>
+        <p:style>
+          <a:lnRef idx="1">
+            <a:schemeClr val="accent3"/>
+          </a:lnRef>
+          <a:fillRef idx="0">
+            <a:schemeClr val="accent3"/>
+          </a:fillRef>
+          <a:effectRef idx="0">
+            <a:schemeClr val="accent3"/>
+          </a:effectRef>
+          <a:fontRef idx="minor">
+            <a:schemeClr val="tx1"/>
+          </a:fontRef>
+        </p:style>
+      </p:cxnSp>
     </p:spTree>
     <p:extLst>
       <p:ext uri="{BB962C8B-B14F-4D97-AF65-F5344CB8AC3E}">
@@ -11920,13 +12072,6 @@
   <p:clrMapOvr>
     <a:masterClrMapping/>
   </p:clrMapOvr>
-  <p:timing>
-    <p:tnLst>
-      <p:par>
-        <p:cTn id="1" dur="indefinite" restart="never" nodeType="tmRoot"/>
-      </p:par>
-    </p:tnLst>
-  </p:timing>
 </p:sld>
 </file>
 
